--- a/Online-Shopping-Portal/microservices-demo.pptx
+++ b/Online-Shopping-Portal/microservices-demo.pptx
@@ -5,7 +5,7 @@
     <p:sldMasterId id="2147483840" r:id="rId1"/>
   </p:sldMasterIdLst>
   <p:notesMasterIdLst>
-    <p:notesMasterId r:id="rId27"/>
+    <p:notesMasterId r:id="rId30"/>
   </p:notesMasterIdLst>
   <p:sldIdLst>
     <p:sldId id="256" r:id="rId2"/>
@@ -31,8 +31,11 @@
     <p:sldId id="278" r:id="rId22"/>
     <p:sldId id="279" r:id="rId23"/>
     <p:sldId id="280" r:id="rId24"/>
-    <p:sldId id="268" r:id="rId25"/>
-    <p:sldId id="269" r:id="rId26"/>
+    <p:sldId id="285" r:id="rId25"/>
+    <p:sldId id="288" r:id="rId26"/>
+    <p:sldId id="287" r:id="rId27"/>
+    <p:sldId id="286" r:id="rId28"/>
+    <p:sldId id="268" r:id="rId29"/>
   </p:sldIdLst>
   <p:sldSz cx="12192000" cy="6858000"/>
   <p:notesSz cx="6858000" cy="9144000"/>
@@ -221,7 +224,7 @@
           <a:p>
             <a:fld id="{DB8BE7BF-B99D-4E8D-BF7F-3B845538B53E}" type="datetimeFigureOut">
               <a:rPr lang="en-IN" smtClean="0"/>
-              <a:t>11-01-2021</a:t>
+              <a:t>24-01-2021</a:t>
             </a:fld>
             <a:endParaRPr lang="en-IN"/>
           </a:p>
@@ -636,7 +639,7 @@
           <a:p>
             <a:fld id="{6A4B53A7-3209-46A6-9454-F38EAC8F11E7}" type="datetimeFigureOut">
               <a:rPr lang="en-US" smtClean="0"/>
-              <a:t>1/11/2021</a:t>
+              <a:t>1/24/2021</a:t>
             </a:fld>
             <a:endParaRPr lang="en-US"/>
           </a:p>
@@ -887,7 +890,7 @@
           <a:p>
             <a:fld id="{6A4B53A7-3209-46A6-9454-F38EAC8F11E7}" type="datetimeFigureOut">
               <a:rPr lang="en-US" smtClean="0"/>
-              <a:t>1/11/2021</a:t>
+              <a:t>1/24/2021</a:t>
             </a:fld>
             <a:endParaRPr lang="en-US"/>
           </a:p>
@@ -1148,7 +1151,7 @@
           <a:p>
             <a:fld id="{6A4B53A7-3209-46A6-9454-F38EAC8F11E7}" type="datetimeFigureOut">
               <a:rPr lang="en-US" smtClean="0"/>
-              <a:t>1/11/2021</a:t>
+              <a:t>1/24/2021</a:t>
             </a:fld>
             <a:endParaRPr lang="en-US"/>
           </a:p>
@@ -1399,7 +1402,7 @@
           <a:p>
             <a:fld id="{6A4B53A7-3209-46A6-9454-F38EAC8F11E7}" type="datetimeFigureOut">
               <a:rPr lang="en-US" smtClean="0"/>
-              <a:t>1/11/2021</a:t>
+              <a:t>1/24/2021</a:t>
             </a:fld>
             <a:endParaRPr lang="en-US"/>
           </a:p>
@@ -1727,7 +1730,7 @@
           <a:p>
             <a:fld id="{6A4B53A7-3209-46A6-9454-F38EAC8F11E7}" type="datetimeFigureOut">
               <a:rPr lang="en-US" smtClean="0"/>
-              <a:t>1/11/2021</a:t>
+              <a:t>1/24/2021</a:t>
             </a:fld>
             <a:endParaRPr lang="en-US"/>
           </a:p>
@@ -2045,7 +2048,7 @@
           <a:p>
             <a:fld id="{6A4B53A7-3209-46A6-9454-F38EAC8F11E7}" type="datetimeFigureOut">
               <a:rPr lang="en-US" smtClean="0"/>
-              <a:t>1/11/2021</a:t>
+              <a:t>1/24/2021</a:t>
             </a:fld>
             <a:endParaRPr lang="en-US"/>
           </a:p>
@@ -2510,7 +2513,7 @@
           <a:p>
             <a:fld id="{6A4B53A7-3209-46A6-9454-F38EAC8F11E7}" type="datetimeFigureOut">
               <a:rPr lang="en-US" smtClean="0"/>
-              <a:t>1/11/2021</a:t>
+              <a:t>1/24/2021</a:t>
             </a:fld>
             <a:endParaRPr lang="en-US"/>
           </a:p>
@@ -2704,7 +2707,7 @@
           <a:p>
             <a:fld id="{6A4B53A7-3209-46A6-9454-F38EAC8F11E7}" type="datetimeFigureOut">
               <a:rPr lang="en-US" smtClean="0"/>
-              <a:t>1/11/2021</a:t>
+              <a:t>1/24/2021</a:t>
             </a:fld>
             <a:endParaRPr lang="en-US"/>
           </a:p>
@@ -2870,7 +2873,7 @@
           <a:p>
             <a:fld id="{6A4B53A7-3209-46A6-9454-F38EAC8F11E7}" type="datetimeFigureOut">
               <a:rPr lang="en-US" smtClean="0"/>
-              <a:t>1/11/2021</a:t>
+              <a:t>1/24/2021</a:t>
             </a:fld>
             <a:endParaRPr lang="en-US"/>
           </a:p>
@@ -3234,7 +3237,7 @@
           <a:p>
             <a:fld id="{6A4B53A7-3209-46A6-9454-F38EAC8F11E7}" type="datetimeFigureOut">
               <a:rPr lang="en-US" smtClean="0"/>
-              <a:t>1/11/2021</a:t>
+              <a:t>1/24/2021</a:t>
             </a:fld>
             <a:endParaRPr lang="en-US"/>
           </a:p>
@@ -3578,7 +3581,7 @@
           <a:p>
             <a:fld id="{6A4B53A7-3209-46A6-9454-F38EAC8F11E7}" type="datetimeFigureOut">
               <a:rPr lang="en-US" smtClean="0"/>
-              <a:t>1/11/2021</a:t>
+              <a:t>1/24/2021</a:t>
             </a:fld>
             <a:endParaRPr lang="en-US"/>
           </a:p>
@@ -3869,7 +3872,7 @@
             <a:fld id="{6A4B53A7-3209-46A6-9454-F38EAC8F11E7}" type="datetimeFigureOut">
               <a:rPr lang="en-US" smtClean="0"/>
               <a:pPr/>
-              <a:t>1/11/2021</a:t>
+              <a:t>1/24/2021</a:t>
             </a:fld>
             <a:endParaRPr lang="en-US" dirty="0"/>
           </a:p>
@@ -5465,6 +5468,174 @@
               <a:t>©Green Learner - https://youtube.com/greenlearner</a:t>
             </a:r>
             <a:endParaRPr lang="en-IN" dirty="0"/>
+          </a:p>
+        </p:txBody>
+      </p:sp>
+      <p:sp>
+        <p:nvSpPr>
+          <p:cNvPr id="29" name="Explosion: 14 Points 28">
+            <a:extLst>
+              <a:ext uri="{FF2B5EF4-FFF2-40B4-BE49-F238E27FC236}">
+                <a16:creationId xmlns:a16="http://schemas.microsoft.com/office/drawing/2014/main" id="{CBBC3765-DD6E-4C60-968A-94370D9A21DC}"/>
+              </a:ext>
+            </a:extLst>
+          </p:cNvPr>
+          <p:cNvSpPr/>
+          <p:nvPr/>
+        </p:nvSpPr>
+        <p:spPr>
+          <a:xfrm rot="19459750">
+            <a:off x="-269721" y="1454768"/>
+            <a:ext cx="3585169" cy="1686526"/>
+          </a:xfrm>
+          <a:prstGeom prst="irregularSeal2">
+            <a:avLst/>
+          </a:prstGeom>
+          <a:gradFill flip="none" rotWithShape="1">
+            <a:gsLst>
+              <a:gs pos="0">
+                <a:schemeClr val="accent3">
+                  <a:lumMod val="67000"/>
+                </a:schemeClr>
+              </a:gs>
+              <a:gs pos="48000">
+                <a:schemeClr val="accent3">
+                  <a:lumMod val="97000"/>
+                  <a:lumOff val="3000"/>
+                </a:schemeClr>
+              </a:gs>
+              <a:gs pos="100000">
+                <a:schemeClr val="accent3">
+                  <a:lumMod val="60000"/>
+                  <a:lumOff val="40000"/>
+                </a:schemeClr>
+              </a:gs>
+            </a:gsLst>
+            <a:lin ang="16200000" scaled="1"/>
+            <a:tileRect/>
+          </a:gradFill>
+          <a:ln>
+            <a:noFill/>
+          </a:ln>
+        </p:spPr>
+        <p:style>
+          <a:lnRef idx="0">
+            <a:scrgbClr r="0" g="0" b="0"/>
+          </a:lnRef>
+          <a:fillRef idx="0">
+            <a:scrgbClr r="0" g="0" b="0"/>
+          </a:fillRef>
+          <a:effectRef idx="0">
+            <a:scrgbClr r="0" g="0" b="0"/>
+          </a:effectRef>
+          <a:fontRef idx="minor">
+            <a:schemeClr val="lt1"/>
+          </a:fontRef>
+        </p:style>
+        <p:txBody>
+          <a:bodyPr rtlCol="0" anchor="ctr"/>
+          <a:lstStyle/>
+          <a:p>
+            <a:pPr algn="ctr"/>
+            <a:r>
+              <a:rPr lang="en-IN" sz="2400" b="1" spc="300" dirty="0">
+                <a:latin typeface="Bahnschrift SemiBold Condensed" panose="020B0502040204020203" pitchFamily="34" charset="0"/>
+              </a:rPr>
+              <a:t>REAL TIME</a:t>
+            </a:r>
+          </a:p>
+          <a:p>
+            <a:pPr algn="ctr"/>
+            <a:r>
+              <a:rPr lang="en-IN" sz="2400" b="1" spc="300" dirty="0">
+                <a:latin typeface="Bahnschrift SemiBold Condensed" panose="020B0502040204020203" pitchFamily="34" charset="0"/>
+              </a:rPr>
+              <a:t>PROJECTS</a:t>
+            </a:r>
+          </a:p>
+        </p:txBody>
+      </p:sp>
+      <p:sp>
+        <p:nvSpPr>
+          <p:cNvPr id="31" name="Explosion: 14 Points 30">
+            <a:extLst>
+              <a:ext uri="{FF2B5EF4-FFF2-40B4-BE49-F238E27FC236}">
+                <a16:creationId xmlns:a16="http://schemas.microsoft.com/office/drawing/2014/main" id="{86297168-15EE-480A-AAFB-3186356926A0}"/>
+              </a:ext>
+            </a:extLst>
+          </p:cNvPr>
+          <p:cNvSpPr/>
+          <p:nvPr/>
+        </p:nvSpPr>
+        <p:spPr>
+          <a:xfrm rot="2276317">
+            <a:off x="8715181" y="1344580"/>
+            <a:ext cx="3585169" cy="1686526"/>
+          </a:xfrm>
+          <a:prstGeom prst="irregularSeal2">
+            <a:avLst/>
+          </a:prstGeom>
+          <a:gradFill flip="none" rotWithShape="1">
+            <a:gsLst>
+              <a:gs pos="0">
+                <a:schemeClr val="accent3">
+                  <a:lumMod val="67000"/>
+                </a:schemeClr>
+              </a:gs>
+              <a:gs pos="48000">
+                <a:schemeClr val="accent3">
+                  <a:lumMod val="97000"/>
+                  <a:lumOff val="3000"/>
+                </a:schemeClr>
+              </a:gs>
+              <a:gs pos="100000">
+                <a:schemeClr val="accent3">
+                  <a:lumMod val="60000"/>
+                  <a:lumOff val="40000"/>
+                </a:schemeClr>
+              </a:gs>
+            </a:gsLst>
+            <a:lin ang="16200000" scaled="1"/>
+            <a:tileRect/>
+          </a:gradFill>
+          <a:ln>
+            <a:noFill/>
+          </a:ln>
+        </p:spPr>
+        <p:style>
+          <a:lnRef idx="0">
+            <a:scrgbClr r="0" g="0" b="0"/>
+          </a:lnRef>
+          <a:fillRef idx="0">
+            <a:scrgbClr r="0" g="0" b="0"/>
+          </a:fillRef>
+          <a:effectRef idx="0">
+            <a:scrgbClr r="0" g="0" b="0"/>
+          </a:effectRef>
+          <a:fontRef idx="minor">
+            <a:schemeClr val="lt1"/>
+          </a:fontRef>
+        </p:style>
+        <p:txBody>
+          <a:bodyPr rtlCol="0" anchor="ctr"/>
+          <a:lstStyle/>
+          <a:p>
+            <a:pPr algn="ctr"/>
+            <a:r>
+              <a:rPr lang="en-IN" sz="2400" b="1" spc="300" dirty="0">
+                <a:latin typeface="Bahnschrift SemiBold Condensed" panose="020B0502040204020203" pitchFamily="34" charset="0"/>
+              </a:rPr>
+              <a:t>REAL TIME</a:t>
+            </a:r>
+          </a:p>
+          <a:p>
+            <a:pPr algn="ctr"/>
+            <a:r>
+              <a:rPr lang="en-IN" sz="2400" b="1" spc="300" dirty="0">
+                <a:latin typeface="Bahnschrift SemiBold Condensed" panose="020B0502040204020203" pitchFamily="34" charset="0"/>
+              </a:rPr>
+              <a:t>PROJECTS</a:t>
+            </a:r>
           </a:p>
         </p:txBody>
       </p:sp>
@@ -14749,7 +14920,7 @@
         </p:nvSpPr>
         <p:spPr>
           <a:xfrm rot="5400000">
-            <a:off x="1088028" y="1614330"/>
+            <a:off x="1088028" y="1614331"/>
             <a:ext cx="949310" cy="493481"/>
           </a:xfrm>
           <a:prstGeom prst="chevron">
@@ -14793,7 +14964,7 @@
               <a:tabLst/>
               <a:defRPr/>
             </a:pPr>
-            <a:endParaRPr kumimoji="0" lang="en-IN" sz="1800" b="0" i="0" u="none" strike="noStrike" kern="1200" cap="none" spc="0" normalizeH="0" baseline="0" noProof="0">
+            <a:endParaRPr kumimoji="0" lang="en-IN" sz="2000" b="0" i="0" u="none" strike="noStrike" kern="1200" cap="none" spc="0" normalizeH="0" baseline="0" noProof="0">
               <a:ln>
                 <a:noFill/>
               </a:ln>
@@ -15156,6 +15327,342 @@
           </a:effectLst>
         </p:spPr>
       </p:pic>
+      <p:sp>
+        <p:nvSpPr>
+          <p:cNvPr id="9" name="Explosion: 14 Points 8">
+            <a:extLst>
+              <a:ext uri="{FF2B5EF4-FFF2-40B4-BE49-F238E27FC236}">
+                <a16:creationId xmlns:a16="http://schemas.microsoft.com/office/drawing/2014/main" id="{75B2B9E9-958A-45E2-8853-85284BB49BE3}"/>
+              </a:ext>
+            </a:extLst>
+          </p:cNvPr>
+          <p:cNvSpPr/>
+          <p:nvPr/>
+        </p:nvSpPr>
+        <p:spPr>
+          <a:xfrm rot="19459750">
+            <a:off x="-269720" y="1454767"/>
+            <a:ext cx="3585169" cy="1686526"/>
+          </a:xfrm>
+          <a:prstGeom prst="irregularSeal2">
+            <a:avLst/>
+          </a:prstGeom>
+          <a:gradFill flip="none" rotWithShape="1">
+            <a:gsLst>
+              <a:gs pos="0">
+                <a:schemeClr val="accent3">
+                  <a:lumMod val="67000"/>
+                </a:schemeClr>
+              </a:gs>
+              <a:gs pos="48000">
+                <a:schemeClr val="accent3">
+                  <a:lumMod val="97000"/>
+                  <a:lumOff val="3000"/>
+                </a:schemeClr>
+              </a:gs>
+              <a:gs pos="100000">
+                <a:schemeClr val="accent3">
+                  <a:lumMod val="60000"/>
+                  <a:lumOff val="40000"/>
+                </a:schemeClr>
+              </a:gs>
+            </a:gsLst>
+            <a:lin ang="16200000" scaled="1"/>
+            <a:tileRect/>
+          </a:gradFill>
+          <a:ln>
+            <a:noFill/>
+          </a:ln>
+        </p:spPr>
+        <p:style>
+          <a:lnRef idx="0">
+            <a:scrgbClr r="0" g="0" b="0"/>
+          </a:lnRef>
+          <a:fillRef idx="0">
+            <a:scrgbClr r="0" g="0" b="0"/>
+          </a:fillRef>
+          <a:effectRef idx="0">
+            <a:scrgbClr r="0" g="0" b="0"/>
+          </a:effectRef>
+          <a:fontRef idx="minor">
+            <a:schemeClr val="lt1"/>
+          </a:fontRef>
+        </p:style>
+        <p:txBody>
+          <a:bodyPr rtlCol="0" anchor="ctr"/>
+          <a:lstStyle/>
+          <a:p>
+            <a:pPr algn="ctr"/>
+            <a:r>
+              <a:rPr lang="en-IN" sz="2400" b="1" spc="300" dirty="0">
+                <a:latin typeface="Bahnschrift SemiBold Condensed" panose="020B0502040204020203" pitchFamily="34" charset="0"/>
+              </a:rPr>
+              <a:t>REAL TIME</a:t>
+            </a:r>
+          </a:p>
+          <a:p>
+            <a:pPr algn="ctr"/>
+            <a:r>
+              <a:rPr lang="en-IN" sz="2400" b="1" spc="300" dirty="0">
+                <a:latin typeface="Bahnschrift SemiBold Condensed" panose="020B0502040204020203" pitchFamily="34" charset="0"/>
+              </a:rPr>
+              <a:t>PROJECTS</a:t>
+            </a:r>
+          </a:p>
+        </p:txBody>
+      </p:sp>
+      <p:sp>
+        <p:nvSpPr>
+          <p:cNvPr id="25" name="Explosion: 14 Points 24">
+            <a:extLst>
+              <a:ext uri="{FF2B5EF4-FFF2-40B4-BE49-F238E27FC236}">
+                <a16:creationId xmlns:a16="http://schemas.microsoft.com/office/drawing/2014/main" id="{F570A1AB-E5EF-4CCC-BEE5-5114D4AAB452}"/>
+              </a:ext>
+            </a:extLst>
+          </p:cNvPr>
+          <p:cNvSpPr/>
+          <p:nvPr/>
+        </p:nvSpPr>
+        <p:spPr>
+          <a:xfrm rot="2276317">
+            <a:off x="8715182" y="1344579"/>
+            <a:ext cx="3585169" cy="1686526"/>
+          </a:xfrm>
+          <a:prstGeom prst="irregularSeal2">
+            <a:avLst/>
+          </a:prstGeom>
+          <a:gradFill flip="none" rotWithShape="1">
+            <a:gsLst>
+              <a:gs pos="0">
+                <a:schemeClr val="accent3">
+                  <a:lumMod val="67000"/>
+                </a:schemeClr>
+              </a:gs>
+              <a:gs pos="48000">
+                <a:schemeClr val="accent3">
+                  <a:lumMod val="97000"/>
+                  <a:lumOff val="3000"/>
+                </a:schemeClr>
+              </a:gs>
+              <a:gs pos="100000">
+                <a:schemeClr val="accent3">
+                  <a:lumMod val="60000"/>
+                  <a:lumOff val="40000"/>
+                </a:schemeClr>
+              </a:gs>
+            </a:gsLst>
+            <a:lin ang="16200000" scaled="1"/>
+            <a:tileRect/>
+          </a:gradFill>
+          <a:ln>
+            <a:noFill/>
+          </a:ln>
+        </p:spPr>
+        <p:style>
+          <a:lnRef idx="0">
+            <a:scrgbClr r="0" g="0" b="0"/>
+          </a:lnRef>
+          <a:fillRef idx="0">
+            <a:scrgbClr r="0" g="0" b="0"/>
+          </a:fillRef>
+          <a:effectRef idx="0">
+            <a:scrgbClr r="0" g="0" b="0"/>
+          </a:effectRef>
+          <a:fontRef idx="minor">
+            <a:schemeClr val="lt1"/>
+          </a:fontRef>
+        </p:style>
+        <p:txBody>
+          <a:bodyPr rtlCol="0" anchor="ctr"/>
+          <a:lstStyle/>
+          <a:p>
+            <a:pPr algn="ctr"/>
+            <a:r>
+              <a:rPr lang="en-IN" sz="2400" b="1" spc="300" dirty="0">
+                <a:latin typeface="Bahnschrift SemiBold Condensed" panose="020B0502040204020203" pitchFamily="34" charset="0"/>
+              </a:rPr>
+              <a:t>REAL TIME</a:t>
+            </a:r>
+          </a:p>
+          <a:p>
+            <a:pPr algn="ctr"/>
+            <a:r>
+              <a:rPr lang="en-IN" sz="2400" b="1" spc="300" dirty="0">
+                <a:latin typeface="Bahnschrift SemiBold Condensed" panose="020B0502040204020203" pitchFamily="34" charset="0"/>
+              </a:rPr>
+              <a:t>PROJECTS</a:t>
+            </a:r>
+          </a:p>
+        </p:txBody>
+      </p:sp>
+      <p:sp>
+        <p:nvSpPr>
+          <p:cNvPr id="27" name="Explosion: 14 Points 26">
+            <a:extLst>
+              <a:ext uri="{FF2B5EF4-FFF2-40B4-BE49-F238E27FC236}">
+                <a16:creationId xmlns:a16="http://schemas.microsoft.com/office/drawing/2014/main" id="{6E845F06-1579-4994-92E1-7E491027902C}"/>
+              </a:ext>
+            </a:extLst>
+          </p:cNvPr>
+          <p:cNvSpPr/>
+          <p:nvPr/>
+        </p:nvSpPr>
+        <p:spPr>
+          <a:xfrm rot="19459750">
+            <a:off x="-269721" y="1454768"/>
+            <a:ext cx="3585169" cy="1686526"/>
+          </a:xfrm>
+          <a:prstGeom prst="irregularSeal2">
+            <a:avLst/>
+          </a:prstGeom>
+          <a:gradFill flip="none" rotWithShape="1">
+            <a:gsLst>
+              <a:gs pos="0">
+                <a:schemeClr val="accent3">
+                  <a:lumMod val="67000"/>
+                </a:schemeClr>
+              </a:gs>
+              <a:gs pos="48000">
+                <a:schemeClr val="accent3">
+                  <a:lumMod val="97000"/>
+                  <a:lumOff val="3000"/>
+                </a:schemeClr>
+              </a:gs>
+              <a:gs pos="100000">
+                <a:schemeClr val="accent3">
+                  <a:lumMod val="60000"/>
+                  <a:lumOff val="40000"/>
+                </a:schemeClr>
+              </a:gs>
+            </a:gsLst>
+            <a:lin ang="16200000" scaled="1"/>
+            <a:tileRect/>
+          </a:gradFill>
+          <a:ln>
+            <a:noFill/>
+          </a:ln>
+        </p:spPr>
+        <p:style>
+          <a:lnRef idx="0">
+            <a:scrgbClr r="0" g="0" b="0"/>
+          </a:lnRef>
+          <a:fillRef idx="0">
+            <a:scrgbClr r="0" g="0" b="0"/>
+          </a:fillRef>
+          <a:effectRef idx="0">
+            <a:scrgbClr r="0" g="0" b="0"/>
+          </a:effectRef>
+          <a:fontRef idx="minor">
+            <a:schemeClr val="lt1"/>
+          </a:fontRef>
+        </p:style>
+        <p:txBody>
+          <a:bodyPr rtlCol="0" anchor="ctr"/>
+          <a:lstStyle/>
+          <a:p>
+            <a:pPr algn="ctr"/>
+            <a:r>
+              <a:rPr lang="en-IN" sz="2400" b="1" spc="300" dirty="0">
+                <a:latin typeface="Bahnschrift SemiBold Condensed" panose="020B0502040204020203" pitchFamily="34" charset="0"/>
+              </a:rPr>
+              <a:t>REAL TIME</a:t>
+            </a:r>
+          </a:p>
+          <a:p>
+            <a:pPr algn="ctr"/>
+            <a:r>
+              <a:rPr lang="en-IN" sz="2400" b="1" spc="300" dirty="0">
+                <a:latin typeface="Bahnschrift SemiBold Condensed" panose="020B0502040204020203" pitchFamily="34" charset="0"/>
+              </a:rPr>
+              <a:t>PROJECTS</a:t>
+            </a:r>
+          </a:p>
+        </p:txBody>
+      </p:sp>
+      <p:sp>
+        <p:nvSpPr>
+          <p:cNvPr id="31" name="Explosion: 14 Points 30">
+            <a:extLst>
+              <a:ext uri="{FF2B5EF4-FFF2-40B4-BE49-F238E27FC236}">
+                <a16:creationId xmlns:a16="http://schemas.microsoft.com/office/drawing/2014/main" id="{FAFD79C4-657C-4FAC-B1AA-08AA67D2D770}"/>
+              </a:ext>
+            </a:extLst>
+          </p:cNvPr>
+          <p:cNvSpPr/>
+          <p:nvPr/>
+        </p:nvSpPr>
+        <p:spPr>
+          <a:xfrm rot="2276317">
+            <a:off x="8715181" y="1344580"/>
+            <a:ext cx="3585169" cy="1686526"/>
+          </a:xfrm>
+          <a:prstGeom prst="irregularSeal2">
+            <a:avLst/>
+          </a:prstGeom>
+          <a:gradFill flip="none" rotWithShape="1">
+            <a:gsLst>
+              <a:gs pos="0">
+                <a:schemeClr val="accent3">
+                  <a:lumMod val="67000"/>
+                </a:schemeClr>
+              </a:gs>
+              <a:gs pos="48000">
+                <a:schemeClr val="accent3">
+                  <a:lumMod val="97000"/>
+                  <a:lumOff val="3000"/>
+                </a:schemeClr>
+              </a:gs>
+              <a:gs pos="100000">
+                <a:schemeClr val="accent3">
+                  <a:lumMod val="60000"/>
+                  <a:lumOff val="40000"/>
+                </a:schemeClr>
+              </a:gs>
+            </a:gsLst>
+            <a:lin ang="16200000" scaled="1"/>
+            <a:tileRect/>
+          </a:gradFill>
+          <a:ln>
+            <a:noFill/>
+          </a:ln>
+        </p:spPr>
+        <p:style>
+          <a:lnRef idx="0">
+            <a:scrgbClr r="0" g="0" b="0"/>
+          </a:lnRef>
+          <a:fillRef idx="0">
+            <a:scrgbClr r="0" g="0" b="0"/>
+          </a:fillRef>
+          <a:effectRef idx="0">
+            <a:scrgbClr r="0" g="0" b="0"/>
+          </a:effectRef>
+          <a:fontRef idx="minor">
+            <a:schemeClr val="lt1"/>
+          </a:fontRef>
+        </p:style>
+        <p:txBody>
+          <a:bodyPr rtlCol="0" anchor="ctr"/>
+          <a:lstStyle/>
+          <a:p>
+            <a:pPr algn="ctr"/>
+            <a:r>
+              <a:rPr lang="en-IN" sz="2400" b="1" spc="300" dirty="0">
+                <a:latin typeface="Bahnschrift SemiBold Condensed" panose="020B0502040204020203" pitchFamily="34" charset="0"/>
+              </a:rPr>
+              <a:t>REAL TIME</a:t>
+            </a:r>
+          </a:p>
+          <a:p>
+            <a:pPr algn="ctr"/>
+            <a:r>
+              <a:rPr lang="en-IN" sz="2400" b="1" spc="300" dirty="0">
+                <a:latin typeface="Bahnschrift SemiBold Condensed" panose="020B0502040204020203" pitchFamily="34" charset="0"/>
+              </a:rPr>
+              <a:t>PROJECTS</a:t>
+            </a:r>
+          </a:p>
+        </p:txBody>
+      </p:sp>
     </p:spTree>
     <p:extLst>
       <p:ext uri="{BB962C8B-B14F-4D97-AF65-F5344CB8AC3E}">
@@ -16836,6 +17343,174 @@
           </a:p>
         </p:txBody>
       </p:sp>
+      <p:sp>
+        <p:nvSpPr>
+          <p:cNvPr id="25" name="Explosion: 14 Points 24">
+            <a:extLst>
+              <a:ext uri="{FF2B5EF4-FFF2-40B4-BE49-F238E27FC236}">
+                <a16:creationId xmlns:a16="http://schemas.microsoft.com/office/drawing/2014/main" id="{A99871EC-5DB6-48CC-9861-5D7DDF9F1902}"/>
+              </a:ext>
+            </a:extLst>
+          </p:cNvPr>
+          <p:cNvSpPr/>
+          <p:nvPr/>
+        </p:nvSpPr>
+        <p:spPr>
+          <a:xfrm rot="19459750">
+            <a:off x="-269721" y="1454768"/>
+            <a:ext cx="3585169" cy="1686526"/>
+          </a:xfrm>
+          <a:prstGeom prst="irregularSeal2">
+            <a:avLst/>
+          </a:prstGeom>
+          <a:gradFill flip="none" rotWithShape="1">
+            <a:gsLst>
+              <a:gs pos="0">
+                <a:schemeClr val="accent3">
+                  <a:lumMod val="67000"/>
+                </a:schemeClr>
+              </a:gs>
+              <a:gs pos="48000">
+                <a:schemeClr val="accent3">
+                  <a:lumMod val="97000"/>
+                  <a:lumOff val="3000"/>
+                </a:schemeClr>
+              </a:gs>
+              <a:gs pos="100000">
+                <a:schemeClr val="accent3">
+                  <a:lumMod val="60000"/>
+                  <a:lumOff val="40000"/>
+                </a:schemeClr>
+              </a:gs>
+            </a:gsLst>
+            <a:lin ang="16200000" scaled="1"/>
+            <a:tileRect/>
+          </a:gradFill>
+          <a:ln>
+            <a:noFill/>
+          </a:ln>
+        </p:spPr>
+        <p:style>
+          <a:lnRef idx="0">
+            <a:scrgbClr r="0" g="0" b="0"/>
+          </a:lnRef>
+          <a:fillRef idx="0">
+            <a:scrgbClr r="0" g="0" b="0"/>
+          </a:fillRef>
+          <a:effectRef idx="0">
+            <a:scrgbClr r="0" g="0" b="0"/>
+          </a:effectRef>
+          <a:fontRef idx="minor">
+            <a:schemeClr val="lt1"/>
+          </a:fontRef>
+        </p:style>
+        <p:txBody>
+          <a:bodyPr rtlCol="0" anchor="ctr"/>
+          <a:lstStyle/>
+          <a:p>
+            <a:pPr algn="ctr"/>
+            <a:r>
+              <a:rPr lang="en-IN" sz="2400" b="1" spc="300" dirty="0">
+                <a:latin typeface="Bahnschrift SemiBold Condensed" panose="020B0502040204020203" pitchFamily="34" charset="0"/>
+              </a:rPr>
+              <a:t>REAL TIME</a:t>
+            </a:r>
+          </a:p>
+          <a:p>
+            <a:pPr algn="ctr"/>
+            <a:r>
+              <a:rPr lang="en-IN" sz="2400" b="1" spc="300" dirty="0">
+                <a:latin typeface="Bahnschrift SemiBold Condensed" panose="020B0502040204020203" pitchFamily="34" charset="0"/>
+              </a:rPr>
+              <a:t>PROJECTS</a:t>
+            </a:r>
+          </a:p>
+        </p:txBody>
+      </p:sp>
+      <p:sp>
+        <p:nvSpPr>
+          <p:cNvPr id="27" name="Explosion: 14 Points 26">
+            <a:extLst>
+              <a:ext uri="{FF2B5EF4-FFF2-40B4-BE49-F238E27FC236}">
+                <a16:creationId xmlns:a16="http://schemas.microsoft.com/office/drawing/2014/main" id="{2759C5C8-8DA4-4D53-8424-5204525156B2}"/>
+              </a:ext>
+            </a:extLst>
+          </p:cNvPr>
+          <p:cNvSpPr/>
+          <p:nvPr/>
+        </p:nvSpPr>
+        <p:spPr>
+          <a:xfrm rot="2276317">
+            <a:off x="8715181" y="1344580"/>
+            <a:ext cx="3585169" cy="1686526"/>
+          </a:xfrm>
+          <a:prstGeom prst="irregularSeal2">
+            <a:avLst/>
+          </a:prstGeom>
+          <a:gradFill flip="none" rotWithShape="1">
+            <a:gsLst>
+              <a:gs pos="0">
+                <a:schemeClr val="accent3">
+                  <a:lumMod val="67000"/>
+                </a:schemeClr>
+              </a:gs>
+              <a:gs pos="48000">
+                <a:schemeClr val="accent3">
+                  <a:lumMod val="97000"/>
+                  <a:lumOff val="3000"/>
+                </a:schemeClr>
+              </a:gs>
+              <a:gs pos="100000">
+                <a:schemeClr val="accent3">
+                  <a:lumMod val="60000"/>
+                  <a:lumOff val="40000"/>
+                </a:schemeClr>
+              </a:gs>
+            </a:gsLst>
+            <a:lin ang="16200000" scaled="1"/>
+            <a:tileRect/>
+          </a:gradFill>
+          <a:ln>
+            <a:noFill/>
+          </a:ln>
+        </p:spPr>
+        <p:style>
+          <a:lnRef idx="0">
+            <a:scrgbClr r="0" g="0" b="0"/>
+          </a:lnRef>
+          <a:fillRef idx="0">
+            <a:scrgbClr r="0" g="0" b="0"/>
+          </a:fillRef>
+          <a:effectRef idx="0">
+            <a:scrgbClr r="0" g="0" b="0"/>
+          </a:effectRef>
+          <a:fontRef idx="minor">
+            <a:schemeClr val="lt1"/>
+          </a:fontRef>
+        </p:style>
+        <p:txBody>
+          <a:bodyPr rtlCol="0" anchor="ctr"/>
+          <a:lstStyle/>
+          <a:p>
+            <a:pPr algn="ctr"/>
+            <a:r>
+              <a:rPr lang="en-IN" sz="2400" b="1" spc="300" dirty="0">
+                <a:latin typeface="Bahnschrift SemiBold Condensed" panose="020B0502040204020203" pitchFamily="34" charset="0"/>
+              </a:rPr>
+              <a:t>REAL TIME</a:t>
+            </a:r>
+          </a:p>
+          <a:p>
+            <a:pPr algn="ctr"/>
+            <a:r>
+              <a:rPr lang="en-IN" sz="2400" b="1" spc="300" dirty="0">
+                <a:latin typeface="Bahnschrift SemiBold Condensed" panose="020B0502040204020203" pitchFamily="34" charset="0"/>
+              </a:rPr>
+              <a:t>PROJECTS</a:t>
+            </a:r>
+          </a:p>
+        </p:txBody>
+      </p:sp>
     </p:spTree>
     <p:extLst>
       <p:ext uri="{BB962C8B-B14F-4D97-AF65-F5344CB8AC3E}">
@@ -17287,7 +17962,7 @@
               <a:defRPr/>
             </a:pPr>
             <a:r>
-              <a:rPr kumimoji="0" lang="en-IN" sz="6000" b="0" i="0" u="none" strike="noStrike" kern="1200" cap="none" spc="600" normalizeH="0" baseline="0" noProof="0" dirty="0">
+              <a:rPr kumimoji="0" lang="en-IN" sz="6600" b="0" i="0" u="none" strike="noStrike" kern="1200" cap="none" spc="600" normalizeH="0" baseline="0" noProof="0" dirty="0">
                 <a:ln>
                   <a:noFill/>
                 </a:ln>
@@ -17301,7 +17976,7 @@
                 <a:ea typeface="+mn-ea"/>
                 <a:cs typeface="+mn-cs"/>
               </a:rPr>
-              <a:t>Adding Profiles</a:t>
+              <a:t>understanding Profiles</a:t>
             </a:r>
           </a:p>
         </p:txBody>
@@ -18359,7 +19034,7 @@
         </p:nvSpPr>
         <p:spPr>
           <a:xfrm>
-            <a:off x="3303524" y="6376439"/>
+            <a:off x="3262896" y="6374787"/>
             <a:ext cx="4991098" cy="339725"/>
           </a:xfrm>
         </p:spPr>
@@ -18462,6 +19137,174 @@
           </a:effectLst>
         </p:spPr>
       </p:pic>
+      <p:sp>
+        <p:nvSpPr>
+          <p:cNvPr id="25" name="Explosion: 14 Points 24">
+            <a:extLst>
+              <a:ext uri="{FF2B5EF4-FFF2-40B4-BE49-F238E27FC236}">
+                <a16:creationId xmlns:a16="http://schemas.microsoft.com/office/drawing/2014/main" id="{7EC65B8F-B85E-4793-BBAE-E808996AFE77}"/>
+              </a:ext>
+            </a:extLst>
+          </p:cNvPr>
+          <p:cNvSpPr/>
+          <p:nvPr/>
+        </p:nvSpPr>
+        <p:spPr>
+          <a:xfrm rot="19459750">
+            <a:off x="-269721" y="1454768"/>
+            <a:ext cx="3585169" cy="1686526"/>
+          </a:xfrm>
+          <a:prstGeom prst="irregularSeal2">
+            <a:avLst/>
+          </a:prstGeom>
+          <a:gradFill flip="none" rotWithShape="1">
+            <a:gsLst>
+              <a:gs pos="0">
+                <a:schemeClr val="accent3">
+                  <a:lumMod val="67000"/>
+                </a:schemeClr>
+              </a:gs>
+              <a:gs pos="48000">
+                <a:schemeClr val="accent3">
+                  <a:lumMod val="97000"/>
+                  <a:lumOff val="3000"/>
+                </a:schemeClr>
+              </a:gs>
+              <a:gs pos="100000">
+                <a:schemeClr val="accent3">
+                  <a:lumMod val="60000"/>
+                  <a:lumOff val="40000"/>
+                </a:schemeClr>
+              </a:gs>
+            </a:gsLst>
+            <a:lin ang="16200000" scaled="1"/>
+            <a:tileRect/>
+          </a:gradFill>
+          <a:ln>
+            <a:noFill/>
+          </a:ln>
+        </p:spPr>
+        <p:style>
+          <a:lnRef idx="0">
+            <a:scrgbClr r="0" g="0" b="0"/>
+          </a:lnRef>
+          <a:fillRef idx="0">
+            <a:scrgbClr r="0" g="0" b="0"/>
+          </a:fillRef>
+          <a:effectRef idx="0">
+            <a:scrgbClr r="0" g="0" b="0"/>
+          </a:effectRef>
+          <a:fontRef idx="minor">
+            <a:schemeClr val="lt1"/>
+          </a:fontRef>
+        </p:style>
+        <p:txBody>
+          <a:bodyPr rtlCol="0" anchor="ctr"/>
+          <a:lstStyle/>
+          <a:p>
+            <a:pPr algn="ctr"/>
+            <a:r>
+              <a:rPr lang="en-IN" sz="2400" b="1" spc="300" dirty="0">
+                <a:latin typeface="Bahnschrift SemiBold Condensed" panose="020B0502040204020203" pitchFamily="34" charset="0"/>
+              </a:rPr>
+              <a:t>REAL TIME</a:t>
+            </a:r>
+          </a:p>
+          <a:p>
+            <a:pPr algn="ctr"/>
+            <a:r>
+              <a:rPr lang="en-IN" sz="2400" b="1" spc="300" dirty="0">
+                <a:latin typeface="Bahnschrift SemiBold Condensed" panose="020B0502040204020203" pitchFamily="34" charset="0"/>
+              </a:rPr>
+              <a:t>PROJECTS</a:t>
+            </a:r>
+          </a:p>
+        </p:txBody>
+      </p:sp>
+      <p:sp>
+        <p:nvSpPr>
+          <p:cNvPr id="27" name="Explosion: 14 Points 26">
+            <a:extLst>
+              <a:ext uri="{FF2B5EF4-FFF2-40B4-BE49-F238E27FC236}">
+                <a16:creationId xmlns:a16="http://schemas.microsoft.com/office/drawing/2014/main" id="{1454D8E7-8E67-4402-B813-6F6573CFF0AB}"/>
+              </a:ext>
+            </a:extLst>
+          </p:cNvPr>
+          <p:cNvSpPr/>
+          <p:nvPr/>
+        </p:nvSpPr>
+        <p:spPr>
+          <a:xfrm rot="2276317">
+            <a:off x="8715181" y="1344580"/>
+            <a:ext cx="3585169" cy="1686526"/>
+          </a:xfrm>
+          <a:prstGeom prst="irregularSeal2">
+            <a:avLst/>
+          </a:prstGeom>
+          <a:gradFill flip="none" rotWithShape="1">
+            <a:gsLst>
+              <a:gs pos="0">
+                <a:schemeClr val="accent3">
+                  <a:lumMod val="67000"/>
+                </a:schemeClr>
+              </a:gs>
+              <a:gs pos="48000">
+                <a:schemeClr val="accent3">
+                  <a:lumMod val="97000"/>
+                  <a:lumOff val="3000"/>
+                </a:schemeClr>
+              </a:gs>
+              <a:gs pos="100000">
+                <a:schemeClr val="accent3">
+                  <a:lumMod val="60000"/>
+                  <a:lumOff val="40000"/>
+                </a:schemeClr>
+              </a:gs>
+            </a:gsLst>
+            <a:lin ang="16200000" scaled="1"/>
+            <a:tileRect/>
+          </a:gradFill>
+          <a:ln>
+            <a:noFill/>
+          </a:ln>
+        </p:spPr>
+        <p:style>
+          <a:lnRef idx="0">
+            <a:scrgbClr r="0" g="0" b="0"/>
+          </a:lnRef>
+          <a:fillRef idx="0">
+            <a:scrgbClr r="0" g="0" b="0"/>
+          </a:fillRef>
+          <a:effectRef idx="0">
+            <a:scrgbClr r="0" g="0" b="0"/>
+          </a:effectRef>
+          <a:fontRef idx="minor">
+            <a:schemeClr val="lt1"/>
+          </a:fontRef>
+        </p:style>
+        <p:txBody>
+          <a:bodyPr rtlCol="0" anchor="ctr"/>
+          <a:lstStyle/>
+          <a:p>
+            <a:pPr algn="ctr"/>
+            <a:r>
+              <a:rPr lang="en-IN" sz="2400" b="1" spc="300" dirty="0">
+                <a:latin typeface="Bahnschrift SemiBold Condensed" panose="020B0502040204020203" pitchFamily="34" charset="0"/>
+              </a:rPr>
+              <a:t>REAL TIME</a:t>
+            </a:r>
+          </a:p>
+          <a:p>
+            <a:pPr algn="ctr"/>
+            <a:r>
+              <a:rPr lang="en-IN" sz="2400" b="1" spc="300" dirty="0">
+                <a:latin typeface="Bahnschrift SemiBold Condensed" panose="020B0502040204020203" pitchFamily="34" charset="0"/>
+              </a:rPr>
+              <a:t>PROJECTS</a:t>
+            </a:r>
+          </a:p>
+        </p:txBody>
+      </p:sp>
     </p:spTree>
     <p:extLst>
       <p:ext uri="{BB962C8B-B14F-4D97-AF65-F5344CB8AC3E}">
@@ -18543,14 +19386,122 @@
           <a:p>
             <a:r>
               <a:rPr lang="en-IN" dirty="0"/>
-              <a:t>Add profiles so that we can jump between dev/test/prod environments</a:t>
+              <a:t>Add profiles </a:t>
             </a:r>
           </a:p>
           <a:p>
+            <a:pPr lvl="1"/>
             <a:r>
               <a:rPr lang="en-IN" dirty="0"/>
-              <a:t>Add profiles specific configuration for demo</a:t>
+              <a:t>So that we can jump between dev/test/prod environments</a:t>
             </a:r>
+          </a:p>
+          <a:p>
+            <a:r>
+              <a:rPr lang="en-IN" dirty="0"/>
+              <a:t>Best practices with profiles</a:t>
+            </a:r>
+          </a:p>
+          <a:p>
+            <a:r>
+              <a:rPr lang="en-IN" dirty="0"/>
+              <a:t>2 ways for profiles</a:t>
+            </a:r>
+          </a:p>
+          <a:p>
+            <a:pPr lvl="1"/>
+            <a:r>
+              <a:rPr lang="en-IN" dirty="0"/>
+              <a:t>Single file</a:t>
+            </a:r>
+          </a:p>
+          <a:p>
+            <a:pPr lvl="1"/>
+            <a:r>
+              <a:rPr lang="en-IN" dirty="0"/>
+              <a:t>Multiple profile specific files</a:t>
+            </a:r>
+          </a:p>
+        </p:txBody>
+      </p:sp>
+      <p:sp>
+        <p:nvSpPr>
+          <p:cNvPr id="4" name="Footer Placeholder 3">
+            <a:extLst>
+              <a:ext uri="{FF2B5EF4-FFF2-40B4-BE49-F238E27FC236}">
+                <a16:creationId xmlns:a16="http://schemas.microsoft.com/office/drawing/2014/main" id="{CB871B91-11AE-4539-B961-96CAFA9014EB}"/>
+              </a:ext>
+            </a:extLst>
+          </p:cNvPr>
+          <p:cNvSpPr>
+            <a:spLocks noGrp="1"/>
+          </p:cNvSpPr>
+          <p:nvPr>
+            <p:ph type="ftr" sz="quarter" idx="11"/>
+          </p:nvPr>
+        </p:nvSpPr>
+        <p:spPr>
+          <a:xfrm>
+            <a:off x="3262896" y="6374787"/>
+            <a:ext cx="4991098" cy="339725"/>
+          </a:xfrm>
+        </p:spPr>
+        <p:txBody>
+          <a:bodyPr/>
+          <a:lstStyle/>
+          <a:p>
+            <a:pPr marL="0" marR="0" lvl="0" indent="0" algn="ctr" defTabSz="914400" rtl="0" eaLnBrk="1" fontAlgn="auto" latinLnBrk="0" hangingPunct="1">
+              <a:lnSpc>
+                <a:spcPct val="100000"/>
+              </a:lnSpc>
+              <a:spcBef>
+                <a:spcPts val="0"/>
+              </a:spcBef>
+              <a:spcAft>
+                <a:spcPts val="0"/>
+              </a:spcAft>
+              <a:buClrTx/>
+              <a:buSzTx/>
+              <a:buFontTx/>
+              <a:buNone/>
+              <a:tabLst/>
+              <a:defRPr/>
+            </a:pPr>
+            <a:r>
+              <a:rPr kumimoji="0" lang="en-US" sz="1200" b="0" i="0" u="none" strike="noStrike" kern="1200" cap="none" spc="100" normalizeH="0" baseline="0" noProof="0" dirty="0">
+                <a:ln>
+                  <a:noFill/>
+                </a:ln>
+                <a:solidFill>
+                  <a:prstClr val="black">
+                    <a:tint val="75000"/>
+                  </a:prstClr>
+                </a:solidFill>
+                <a:effectLst/>
+                <a:uLnTx/>
+                <a:uFillTx/>
+                <a:latin typeface="Univers"/>
+                <a:ea typeface="+mn-ea"/>
+                <a:cs typeface="+mn-cs"/>
+              </a:rPr>
+              <a:t>©Green Learner - https://youtube.com/greenlearner</a:t>
+            </a:r>
+            <a:endParaRPr kumimoji="0" lang="en-IN" sz="1200" b="0" i="0" u="none" strike="noStrike" kern="1200" cap="none" spc="100" normalizeH="0" baseline="0" noProof="0" dirty="0">
+              <a:ln>
+                <a:noFill/>
+              </a:ln>
+              <a:solidFill>
+                <a:prstClr val="black">
+                  <a:tint val="75000"/>
+                </a:prstClr>
+              </a:solidFill>
+              <a:effectLst/>
+              <a:uLnTx/>
+              <a:uFillTx/>
+              <a:latin typeface="Univers"/>
+              <a:ea typeface="+mn-ea"/>
+              <a:cs typeface="+mn-cs"/>
+            </a:endParaRPr>
           </a:p>
         </p:txBody>
       </p:sp>
@@ -18899,7 +19850,7 @@
         </p:spPr>
         <p:txBody>
           <a:bodyPr anchor="ctr">
-            <a:normAutofit fontScale="70000" lnSpcReduction="20000"/>
+            <a:normAutofit fontScale="85000" lnSpcReduction="20000"/>
           </a:bodyPr>
           <a:lstStyle/>
           <a:p>
@@ -18949,7 +19900,7 @@
                 </a:solidFill>
                 <a:latin typeface="Algerian" panose="04020705040A02060702" pitchFamily="82" charset="0"/>
               </a:rPr>
-              <a:t>One place logging with filters for all requests</a:t>
+              <a:t>One place logging with filters</a:t>
             </a:r>
           </a:p>
         </p:txBody>
@@ -20110,6 +21061,223 @@
           </a:effectLst>
         </p:spPr>
       </p:pic>
+      <p:sp>
+        <p:nvSpPr>
+          <p:cNvPr id="25" name="Explosion: 14 Points 24">
+            <a:extLst>
+              <a:ext uri="{FF2B5EF4-FFF2-40B4-BE49-F238E27FC236}">
+                <a16:creationId xmlns:a16="http://schemas.microsoft.com/office/drawing/2014/main" id="{FC3F2E8E-5057-4F86-A5E3-A575F3F527D8}"/>
+              </a:ext>
+            </a:extLst>
+          </p:cNvPr>
+          <p:cNvSpPr/>
+          <p:nvPr/>
+        </p:nvSpPr>
+        <p:spPr>
+          <a:xfrm rot="19459750">
+            <a:off x="-269721" y="1454768"/>
+            <a:ext cx="3585169" cy="1686526"/>
+          </a:xfrm>
+          <a:prstGeom prst="irregularSeal2">
+            <a:avLst/>
+          </a:prstGeom>
+          <a:gradFill flip="none" rotWithShape="1">
+            <a:gsLst>
+              <a:gs pos="0">
+                <a:schemeClr val="accent3">
+                  <a:lumMod val="67000"/>
+                </a:schemeClr>
+              </a:gs>
+              <a:gs pos="48000">
+                <a:schemeClr val="accent3">
+                  <a:lumMod val="97000"/>
+                  <a:lumOff val="3000"/>
+                </a:schemeClr>
+              </a:gs>
+              <a:gs pos="100000">
+                <a:schemeClr val="accent3">
+                  <a:lumMod val="60000"/>
+                  <a:lumOff val="40000"/>
+                </a:schemeClr>
+              </a:gs>
+            </a:gsLst>
+            <a:lin ang="16200000" scaled="1"/>
+            <a:tileRect/>
+          </a:gradFill>
+          <a:ln>
+            <a:noFill/>
+          </a:ln>
+        </p:spPr>
+        <p:style>
+          <a:lnRef idx="0">
+            <a:scrgbClr r="0" g="0" b="0"/>
+          </a:lnRef>
+          <a:fillRef idx="0">
+            <a:scrgbClr r="0" g="0" b="0"/>
+          </a:fillRef>
+          <a:effectRef idx="0">
+            <a:scrgbClr r="0" g="0" b="0"/>
+          </a:effectRef>
+          <a:fontRef idx="minor">
+            <a:schemeClr val="lt1"/>
+          </a:fontRef>
+        </p:style>
+        <p:txBody>
+          <a:bodyPr rtlCol="0" anchor="ctr"/>
+          <a:lstStyle/>
+          <a:p>
+            <a:pPr algn="ctr"/>
+            <a:r>
+              <a:rPr lang="en-IN" sz="2400" b="1" spc="300" dirty="0">
+                <a:latin typeface="Bahnschrift SemiBold Condensed" panose="020B0502040204020203" pitchFamily="34" charset="0"/>
+              </a:rPr>
+              <a:t>REAL TIME</a:t>
+            </a:r>
+          </a:p>
+          <a:p>
+            <a:pPr algn="ctr"/>
+            <a:r>
+              <a:rPr lang="en-IN" sz="2400" b="1" spc="300" dirty="0">
+                <a:latin typeface="Bahnschrift SemiBold Condensed" panose="020B0502040204020203" pitchFamily="34" charset="0"/>
+              </a:rPr>
+              <a:t>PROJECTS</a:t>
+            </a:r>
+          </a:p>
+        </p:txBody>
+      </p:sp>
+      <p:sp>
+        <p:nvSpPr>
+          <p:cNvPr id="27" name="Explosion: 14 Points 26">
+            <a:extLst>
+              <a:ext uri="{FF2B5EF4-FFF2-40B4-BE49-F238E27FC236}">
+                <a16:creationId xmlns:a16="http://schemas.microsoft.com/office/drawing/2014/main" id="{489E6976-C878-4B16-AE1D-648C135380A6}"/>
+              </a:ext>
+            </a:extLst>
+          </p:cNvPr>
+          <p:cNvSpPr/>
+          <p:nvPr/>
+        </p:nvSpPr>
+        <p:spPr>
+          <a:xfrm rot="2276317">
+            <a:off x="8715181" y="1344580"/>
+            <a:ext cx="3585169" cy="1686526"/>
+          </a:xfrm>
+          <a:prstGeom prst="irregularSeal2">
+            <a:avLst/>
+          </a:prstGeom>
+          <a:gradFill flip="none" rotWithShape="1">
+            <a:gsLst>
+              <a:gs pos="0">
+                <a:schemeClr val="accent3">
+                  <a:lumMod val="67000"/>
+                </a:schemeClr>
+              </a:gs>
+              <a:gs pos="48000">
+                <a:schemeClr val="accent3">
+                  <a:lumMod val="97000"/>
+                  <a:lumOff val="3000"/>
+                </a:schemeClr>
+              </a:gs>
+              <a:gs pos="100000">
+                <a:schemeClr val="accent3">
+                  <a:lumMod val="60000"/>
+                  <a:lumOff val="40000"/>
+                </a:schemeClr>
+              </a:gs>
+            </a:gsLst>
+            <a:lin ang="16200000" scaled="1"/>
+            <a:tileRect/>
+          </a:gradFill>
+          <a:ln>
+            <a:noFill/>
+          </a:ln>
+        </p:spPr>
+        <p:style>
+          <a:lnRef idx="0">
+            <a:scrgbClr r="0" g="0" b="0"/>
+          </a:lnRef>
+          <a:fillRef idx="0">
+            <a:scrgbClr r="0" g="0" b="0"/>
+          </a:fillRef>
+          <a:effectRef idx="0">
+            <a:scrgbClr r="0" g="0" b="0"/>
+          </a:effectRef>
+          <a:fontRef idx="minor">
+            <a:schemeClr val="lt1"/>
+          </a:fontRef>
+        </p:style>
+        <p:txBody>
+          <a:bodyPr rtlCol="0" anchor="ctr"/>
+          <a:lstStyle/>
+          <a:p>
+            <a:pPr algn="ctr"/>
+            <a:r>
+              <a:rPr lang="en-IN" sz="2400" b="1" spc="300" dirty="0">
+                <a:latin typeface="Bahnschrift SemiBold Condensed" panose="020B0502040204020203" pitchFamily="34" charset="0"/>
+              </a:rPr>
+              <a:t>REAL TIME</a:t>
+            </a:r>
+          </a:p>
+          <a:p>
+            <a:pPr algn="ctr"/>
+            <a:r>
+              <a:rPr lang="en-IN" sz="2400" b="1" spc="300" dirty="0">
+                <a:latin typeface="Bahnschrift SemiBold Condensed" panose="020B0502040204020203" pitchFamily="34" charset="0"/>
+              </a:rPr>
+              <a:t>PROJECTS</a:t>
+            </a:r>
+          </a:p>
+        </p:txBody>
+      </p:sp>
+      <p:sp>
+        <p:nvSpPr>
+          <p:cNvPr id="5" name="Rectangle 4">
+            <a:extLst>
+              <a:ext uri="{FF2B5EF4-FFF2-40B4-BE49-F238E27FC236}">
+                <a16:creationId xmlns:a16="http://schemas.microsoft.com/office/drawing/2014/main" id="{3F4FBAF0-FA4C-40A5-8C70-92F517BC6B06}"/>
+              </a:ext>
+            </a:extLst>
+          </p:cNvPr>
+          <p:cNvSpPr/>
+          <p:nvPr/>
+        </p:nvSpPr>
+        <p:spPr>
+          <a:xfrm>
+            <a:off x="10063023" y="3946965"/>
+            <a:ext cx="1655430" cy="591255"/>
+          </a:xfrm>
+          <a:prstGeom prst="rect">
+            <a:avLst/>
+          </a:prstGeom>
+        </p:spPr>
+        <p:style>
+          <a:lnRef idx="2">
+            <a:schemeClr val="accent1">
+              <a:shade val="50000"/>
+            </a:schemeClr>
+          </a:lnRef>
+          <a:fillRef idx="1">
+            <a:schemeClr val="accent1"/>
+          </a:fillRef>
+          <a:effectRef idx="0">
+            <a:schemeClr val="accent1"/>
+          </a:effectRef>
+          <a:fontRef idx="minor">
+            <a:schemeClr val="lt1"/>
+          </a:fontRef>
+        </p:style>
+        <p:txBody>
+          <a:bodyPr rtlCol="0" anchor="ctr"/>
+          <a:lstStyle/>
+          <a:p>
+            <a:pPr algn="ctr"/>
+            <a:r>
+              <a:rPr lang="en-IN" dirty="0"/>
+              <a:t>PART 3 OF 3</a:t>
+            </a:r>
+          </a:p>
+        </p:txBody>
+      </p:sp>
     </p:spTree>
     <p:extLst>
       <p:ext uri="{BB962C8B-B14F-4D97-AF65-F5344CB8AC3E}">
@@ -20200,44 +21368,66 @@
               <a:t>Validate and mask the data before logging</a:t>
             </a:r>
           </a:p>
+          <a:p>
+            <a:r>
+              <a:rPr lang="en-IN" dirty="0"/>
+              <a:t>Filtering requests to be logged</a:t>
+            </a:r>
+          </a:p>
+          <a:p>
+            <a:r>
+              <a:rPr lang="en-IN" dirty="0"/>
+              <a:t>Logs configuration</a:t>
+            </a:r>
+          </a:p>
+          <a:p>
+            <a:pPr lvl="1"/>
+            <a:r>
+              <a:rPr lang="en-IN" dirty="0"/>
+              <a:t>Different log levels – </a:t>
+            </a:r>
+            <a:r>
+              <a:rPr lang="en-US" i="1" dirty="0"/>
+              <a:t>TRACE, DEBUG, INFO, WARN, ERROR, FATAL, or OFF</a:t>
+            </a:r>
+            <a:endParaRPr lang="en-IN" i="1" dirty="0"/>
+          </a:p>
+          <a:p>
+            <a:pPr lvl="1"/>
+            <a:r>
+              <a:rPr lang="en-IN" dirty="0"/>
+              <a:t>Externalizing logs to external file</a:t>
+            </a:r>
+          </a:p>
+          <a:p>
+            <a:pPr lvl="1"/>
+            <a:r>
+              <a:rPr lang="en-IN" dirty="0"/>
+              <a:t>Size of the log file</a:t>
+            </a:r>
+          </a:p>
+          <a:p>
+            <a:pPr lvl="1"/>
+            <a:r>
+              <a:rPr lang="en-IN" dirty="0"/>
+              <a:t>Log file not to be deleted when application restarted</a:t>
+            </a:r>
+          </a:p>
+          <a:p>
+            <a:pPr lvl="1"/>
+            <a:r>
+              <a:rPr lang="en-IN" dirty="0"/>
+              <a:t>New file created when threshold size is reached</a:t>
+            </a:r>
+          </a:p>
         </p:txBody>
       </p:sp>
-    </p:spTree>
-    <p:extLst>
-      <p:ext uri="{BB962C8B-B14F-4D97-AF65-F5344CB8AC3E}">
-        <p14:creationId xmlns:p14="http://schemas.microsoft.com/office/powerpoint/2010/main" val="2585203368"/>
-      </p:ext>
-    </p:extLst>
-  </p:cSld>
-  <p:clrMapOvr>
-    <a:masterClrMapping/>
-  </p:clrMapOvr>
-</p:sld>
-</file>
-
-<file path=ppt/slides/slide24.xml><?xml version="1.0" encoding="utf-8"?>
-<p:sld xmlns:a="http://schemas.openxmlformats.org/drawingml/2006/main" xmlns:r="http://schemas.openxmlformats.org/officeDocument/2006/relationships" xmlns:p="http://schemas.openxmlformats.org/presentationml/2006/main" showMasterSp="0">
-  <p:cSld>
-    <p:spTree>
-      <p:nvGrpSpPr>
-        <p:cNvPr id="1" name=""/>
-        <p:cNvGrpSpPr/>
-        <p:nvPr/>
-      </p:nvGrpSpPr>
-      <p:grpSpPr>
-        <a:xfrm>
-          <a:off x="0" y="0"/>
-          <a:ext cx="0" cy="0"/>
-          <a:chOff x="0" y="0"/>
-          <a:chExt cx="0" cy="0"/>
-        </a:xfrm>
-      </p:grpSpPr>
       <p:sp>
         <p:nvSpPr>
-          <p:cNvPr id="16" name="Footer Placeholder 3">
-            <a:extLst>
-              <a:ext uri="{FF2B5EF4-FFF2-40B4-BE49-F238E27FC236}">
-                <a16:creationId xmlns:a16="http://schemas.microsoft.com/office/drawing/2014/main" id="{B2AF552E-5380-422C-BB43-6D8D99DF91FB}"/>
+          <p:cNvPr id="4" name="Footer Placeholder 3">
+            <a:extLst>
+              <a:ext uri="{FF2B5EF4-FFF2-40B4-BE49-F238E27FC236}">
+                <a16:creationId xmlns:a16="http://schemas.microsoft.com/office/drawing/2014/main" id="{60194187-0B7D-4836-99AB-C962F6AD9F2F}"/>
               </a:ext>
             </a:extLst>
           </p:cNvPr>
@@ -20250,7 +21440,7 @@
         </p:nvSpPr>
         <p:spPr>
           <a:xfrm>
-            <a:off x="3303524" y="6376439"/>
+            <a:off x="3262896" y="6374787"/>
             <a:ext cx="4991098" cy="339725"/>
           </a:xfrm>
         </p:spPr>
@@ -20316,555 +21506,7 @@
     </p:spTree>
     <p:extLst>
       <p:ext uri="{BB962C8B-B14F-4D97-AF65-F5344CB8AC3E}">
-        <p14:creationId xmlns:p14="http://schemas.microsoft.com/office/powerpoint/2010/main" val="2384300302"/>
-      </p:ext>
-    </p:extLst>
-  </p:cSld>
-  <p:clrMapOvr>
-    <a:masterClrMapping/>
-  </p:clrMapOvr>
-</p:sld>
-</file>
-
-<file path=ppt/slides/slide25.xml><?xml version="1.0" encoding="utf-8"?>
-<p:sld xmlns:a="http://schemas.openxmlformats.org/drawingml/2006/main" xmlns:r="http://schemas.openxmlformats.org/officeDocument/2006/relationships" xmlns:p="http://schemas.openxmlformats.org/presentationml/2006/main" showMasterSp="0">
-  <p:cSld>
-    <p:spTree>
-      <p:nvGrpSpPr>
-        <p:cNvPr id="1" name=""/>
-        <p:cNvGrpSpPr/>
-        <p:nvPr/>
-      </p:nvGrpSpPr>
-      <p:grpSpPr>
-        <a:xfrm>
-          <a:off x="0" y="0"/>
-          <a:ext cx="0" cy="0"/>
-          <a:chOff x="0" y="0"/>
-          <a:chExt cx="0" cy="0"/>
-        </a:xfrm>
-      </p:grpSpPr>
-      <p:sp>
-        <p:nvSpPr>
-          <p:cNvPr id="16" name="Footer Placeholder 3">
-            <a:extLst>
-              <a:ext uri="{FF2B5EF4-FFF2-40B4-BE49-F238E27FC236}">
-                <a16:creationId xmlns:a16="http://schemas.microsoft.com/office/drawing/2014/main" id="{B2AF552E-5380-422C-BB43-6D8D99DF91FB}"/>
-              </a:ext>
-            </a:extLst>
-          </p:cNvPr>
-          <p:cNvSpPr>
-            <a:spLocks noGrp="1"/>
-          </p:cNvSpPr>
-          <p:nvPr>
-            <p:ph type="ftr" sz="quarter" idx="11"/>
-          </p:nvPr>
-        </p:nvSpPr>
-        <p:spPr>
-          <a:xfrm>
-            <a:off x="3303524" y="6376439"/>
-            <a:ext cx="4991098" cy="339725"/>
-          </a:xfrm>
-        </p:spPr>
-        <p:txBody>
-          <a:bodyPr/>
-          <a:lstStyle/>
-          <a:p>
-            <a:pPr marL="0" marR="0" lvl="0" indent="0" algn="ctr" defTabSz="914400" rtl="0" eaLnBrk="1" fontAlgn="auto" latinLnBrk="0" hangingPunct="1">
-              <a:lnSpc>
-                <a:spcPct val="100000"/>
-              </a:lnSpc>
-              <a:spcBef>
-                <a:spcPts val="0"/>
-              </a:spcBef>
-              <a:spcAft>
-                <a:spcPts val="0"/>
-              </a:spcAft>
-              <a:buClrTx/>
-              <a:buSzTx/>
-              <a:buFontTx/>
-              <a:buNone/>
-              <a:tabLst/>
-              <a:defRPr/>
-            </a:pPr>
-            <a:r>
-              <a:rPr kumimoji="0" lang="en-US" sz="1200" b="0" i="0" u="none" strike="noStrike" kern="1200" cap="none" spc="100" normalizeH="0" baseline="0" noProof="0" dirty="0">
-                <a:ln>
-                  <a:noFill/>
-                </a:ln>
-                <a:solidFill>
-                  <a:prstClr val="black">
-                    <a:tint val="75000"/>
-                  </a:prstClr>
-                </a:solidFill>
-                <a:effectLst/>
-                <a:uLnTx/>
-                <a:uFillTx/>
-                <a:latin typeface="Univers"/>
-                <a:ea typeface="+mn-ea"/>
-                <a:cs typeface="+mn-cs"/>
-              </a:rPr>
-              <a:t>©Green Learner - https://youtube.com/greenlearner</a:t>
-            </a:r>
-            <a:endParaRPr kumimoji="0" lang="en-IN" sz="1200" b="0" i="0" u="none" strike="noStrike" kern="1200" cap="none" spc="100" normalizeH="0" baseline="0" noProof="0" dirty="0">
-              <a:ln>
-                <a:noFill/>
-              </a:ln>
-              <a:solidFill>
-                <a:prstClr val="black">
-                  <a:tint val="75000"/>
-                </a:prstClr>
-              </a:solidFill>
-              <a:effectLst/>
-              <a:uLnTx/>
-              <a:uFillTx/>
-              <a:latin typeface="Univers"/>
-              <a:ea typeface="+mn-ea"/>
-              <a:cs typeface="+mn-cs"/>
-            </a:endParaRPr>
-          </a:p>
-        </p:txBody>
-      </p:sp>
-      <p:sp>
-        <p:nvSpPr>
-          <p:cNvPr id="2" name="Rectangle 1">
-            <a:extLst>
-              <a:ext uri="{FF2B5EF4-FFF2-40B4-BE49-F238E27FC236}">
-                <a16:creationId xmlns:a16="http://schemas.microsoft.com/office/drawing/2014/main" id="{104E4C7C-B62E-4265-9A96-C4181D3C577A}"/>
-              </a:ext>
-            </a:extLst>
-          </p:cNvPr>
-          <p:cNvSpPr/>
-          <p:nvPr/>
-        </p:nvSpPr>
-        <p:spPr>
-          <a:xfrm>
-            <a:off x="1057275" y="971550"/>
-            <a:ext cx="3676650" cy="4676775"/>
-          </a:xfrm>
-          <a:prstGeom prst="rect">
-            <a:avLst/>
-          </a:prstGeom>
-        </p:spPr>
-        <p:style>
-          <a:lnRef idx="2">
-            <a:schemeClr val="accent1">
-              <a:shade val="50000"/>
-            </a:schemeClr>
-          </a:lnRef>
-          <a:fillRef idx="1">
-            <a:schemeClr val="accent1"/>
-          </a:fillRef>
-          <a:effectRef idx="0">
-            <a:schemeClr val="accent1"/>
-          </a:effectRef>
-          <a:fontRef idx="minor">
-            <a:schemeClr val="lt1"/>
-          </a:fontRef>
-        </p:style>
-        <p:txBody>
-          <a:bodyPr rtlCol="0" anchor="ctr"/>
-          <a:lstStyle/>
-          <a:p>
-            <a:pPr marL="0" marR="0" lvl="0" indent="0" algn="ctr" defTabSz="914400" rtl="0" eaLnBrk="1" fontAlgn="auto" latinLnBrk="0" hangingPunct="1">
-              <a:lnSpc>
-                <a:spcPct val="100000"/>
-              </a:lnSpc>
-              <a:spcBef>
-                <a:spcPts val="0"/>
-              </a:spcBef>
-              <a:spcAft>
-                <a:spcPts val="0"/>
-              </a:spcAft>
-              <a:buClrTx/>
-              <a:buSzTx/>
-              <a:buFontTx/>
-              <a:buNone/>
-              <a:tabLst/>
-              <a:defRPr/>
-            </a:pPr>
-            <a:r>
-              <a:rPr kumimoji="0" lang="en-IN" sz="4000" b="0" i="0" u="none" strike="noStrike" kern="1200" cap="none" spc="0" normalizeH="0" baseline="0" noProof="0" dirty="0">
-                <a:ln>
-                  <a:noFill/>
-                </a:ln>
-                <a:solidFill>
-                  <a:prstClr val="white"/>
-                </a:solidFill>
-                <a:effectLst/>
-                <a:uLnTx/>
-                <a:uFillTx/>
-                <a:latin typeface="Univers"/>
-                <a:ea typeface="+mn-ea"/>
-                <a:cs typeface="+mn-cs"/>
-              </a:rPr>
-              <a:t>Product</a:t>
-            </a:r>
-          </a:p>
-          <a:p>
-            <a:pPr marL="0" marR="0" lvl="0" indent="0" algn="ctr" defTabSz="914400" rtl="0" eaLnBrk="1" fontAlgn="auto" latinLnBrk="0" hangingPunct="1">
-              <a:lnSpc>
-                <a:spcPct val="100000"/>
-              </a:lnSpc>
-              <a:spcBef>
-                <a:spcPts val="0"/>
-              </a:spcBef>
-              <a:spcAft>
-                <a:spcPts val="0"/>
-              </a:spcAft>
-              <a:buClrTx/>
-              <a:buSzTx/>
-              <a:buFontTx/>
-              <a:buNone/>
-              <a:tabLst/>
-              <a:defRPr/>
-            </a:pPr>
-            <a:r>
-              <a:rPr kumimoji="0" lang="en-IN" sz="4000" b="0" i="0" u="none" strike="noStrike" kern="1200" cap="none" spc="0" normalizeH="0" baseline="0" noProof="0" dirty="0">
-                <a:ln>
-                  <a:noFill/>
-                </a:ln>
-                <a:solidFill>
-                  <a:prstClr val="white"/>
-                </a:solidFill>
-                <a:effectLst/>
-                <a:uLnTx/>
-                <a:uFillTx/>
-                <a:latin typeface="Univers"/>
-                <a:ea typeface="+mn-ea"/>
-                <a:cs typeface="+mn-cs"/>
-              </a:rPr>
-              <a:t>Microservice</a:t>
-            </a:r>
-          </a:p>
-        </p:txBody>
-      </p:sp>
-      <p:sp>
-        <p:nvSpPr>
-          <p:cNvPr id="3" name="TextBox 2">
-            <a:extLst>
-              <a:ext uri="{FF2B5EF4-FFF2-40B4-BE49-F238E27FC236}">
-                <a16:creationId xmlns:a16="http://schemas.microsoft.com/office/drawing/2014/main" id="{C3D46EA8-1E04-4326-B4A2-124B88578BDA}"/>
-              </a:ext>
-            </a:extLst>
-          </p:cNvPr>
-          <p:cNvSpPr txBox="1"/>
-          <p:nvPr/>
-        </p:nvSpPr>
-        <p:spPr>
-          <a:xfrm>
-            <a:off x="5608572" y="971550"/>
-            <a:ext cx="5372100" cy="3539430"/>
-          </a:xfrm>
-          <a:prstGeom prst="rect">
-            <a:avLst/>
-          </a:prstGeom>
-          <a:noFill/>
-        </p:spPr>
-        <p:txBody>
-          <a:bodyPr wrap="square" rtlCol="0" anchor="ctr">
-            <a:spAutoFit/>
-          </a:bodyPr>
-          <a:lstStyle/>
-          <a:p>
-            <a:pPr marL="285750" marR="0" lvl="0" indent="-285750" algn="l" defTabSz="914400" rtl="0" eaLnBrk="1" fontAlgn="auto" latinLnBrk="0" hangingPunct="1">
-              <a:lnSpc>
-                <a:spcPct val="100000"/>
-              </a:lnSpc>
-              <a:spcBef>
-                <a:spcPts val="0"/>
-              </a:spcBef>
-              <a:spcAft>
-                <a:spcPts val="0"/>
-              </a:spcAft>
-              <a:buClrTx/>
-              <a:buSzTx/>
-              <a:buFont typeface="Arial" panose="020B0604020202020204" pitchFamily="34" charset="0"/>
-              <a:buChar char="•"/>
-              <a:tabLst/>
-              <a:defRPr/>
-            </a:pPr>
-            <a:r>
-              <a:rPr kumimoji="0" lang="en-IN" sz="3200" b="0" i="0" u="none" strike="noStrike" kern="1200" cap="none" spc="0" normalizeH="0" baseline="0" noProof="0" dirty="0">
-                <a:ln>
-                  <a:noFill/>
-                </a:ln>
-                <a:solidFill>
-                  <a:prstClr val="black"/>
-                </a:solidFill>
-                <a:effectLst/>
-                <a:uLnTx/>
-                <a:uFillTx/>
-                <a:latin typeface="Univers"/>
-                <a:ea typeface="+mn-ea"/>
-                <a:cs typeface="+mn-cs"/>
-              </a:rPr>
-              <a:t>Create</a:t>
-            </a:r>
-          </a:p>
-          <a:p>
-            <a:pPr marL="285750" marR="0" lvl="0" indent="-285750" algn="l" defTabSz="914400" rtl="0" eaLnBrk="1" fontAlgn="auto" latinLnBrk="0" hangingPunct="1">
-              <a:lnSpc>
-                <a:spcPct val="100000"/>
-              </a:lnSpc>
-              <a:spcBef>
-                <a:spcPts val="0"/>
-              </a:spcBef>
-              <a:spcAft>
-                <a:spcPts val="0"/>
-              </a:spcAft>
-              <a:buClrTx/>
-              <a:buSzTx/>
-              <a:buFont typeface="Arial" panose="020B0604020202020204" pitchFamily="34" charset="0"/>
-              <a:buChar char="•"/>
-              <a:tabLst/>
-              <a:defRPr/>
-            </a:pPr>
-            <a:r>
-              <a:rPr kumimoji="0" lang="en-IN" sz="3200" b="0" i="0" u="none" strike="noStrike" kern="1200" cap="none" spc="0" normalizeH="0" baseline="0" noProof="0" dirty="0">
-                <a:ln>
-                  <a:noFill/>
-                </a:ln>
-                <a:solidFill>
-                  <a:prstClr val="black"/>
-                </a:solidFill>
-                <a:effectLst/>
-                <a:uLnTx/>
-                <a:uFillTx/>
-                <a:latin typeface="Univers"/>
-                <a:ea typeface="+mn-ea"/>
-                <a:cs typeface="+mn-cs"/>
-              </a:rPr>
-              <a:t>Read</a:t>
-            </a:r>
-          </a:p>
-          <a:p>
-            <a:pPr marL="742950" marR="0" lvl="1" indent="-285750" algn="l" defTabSz="914400" rtl="0" eaLnBrk="1" fontAlgn="auto" latinLnBrk="0" hangingPunct="1">
-              <a:lnSpc>
-                <a:spcPct val="100000"/>
-              </a:lnSpc>
-              <a:spcBef>
-                <a:spcPts val="0"/>
-              </a:spcBef>
-              <a:spcAft>
-                <a:spcPts val="0"/>
-              </a:spcAft>
-              <a:buClrTx/>
-              <a:buSzTx/>
-              <a:buFont typeface="Arial" panose="020B0604020202020204" pitchFamily="34" charset="0"/>
-              <a:buChar char="•"/>
-              <a:tabLst/>
-              <a:defRPr/>
-            </a:pPr>
-            <a:r>
-              <a:rPr kumimoji="0" lang="en-IN" sz="3200" b="0" i="0" u="none" strike="noStrike" kern="1200" cap="none" spc="0" normalizeH="0" baseline="0" noProof="0" dirty="0" err="1">
-                <a:ln>
-                  <a:noFill/>
-                </a:ln>
-                <a:solidFill>
-                  <a:prstClr val="black"/>
-                </a:solidFill>
-                <a:effectLst/>
-                <a:uLnTx/>
-                <a:uFillTx/>
-                <a:latin typeface="Univers"/>
-                <a:ea typeface="+mn-ea"/>
-                <a:cs typeface="+mn-cs"/>
-              </a:rPr>
-              <a:t>allProducts</a:t>
-            </a:r>
-            <a:endParaRPr kumimoji="0" lang="en-IN" sz="3200" b="0" i="0" u="none" strike="noStrike" kern="1200" cap="none" spc="0" normalizeH="0" baseline="0" noProof="0" dirty="0">
-              <a:ln>
-                <a:noFill/>
-              </a:ln>
-              <a:solidFill>
-                <a:prstClr val="black"/>
-              </a:solidFill>
-              <a:effectLst/>
-              <a:uLnTx/>
-              <a:uFillTx/>
-              <a:latin typeface="Univers"/>
-              <a:ea typeface="+mn-ea"/>
-              <a:cs typeface="+mn-cs"/>
-            </a:endParaRPr>
-          </a:p>
-          <a:p>
-            <a:pPr marL="742950" marR="0" lvl="1" indent="-285750" algn="l" defTabSz="914400" rtl="0" eaLnBrk="1" fontAlgn="auto" latinLnBrk="0" hangingPunct="1">
-              <a:lnSpc>
-                <a:spcPct val="100000"/>
-              </a:lnSpc>
-              <a:spcBef>
-                <a:spcPts val="0"/>
-              </a:spcBef>
-              <a:spcAft>
-                <a:spcPts val="0"/>
-              </a:spcAft>
-              <a:buClrTx/>
-              <a:buSzTx/>
-              <a:buFont typeface="Arial" panose="020B0604020202020204" pitchFamily="34" charset="0"/>
-              <a:buChar char="•"/>
-              <a:tabLst/>
-              <a:defRPr/>
-            </a:pPr>
-            <a:r>
-              <a:rPr kumimoji="0" lang="en-IN" sz="3200" b="0" i="0" u="none" strike="noStrike" kern="1200" cap="none" spc="0" normalizeH="0" baseline="0" noProof="0" dirty="0" err="1">
-                <a:ln>
-                  <a:noFill/>
-                </a:ln>
-                <a:solidFill>
-                  <a:prstClr val="black"/>
-                </a:solidFill>
-                <a:effectLst/>
-                <a:uLnTx/>
-                <a:uFillTx/>
-                <a:latin typeface="Univers"/>
-                <a:ea typeface="+mn-ea"/>
-                <a:cs typeface="+mn-cs"/>
-              </a:rPr>
-              <a:t>productById</a:t>
-            </a:r>
-            <a:endParaRPr kumimoji="0" lang="en-IN" sz="3200" b="0" i="0" u="none" strike="noStrike" kern="1200" cap="none" spc="0" normalizeH="0" baseline="0" noProof="0" dirty="0">
-              <a:ln>
-                <a:noFill/>
-              </a:ln>
-              <a:solidFill>
-                <a:prstClr val="black"/>
-              </a:solidFill>
-              <a:effectLst/>
-              <a:uLnTx/>
-              <a:uFillTx/>
-              <a:latin typeface="Univers"/>
-              <a:ea typeface="+mn-ea"/>
-              <a:cs typeface="+mn-cs"/>
-            </a:endParaRPr>
-          </a:p>
-          <a:p>
-            <a:pPr marL="742950" marR="0" lvl="1" indent="-285750" algn="l" defTabSz="914400" rtl="0" eaLnBrk="1" fontAlgn="auto" latinLnBrk="0" hangingPunct="1">
-              <a:lnSpc>
-                <a:spcPct val="100000"/>
-              </a:lnSpc>
-              <a:spcBef>
-                <a:spcPts val="0"/>
-              </a:spcBef>
-              <a:spcAft>
-                <a:spcPts val="0"/>
-              </a:spcAft>
-              <a:buClrTx/>
-              <a:buSzTx/>
-              <a:buFont typeface="Arial" panose="020B0604020202020204" pitchFamily="34" charset="0"/>
-              <a:buChar char="•"/>
-              <a:tabLst/>
-              <a:defRPr/>
-            </a:pPr>
-            <a:r>
-              <a:rPr kumimoji="0" lang="en-IN" sz="3200" b="0" i="0" u="none" strike="noStrike" kern="1200" cap="none" spc="0" normalizeH="0" baseline="0" noProof="0" dirty="0" err="1">
-                <a:ln>
-                  <a:noFill/>
-                </a:ln>
-                <a:solidFill>
-                  <a:prstClr val="black"/>
-                </a:solidFill>
-                <a:effectLst/>
-                <a:uLnTx/>
-                <a:uFillTx/>
-                <a:latin typeface="Univers"/>
-                <a:ea typeface="+mn-ea"/>
-                <a:cs typeface="+mn-cs"/>
-              </a:rPr>
-              <a:t>productsByCategory</a:t>
-            </a:r>
-            <a:endParaRPr kumimoji="0" lang="en-IN" sz="3200" b="0" i="0" u="none" strike="noStrike" kern="1200" cap="none" spc="0" normalizeH="0" baseline="0" noProof="0" dirty="0">
-              <a:ln>
-                <a:noFill/>
-              </a:ln>
-              <a:solidFill>
-                <a:prstClr val="black"/>
-              </a:solidFill>
-              <a:effectLst/>
-              <a:uLnTx/>
-              <a:uFillTx/>
-              <a:latin typeface="Univers"/>
-              <a:ea typeface="+mn-ea"/>
-              <a:cs typeface="+mn-cs"/>
-            </a:endParaRPr>
-          </a:p>
-          <a:p>
-            <a:pPr marL="285750" marR="0" lvl="0" indent="-285750" algn="l" defTabSz="914400" rtl="0" eaLnBrk="1" fontAlgn="auto" latinLnBrk="0" hangingPunct="1">
-              <a:lnSpc>
-                <a:spcPct val="100000"/>
-              </a:lnSpc>
-              <a:spcBef>
-                <a:spcPts val="0"/>
-              </a:spcBef>
-              <a:spcAft>
-                <a:spcPts val="0"/>
-              </a:spcAft>
-              <a:buClrTx/>
-              <a:buSzTx/>
-              <a:buFont typeface="Arial" panose="020B0604020202020204" pitchFamily="34" charset="0"/>
-              <a:buChar char="•"/>
-              <a:tabLst/>
-              <a:defRPr/>
-            </a:pPr>
-            <a:r>
-              <a:rPr kumimoji="0" lang="en-IN" sz="3200" b="0" i="0" u="none" strike="noStrike" kern="1200" cap="none" spc="0" normalizeH="0" baseline="0" noProof="0" dirty="0">
-                <a:ln>
-                  <a:noFill/>
-                </a:ln>
-                <a:solidFill>
-                  <a:prstClr val="black"/>
-                </a:solidFill>
-                <a:effectLst/>
-                <a:uLnTx/>
-                <a:uFillTx/>
-                <a:latin typeface="Univers"/>
-                <a:ea typeface="+mn-ea"/>
-                <a:cs typeface="+mn-cs"/>
-              </a:rPr>
-              <a:t>Update</a:t>
-            </a:r>
-          </a:p>
-          <a:p>
-            <a:pPr marL="285750" marR="0" lvl="0" indent="-285750" algn="l" defTabSz="914400" rtl="0" eaLnBrk="1" fontAlgn="auto" latinLnBrk="0" hangingPunct="1">
-              <a:lnSpc>
-                <a:spcPct val="100000"/>
-              </a:lnSpc>
-              <a:spcBef>
-                <a:spcPts val="0"/>
-              </a:spcBef>
-              <a:spcAft>
-                <a:spcPts val="0"/>
-              </a:spcAft>
-              <a:buClrTx/>
-              <a:buSzTx/>
-              <a:buFont typeface="Arial" panose="020B0604020202020204" pitchFamily="34" charset="0"/>
-              <a:buChar char="•"/>
-              <a:tabLst/>
-              <a:defRPr/>
-            </a:pPr>
-            <a:r>
-              <a:rPr kumimoji="0" lang="en-IN" sz="3200" b="0" i="0" u="none" strike="noStrike" kern="1200" cap="none" spc="0" normalizeH="0" baseline="0" noProof="0" dirty="0">
-                <a:ln>
-                  <a:noFill/>
-                </a:ln>
-                <a:solidFill>
-                  <a:prstClr val="black"/>
-                </a:solidFill>
-                <a:effectLst/>
-                <a:uLnTx/>
-                <a:uFillTx/>
-                <a:latin typeface="Univers"/>
-                <a:ea typeface="+mn-ea"/>
-                <a:cs typeface="+mn-cs"/>
-              </a:rPr>
-              <a:t>Delete</a:t>
-            </a:r>
-          </a:p>
-        </p:txBody>
-      </p:sp>
-    </p:spTree>
-    <p:extLst>
-      <p:ext uri="{BB962C8B-B14F-4D97-AF65-F5344CB8AC3E}">
-        <p14:creationId xmlns:p14="http://schemas.microsoft.com/office/powerpoint/2010/main" val="3533076145"/>
+        <p14:creationId xmlns:p14="http://schemas.microsoft.com/office/powerpoint/2010/main" val="2585203368"/>
       </p:ext>
     </p:extLst>
   </p:cSld>
@@ -20892,7 +21534,7 @@
                             </p:stCondLst>
                             <p:childTnLst>
                               <p:par>
-                                <p:cTn id="5" presetID="42" presetClass="entr" presetSubtype="0" fill="hold" nodeType="clickEffect">
+                                <p:cTn id="5" presetID="42" presetClass="entr" presetSubtype="0" fill="hold" grpId="0" nodeType="clickEffect">
                                   <p:stCondLst>
                                     <p:cond delay="0"/>
                                   </p:stCondLst>
@@ -21007,7 +21649,7 @@
                             </p:stCondLst>
                             <p:childTnLst>
                               <p:par>
-                                <p:cTn id="12" presetID="42" presetClass="entr" presetSubtype="0" fill="hold" nodeType="clickEffect">
+                                <p:cTn id="12" presetID="42" presetClass="entr" presetSubtype="0" fill="hold" grpId="0" nodeType="clickEffect">
                                   <p:stCondLst>
                                     <p:cond delay="0"/>
                                   </p:stCondLst>
@@ -21122,7 +21764,7 @@
                             </p:stCondLst>
                             <p:childTnLst>
                               <p:par>
-                                <p:cTn id="19" presetID="42" presetClass="entr" presetSubtype="0" fill="hold" nodeType="clickEffect">
+                                <p:cTn id="19" presetID="42" presetClass="entr" presetSubtype="0" fill="hold" grpId="0" nodeType="clickEffect">
                                   <p:stCondLst>
                                     <p:cond delay="0"/>
                                   </p:stCondLst>
@@ -21237,7 +21879,7 @@
                             </p:stCondLst>
                             <p:childTnLst>
                               <p:par>
-                                <p:cTn id="26" presetID="42" presetClass="entr" presetSubtype="0" fill="hold" nodeType="clickEffect">
+                                <p:cTn id="26" presetID="42" presetClass="entr" presetSubtype="0" fill="hold" grpId="0" nodeType="clickEffect">
                                   <p:stCondLst>
                                     <p:cond delay="0"/>
                                   </p:stCondLst>
@@ -21333,33 +21975,15 @@
                                   </p:childTnLst>
                                 </p:cTn>
                               </p:par>
-                            </p:childTnLst>
-                          </p:cTn>
-                        </p:par>
-                      </p:childTnLst>
-                    </p:cTn>
-                  </p:par>
-                  <p:par>
-                    <p:cTn id="31" fill="hold">
-                      <p:stCondLst>
-                        <p:cond delay="indefinite"/>
-                      </p:stCondLst>
-                      <p:childTnLst>
-                        <p:par>
-                          <p:cTn id="32" fill="hold">
-                            <p:stCondLst>
-                              <p:cond delay="0"/>
-                            </p:stCondLst>
-                            <p:childTnLst>
                               <p:par>
-                                <p:cTn id="33" presetID="42" presetClass="entr" presetSubtype="0" fill="hold" nodeType="clickEffect">
+                                <p:cTn id="31" presetID="42" presetClass="entr" presetSubtype="0" fill="hold" grpId="0" nodeType="withEffect">
                                   <p:stCondLst>
                                     <p:cond delay="0"/>
                                   </p:stCondLst>
                                   <p:childTnLst>
                                     <p:set>
                                       <p:cBhvr>
-                                        <p:cTn id="34" dur="1" fill="hold">
+                                        <p:cTn id="32" dur="1" fill="hold">
                                           <p:stCondLst>
                                             <p:cond delay="0"/>
                                           </p:stCondLst>
@@ -21381,7 +22005,7 @@
                                     </p:set>
                                     <p:animEffect transition="in" filter="fade">
                                       <p:cBhvr>
-                                        <p:cTn id="35" dur="1000"/>
+                                        <p:cTn id="33" dur="1000"/>
                                         <p:tgtEl>
                                           <p:spTgt spid="3">
                                             <p:txEl>
@@ -21393,7 +22017,7 @@
                                     </p:animEffect>
                                     <p:anim calcmode="lin" valueType="num">
                                       <p:cBhvr>
-                                        <p:cTn id="36" dur="1000" fill="hold"/>
+                                        <p:cTn id="34" dur="1000" fill="hold"/>
                                         <p:tgtEl>
                                           <p:spTgt spid="3">
                                             <p:txEl>
@@ -21420,7 +22044,7 @@
                                     </p:anim>
                                     <p:anim calcmode="lin" valueType="num">
                                       <p:cBhvr>
-                                        <p:cTn id="37" dur="1000" fill="hold"/>
+                                        <p:cTn id="35" dur="1000" fill="hold"/>
                                         <p:tgtEl>
                                           <p:spTgt spid="3">
                                             <p:txEl>
@@ -21448,33 +22072,15 @@
                                   </p:childTnLst>
                                 </p:cTn>
                               </p:par>
-                            </p:childTnLst>
-                          </p:cTn>
-                        </p:par>
-                      </p:childTnLst>
-                    </p:cTn>
-                  </p:par>
-                  <p:par>
-                    <p:cTn id="38" fill="hold">
-                      <p:stCondLst>
-                        <p:cond delay="indefinite"/>
-                      </p:stCondLst>
-                      <p:childTnLst>
-                        <p:par>
-                          <p:cTn id="39" fill="hold">
-                            <p:stCondLst>
-                              <p:cond delay="0"/>
-                            </p:stCondLst>
-                            <p:childTnLst>
                               <p:par>
-                                <p:cTn id="40" presetID="42" presetClass="entr" presetSubtype="0" fill="hold" nodeType="clickEffect">
+                                <p:cTn id="36" presetID="42" presetClass="entr" presetSubtype="0" fill="hold" grpId="0" nodeType="withEffect">
                                   <p:stCondLst>
                                     <p:cond delay="0"/>
                                   </p:stCondLst>
                                   <p:childTnLst>
                                     <p:set>
                                       <p:cBhvr>
-                                        <p:cTn id="41" dur="1" fill="hold">
+                                        <p:cTn id="37" dur="1" fill="hold">
                                           <p:stCondLst>
                                             <p:cond delay="0"/>
                                           </p:stCondLst>
@@ -21496,7 +22102,7 @@
                                     </p:set>
                                     <p:animEffect transition="in" filter="fade">
                                       <p:cBhvr>
-                                        <p:cTn id="42" dur="1000"/>
+                                        <p:cTn id="38" dur="1000"/>
                                         <p:tgtEl>
                                           <p:spTgt spid="3">
                                             <p:txEl>
@@ -21508,7 +22114,7 @@
                                     </p:animEffect>
                                     <p:anim calcmode="lin" valueType="num">
                                       <p:cBhvr>
-                                        <p:cTn id="43" dur="1000" fill="hold"/>
+                                        <p:cTn id="39" dur="1000" fill="hold"/>
                                         <p:tgtEl>
                                           <p:spTgt spid="3">
                                             <p:txEl>
@@ -21535,7 +22141,7 @@
                                     </p:anim>
                                     <p:anim calcmode="lin" valueType="num">
                                       <p:cBhvr>
-                                        <p:cTn id="44" dur="1000" fill="hold"/>
+                                        <p:cTn id="40" dur="1000" fill="hold"/>
                                         <p:tgtEl>
                                           <p:spTgt spid="3">
                                             <p:txEl>
@@ -21563,33 +22169,15 @@
                                   </p:childTnLst>
                                 </p:cTn>
                               </p:par>
-                            </p:childTnLst>
-                          </p:cTn>
-                        </p:par>
-                      </p:childTnLst>
-                    </p:cTn>
-                  </p:par>
-                  <p:par>
-                    <p:cTn id="45" fill="hold">
-                      <p:stCondLst>
-                        <p:cond delay="indefinite"/>
-                      </p:stCondLst>
-                      <p:childTnLst>
-                        <p:par>
-                          <p:cTn id="46" fill="hold">
-                            <p:stCondLst>
-                              <p:cond delay="0"/>
-                            </p:stCondLst>
-                            <p:childTnLst>
                               <p:par>
-                                <p:cTn id="47" presetID="42" presetClass="entr" presetSubtype="0" fill="hold" nodeType="clickEffect">
+                                <p:cTn id="41" presetID="42" presetClass="entr" presetSubtype="0" fill="hold" grpId="0" nodeType="withEffect">
                                   <p:stCondLst>
                                     <p:cond delay="0"/>
                                   </p:stCondLst>
                                   <p:childTnLst>
                                     <p:set>
                                       <p:cBhvr>
-                                        <p:cTn id="48" dur="1" fill="hold">
+                                        <p:cTn id="42" dur="1" fill="hold">
                                           <p:stCondLst>
                                             <p:cond delay="0"/>
                                           </p:stCondLst>
@@ -21611,7 +22199,7 @@
                                     </p:set>
                                     <p:animEffect transition="in" filter="fade">
                                       <p:cBhvr>
-                                        <p:cTn id="49" dur="1000"/>
+                                        <p:cTn id="43" dur="1000"/>
                                         <p:tgtEl>
                                           <p:spTgt spid="3">
                                             <p:txEl>
@@ -21623,7 +22211,7 @@
                                     </p:animEffect>
                                     <p:anim calcmode="lin" valueType="num">
                                       <p:cBhvr>
-                                        <p:cTn id="50" dur="1000" fill="hold"/>
+                                        <p:cTn id="44" dur="1000" fill="hold"/>
                                         <p:tgtEl>
                                           <p:spTgt spid="3">
                                             <p:txEl>
@@ -21650,11 +22238,205 @@
                                     </p:anim>
                                     <p:anim calcmode="lin" valueType="num">
                                       <p:cBhvr>
-                                        <p:cTn id="51" dur="1000" fill="hold"/>
+                                        <p:cTn id="45" dur="1000" fill="hold"/>
                                         <p:tgtEl>
                                           <p:spTgt spid="3">
                                             <p:txEl>
                                               <p:pRg st="6" end="6"/>
+                                            </p:txEl>
+                                          </p:spTgt>
+                                        </p:tgtEl>
+                                        <p:attrNameLst>
+                                          <p:attrName>ppt_y</p:attrName>
+                                        </p:attrNameLst>
+                                      </p:cBhvr>
+                                      <p:tavLst>
+                                        <p:tav tm="0">
+                                          <p:val>
+                                            <p:strVal val="#ppt_y+.1"/>
+                                          </p:val>
+                                        </p:tav>
+                                        <p:tav tm="100000">
+                                          <p:val>
+                                            <p:strVal val="#ppt_y"/>
+                                          </p:val>
+                                        </p:tav>
+                                      </p:tavLst>
+                                    </p:anim>
+                                  </p:childTnLst>
+                                </p:cTn>
+                              </p:par>
+                              <p:par>
+                                <p:cTn id="46" presetID="42" presetClass="entr" presetSubtype="0" fill="hold" grpId="0" nodeType="withEffect">
+                                  <p:stCondLst>
+                                    <p:cond delay="0"/>
+                                  </p:stCondLst>
+                                  <p:childTnLst>
+                                    <p:set>
+                                      <p:cBhvr>
+                                        <p:cTn id="47" dur="1" fill="hold">
+                                          <p:stCondLst>
+                                            <p:cond delay="0"/>
+                                          </p:stCondLst>
+                                        </p:cTn>
+                                        <p:tgtEl>
+                                          <p:spTgt spid="3">
+                                            <p:txEl>
+                                              <p:pRg st="7" end="7"/>
+                                            </p:txEl>
+                                          </p:spTgt>
+                                        </p:tgtEl>
+                                        <p:attrNameLst>
+                                          <p:attrName>style.visibility</p:attrName>
+                                        </p:attrNameLst>
+                                      </p:cBhvr>
+                                      <p:to>
+                                        <p:strVal val="visible"/>
+                                      </p:to>
+                                    </p:set>
+                                    <p:animEffect transition="in" filter="fade">
+                                      <p:cBhvr>
+                                        <p:cTn id="48" dur="1000"/>
+                                        <p:tgtEl>
+                                          <p:spTgt spid="3">
+                                            <p:txEl>
+                                              <p:pRg st="7" end="7"/>
+                                            </p:txEl>
+                                          </p:spTgt>
+                                        </p:tgtEl>
+                                      </p:cBhvr>
+                                    </p:animEffect>
+                                    <p:anim calcmode="lin" valueType="num">
+                                      <p:cBhvr>
+                                        <p:cTn id="49" dur="1000" fill="hold"/>
+                                        <p:tgtEl>
+                                          <p:spTgt spid="3">
+                                            <p:txEl>
+                                              <p:pRg st="7" end="7"/>
+                                            </p:txEl>
+                                          </p:spTgt>
+                                        </p:tgtEl>
+                                        <p:attrNameLst>
+                                          <p:attrName>ppt_x</p:attrName>
+                                        </p:attrNameLst>
+                                      </p:cBhvr>
+                                      <p:tavLst>
+                                        <p:tav tm="0">
+                                          <p:val>
+                                            <p:strVal val="#ppt_x"/>
+                                          </p:val>
+                                        </p:tav>
+                                        <p:tav tm="100000">
+                                          <p:val>
+                                            <p:strVal val="#ppt_x"/>
+                                          </p:val>
+                                        </p:tav>
+                                      </p:tavLst>
+                                    </p:anim>
+                                    <p:anim calcmode="lin" valueType="num">
+                                      <p:cBhvr>
+                                        <p:cTn id="50" dur="1000" fill="hold"/>
+                                        <p:tgtEl>
+                                          <p:spTgt spid="3">
+                                            <p:txEl>
+                                              <p:pRg st="7" end="7"/>
+                                            </p:txEl>
+                                          </p:spTgt>
+                                        </p:tgtEl>
+                                        <p:attrNameLst>
+                                          <p:attrName>ppt_y</p:attrName>
+                                        </p:attrNameLst>
+                                      </p:cBhvr>
+                                      <p:tavLst>
+                                        <p:tav tm="0">
+                                          <p:val>
+                                            <p:strVal val="#ppt_y+.1"/>
+                                          </p:val>
+                                        </p:tav>
+                                        <p:tav tm="100000">
+                                          <p:val>
+                                            <p:strVal val="#ppt_y"/>
+                                          </p:val>
+                                        </p:tav>
+                                      </p:tavLst>
+                                    </p:anim>
+                                  </p:childTnLst>
+                                </p:cTn>
+                              </p:par>
+                              <p:par>
+                                <p:cTn id="51" presetID="42" presetClass="entr" presetSubtype="0" fill="hold" grpId="0" nodeType="withEffect">
+                                  <p:stCondLst>
+                                    <p:cond delay="0"/>
+                                  </p:stCondLst>
+                                  <p:childTnLst>
+                                    <p:set>
+                                      <p:cBhvr>
+                                        <p:cTn id="52" dur="1" fill="hold">
+                                          <p:stCondLst>
+                                            <p:cond delay="0"/>
+                                          </p:stCondLst>
+                                        </p:cTn>
+                                        <p:tgtEl>
+                                          <p:spTgt spid="3">
+                                            <p:txEl>
+                                              <p:pRg st="8" end="8"/>
+                                            </p:txEl>
+                                          </p:spTgt>
+                                        </p:tgtEl>
+                                        <p:attrNameLst>
+                                          <p:attrName>style.visibility</p:attrName>
+                                        </p:attrNameLst>
+                                      </p:cBhvr>
+                                      <p:to>
+                                        <p:strVal val="visible"/>
+                                      </p:to>
+                                    </p:set>
+                                    <p:animEffect transition="in" filter="fade">
+                                      <p:cBhvr>
+                                        <p:cTn id="53" dur="1000"/>
+                                        <p:tgtEl>
+                                          <p:spTgt spid="3">
+                                            <p:txEl>
+                                              <p:pRg st="8" end="8"/>
+                                            </p:txEl>
+                                          </p:spTgt>
+                                        </p:tgtEl>
+                                      </p:cBhvr>
+                                    </p:animEffect>
+                                    <p:anim calcmode="lin" valueType="num">
+                                      <p:cBhvr>
+                                        <p:cTn id="54" dur="1000" fill="hold"/>
+                                        <p:tgtEl>
+                                          <p:spTgt spid="3">
+                                            <p:txEl>
+                                              <p:pRg st="8" end="8"/>
+                                            </p:txEl>
+                                          </p:spTgt>
+                                        </p:tgtEl>
+                                        <p:attrNameLst>
+                                          <p:attrName>ppt_x</p:attrName>
+                                        </p:attrNameLst>
+                                      </p:cBhvr>
+                                      <p:tavLst>
+                                        <p:tav tm="0">
+                                          <p:val>
+                                            <p:strVal val="#ppt_x"/>
+                                          </p:val>
+                                        </p:tav>
+                                        <p:tav tm="100000">
+                                          <p:val>
+                                            <p:strVal val="#ppt_x"/>
+                                          </p:val>
+                                        </p:tav>
+                                      </p:tavLst>
+                                    </p:anim>
+                                    <p:anim calcmode="lin" valueType="num">
+                                      <p:cBhvr>
+                                        <p:cTn id="55" dur="1000" fill="hold"/>
+                                        <p:tgtEl>
+                                          <p:spTgt spid="3">
+                                            <p:txEl>
+                                              <p:pRg st="8" end="8"/>
                                             </p:txEl>
                                           </p:spTgt>
                                         </p:tgtEl>
@@ -21705,7 +22487,7081 @@
         </p:cTn>
       </p:par>
     </p:tnLst>
+    <p:bldLst>
+      <p:bldP spid="3" grpId="0" build="p"/>
+    </p:bldLst>
   </p:timing>
+</p:sld>
+</file>
+
+<file path=ppt/slides/slide24.xml><?xml version="1.0" encoding="utf-8"?>
+<p:sld xmlns:a="http://schemas.openxmlformats.org/drawingml/2006/main" xmlns:r="http://schemas.openxmlformats.org/officeDocument/2006/relationships" xmlns:p="http://schemas.openxmlformats.org/presentationml/2006/main">
+  <p:cSld>
+    <p:bg>
+      <p:bgPr>
+        <a:solidFill>
+          <a:schemeClr val="bg1"/>
+        </a:solidFill>
+        <a:effectLst/>
+      </p:bgPr>
+    </p:bg>
+    <p:spTree>
+      <p:nvGrpSpPr>
+        <p:cNvPr id="1" name=""/>
+        <p:cNvGrpSpPr/>
+        <p:nvPr/>
+      </p:nvGrpSpPr>
+      <p:grpSpPr>
+        <a:xfrm>
+          <a:off x="0" y="0"/>
+          <a:ext cx="0" cy="0"/>
+          <a:chOff x="0" y="0"/>
+          <a:chExt cx="0" cy="0"/>
+        </a:xfrm>
+      </p:grpSpPr>
+      <p:sp>
+        <p:nvSpPr>
+          <p:cNvPr id="20" name="Rectangle 19">
+            <a:extLst>
+              <a:ext uri="{FF2B5EF4-FFF2-40B4-BE49-F238E27FC236}">
+                <a16:creationId xmlns:a16="http://schemas.microsoft.com/office/drawing/2014/main" id="{663302B0-7A41-480B-921B-7D395B4E24C8}"/>
+              </a:ext>
+              <a:ext uri="{C183D7F6-B498-43B3-948B-1728B52AA6E4}">
+                <adec:decorative xmlns:adec="http://schemas.microsoft.com/office/drawing/2017/decorative" val="1"/>
+              </a:ext>
+            </a:extLst>
+          </p:cNvPr>
+          <p:cNvSpPr>
+            <a:spLocks noGrp="1" noRot="1" noChangeAspect="1" noMove="1" noResize="1" noEditPoints="1" noAdjustHandles="1" noChangeArrowheads="1" noChangeShapeType="1" noTextEdit="1"/>
+          </p:cNvSpPr>
+          <p:nvPr>
+            <p:extLst>
+              <p:ext uri="{386F3935-93C4-4BCD-93E2-E3B085C9AB24}">
+                <p16:designElem xmlns:p16="http://schemas.microsoft.com/office/powerpoint/2015/main" val="1"/>
+              </p:ext>
+            </p:extLst>
+          </p:nvPr>
+        </p:nvSpPr>
+        <p:spPr>
+          <a:xfrm>
+            <a:off x="0" y="0"/>
+            <a:ext cx="12192000" cy="6858000"/>
+          </a:xfrm>
+          <a:prstGeom prst="rect">
+            <a:avLst/>
+          </a:prstGeom>
+          <a:gradFill flip="none" rotWithShape="1">
+            <a:gsLst>
+              <a:gs pos="100000">
+                <a:schemeClr val="accent4"/>
+              </a:gs>
+              <a:gs pos="0">
+                <a:schemeClr val="accent2"/>
+              </a:gs>
+            </a:gsLst>
+            <a:lin ang="2700000" scaled="1"/>
+            <a:tileRect/>
+          </a:gradFill>
+          <a:ln>
+            <a:noFill/>
+          </a:ln>
+        </p:spPr>
+        <p:style>
+          <a:lnRef idx="2">
+            <a:schemeClr val="accent1">
+              <a:shade val="50000"/>
+            </a:schemeClr>
+          </a:lnRef>
+          <a:fillRef idx="1">
+            <a:schemeClr val="accent1"/>
+          </a:fillRef>
+          <a:effectRef idx="0">
+            <a:schemeClr val="accent1"/>
+          </a:effectRef>
+          <a:fontRef idx="minor">
+            <a:schemeClr val="lt1"/>
+          </a:fontRef>
+        </p:style>
+        <p:txBody>
+          <a:bodyPr rtlCol="0" anchor="ctr"/>
+          <a:lstStyle/>
+          <a:p>
+            <a:pPr marL="0" marR="0" lvl="0" indent="0" algn="ctr" defTabSz="914400" rtl="0" eaLnBrk="1" fontAlgn="auto" latinLnBrk="0" hangingPunct="1">
+              <a:lnSpc>
+                <a:spcPct val="100000"/>
+              </a:lnSpc>
+              <a:spcBef>
+                <a:spcPts val="0"/>
+              </a:spcBef>
+              <a:spcAft>
+                <a:spcPts val="0"/>
+              </a:spcAft>
+              <a:buClrTx/>
+              <a:buSzTx/>
+              <a:buFontTx/>
+              <a:buNone/>
+              <a:tabLst/>
+              <a:defRPr/>
+            </a:pPr>
+            <a:endParaRPr kumimoji="0" lang="en-US" sz="1800" b="0" i="0" u="none" strike="noStrike" kern="1200" cap="none" spc="0" normalizeH="0" baseline="0" noProof="0">
+              <a:ln>
+                <a:noFill/>
+              </a:ln>
+              <a:solidFill>
+                <a:prstClr val="white"/>
+              </a:solidFill>
+              <a:effectLst/>
+              <a:uLnTx/>
+              <a:uFillTx/>
+              <a:latin typeface="Univers"/>
+              <a:ea typeface="+mn-ea"/>
+              <a:cs typeface="+mn-cs"/>
+            </a:endParaRPr>
+          </a:p>
+        </p:txBody>
+      </p:sp>
+      <p:pic>
+        <p:nvPicPr>
+          <p:cNvPr id="4" name="Picture 3">
+            <a:extLst>
+              <a:ext uri="{FF2B5EF4-FFF2-40B4-BE49-F238E27FC236}">
+                <a16:creationId xmlns:a16="http://schemas.microsoft.com/office/drawing/2014/main" id="{A3AB1860-7104-4D1E-A310-EA6D5F0C9F63}"/>
+              </a:ext>
+            </a:extLst>
+          </p:cNvPr>
+          <p:cNvPicPr>
+            <a:picLocks noChangeAspect="1"/>
+          </p:cNvPicPr>
+          <p:nvPr/>
+        </p:nvPicPr>
+        <p:blipFill rotWithShape="1">
+          <a:blip r:embed="rId2"/>
+          <a:srcRect l="24233" r="24232" b="-1"/>
+          <a:stretch/>
+        </p:blipFill>
+        <p:spPr>
+          <a:xfrm>
+            <a:off x="6902452" y="6716"/>
+            <a:ext cx="5289548" cy="6851284"/>
+          </a:xfrm>
+          <a:prstGeom prst="rect">
+            <a:avLst/>
+          </a:prstGeom>
+          <a:effectLst>
+            <a:softEdge rad="444500"/>
+          </a:effectLst>
+        </p:spPr>
+      </p:pic>
+      <p:sp>
+        <p:nvSpPr>
+          <p:cNvPr id="22" name="Rectangle 21">
+            <a:extLst>
+              <a:ext uri="{FF2B5EF4-FFF2-40B4-BE49-F238E27FC236}">
+                <a16:creationId xmlns:a16="http://schemas.microsoft.com/office/drawing/2014/main" id="{4E94261F-1ED3-4E90-88E6-13479144005B}"/>
+              </a:ext>
+              <a:ext uri="{C183D7F6-B498-43B3-948B-1728B52AA6E4}">
+                <adec:decorative xmlns:adec="http://schemas.microsoft.com/office/drawing/2017/decorative" val="1"/>
+              </a:ext>
+            </a:extLst>
+          </p:cNvPr>
+          <p:cNvSpPr>
+            <a:spLocks noGrp="1" noRot="1" noChangeAspect="1" noMove="1" noResize="1" noEditPoints="1" noAdjustHandles="1" noChangeArrowheads="1" noChangeShapeType="1" noTextEdit="1"/>
+          </p:cNvSpPr>
+          <p:nvPr>
+            <p:extLst>
+              <p:ext uri="{386F3935-93C4-4BCD-93E2-E3B085C9AB24}">
+                <p16:designElem xmlns:p16="http://schemas.microsoft.com/office/powerpoint/2015/main" val="1"/>
+              </p:ext>
+            </p:extLst>
+          </p:nvPr>
+        </p:nvSpPr>
+        <p:spPr>
+          <a:xfrm>
+            <a:off x="0" y="6716"/>
+            <a:ext cx="12192000" cy="6858000"/>
+          </a:xfrm>
+          <a:prstGeom prst="rect">
+            <a:avLst/>
+          </a:prstGeom>
+          <a:gradFill flip="none" rotWithShape="1">
+            <a:gsLst>
+              <a:gs pos="100000">
+                <a:schemeClr val="accent4">
+                  <a:alpha val="40000"/>
+                </a:schemeClr>
+              </a:gs>
+              <a:gs pos="0">
+                <a:schemeClr val="accent2"/>
+              </a:gs>
+            </a:gsLst>
+            <a:lin ang="2700000" scaled="1"/>
+            <a:tileRect/>
+          </a:gradFill>
+          <a:ln>
+            <a:noFill/>
+          </a:ln>
+        </p:spPr>
+        <p:style>
+          <a:lnRef idx="2">
+            <a:schemeClr val="accent1">
+              <a:shade val="50000"/>
+            </a:schemeClr>
+          </a:lnRef>
+          <a:fillRef idx="1">
+            <a:schemeClr val="accent1"/>
+          </a:fillRef>
+          <a:effectRef idx="0">
+            <a:schemeClr val="accent1"/>
+          </a:effectRef>
+          <a:fontRef idx="minor">
+            <a:schemeClr val="lt1"/>
+          </a:fontRef>
+        </p:style>
+        <p:txBody>
+          <a:bodyPr rtlCol="0" anchor="ctr"/>
+          <a:lstStyle/>
+          <a:p>
+            <a:pPr marL="0" marR="0" lvl="0" indent="0" algn="ctr" defTabSz="914400" rtl="0" eaLnBrk="1" fontAlgn="auto" latinLnBrk="0" hangingPunct="1">
+              <a:lnSpc>
+                <a:spcPct val="100000"/>
+              </a:lnSpc>
+              <a:spcBef>
+                <a:spcPts val="0"/>
+              </a:spcBef>
+              <a:spcAft>
+                <a:spcPts val="0"/>
+              </a:spcAft>
+              <a:buClrTx/>
+              <a:buSzTx/>
+              <a:buFontTx/>
+              <a:buNone/>
+              <a:tabLst/>
+              <a:defRPr/>
+            </a:pPr>
+            <a:endParaRPr kumimoji="0" lang="en-US" sz="1800" b="0" i="0" u="none" strike="noStrike" kern="1200" cap="none" spc="0" normalizeH="0" baseline="0" noProof="0">
+              <a:ln>
+                <a:noFill/>
+              </a:ln>
+              <a:solidFill>
+                <a:prstClr val="white"/>
+              </a:solidFill>
+              <a:effectLst/>
+              <a:uLnTx/>
+              <a:uFillTx/>
+              <a:latin typeface="Univers"/>
+              <a:ea typeface="+mn-ea"/>
+              <a:cs typeface="+mn-cs"/>
+            </a:endParaRPr>
+          </a:p>
+        </p:txBody>
+      </p:sp>
+      <p:sp>
+        <p:nvSpPr>
+          <p:cNvPr id="2" name="Title 1">
+            <a:extLst>
+              <a:ext uri="{FF2B5EF4-FFF2-40B4-BE49-F238E27FC236}">
+                <a16:creationId xmlns:a16="http://schemas.microsoft.com/office/drawing/2014/main" id="{FA4839B9-810F-45CF-A549-0C4E18FEB6BE}"/>
+              </a:ext>
+            </a:extLst>
+          </p:cNvPr>
+          <p:cNvSpPr>
+            <a:spLocks noGrp="1"/>
+          </p:cNvSpPr>
+          <p:nvPr>
+            <p:ph type="ctrTitle"/>
+          </p:nvPr>
+        </p:nvSpPr>
+        <p:spPr>
+          <a:xfrm>
+            <a:off x="1301263" y="335215"/>
+            <a:ext cx="9185762" cy="676715"/>
+          </a:xfrm>
+          <a:solidFill>
+            <a:srgbClr val="000000"/>
+          </a:solidFill>
+        </p:spPr>
+        <p:txBody>
+          <a:bodyPr anchor="ctr">
+            <a:noAutofit/>
+          </a:bodyPr>
+          <a:lstStyle/>
+          <a:p>
+            <a:pPr algn="ctr"/>
+            <a:r>
+              <a:rPr lang="en-IN" sz="4400" u="sng" dirty="0">
+                <a:solidFill>
+                  <a:schemeClr val="bg1"/>
+                </a:solidFill>
+                <a:latin typeface="Algerian" panose="04020705040A02060702" pitchFamily="82" charset="0"/>
+              </a:rPr>
+              <a:t>MICROSERVICES DEMO SERIES</a:t>
+            </a:r>
+          </a:p>
+        </p:txBody>
+      </p:sp>
+      <p:sp>
+        <p:nvSpPr>
+          <p:cNvPr id="3" name="Subtitle 2">
+            <a:extLst>
+              <a:ext uri="{FF2B5EF4-FFF2-40B4-BE49-F238E27FC236}">
+                <a16:creationId xmlns:a16="http://schemas.microsoft.com/office/drawing/2014/main" id="{2C52E430-94F3-42B4-AF6E-DD62A54F77A8}"/>
+              </a:ext>
+            </a:extLst>
+          </p:cNvPr>
+          <p:cNvSpPr>
+            <a:spLocks noGrp="1"/>
+          </p:cNvSpPr>
+          <p:nvPr>
+            <p:ph type="subTitle" idx="1"/>
+          </p:nvPr>
+        </p:nvSpPr>
+        <p:spPr>
+          <a:xfrm>
+            <a:off x="1563917" y="2335725"/>
+            <a:ext cx="8667068" cy="3834293"/>
+          </a:xfrm>
+          <a:solidFill>
+            <a:schemeClr val="tx1"/>
+          </a:solidFill>
+        </p:spPr>
+        <p:txBody>
+          <a:bodyPr anchor="ctr">
+            <a:normAutofit fontScale="92500" lnSpcReduction="20000"/>
+          </a:bodyPr>
+          <a:lstStyle/>
+          <a:p>
+            <a:pPr algn="ctr"/>
+            <a:r>
+              <a:rPr lang="en-IN" sz="5600" b="1" u="sng" spc="600" dirty="0">
+                <a:solidFill>
+                  <a:srgbClr val="00B050"/>
+                </a:solidFill>
+                <a:effectLst>
+                  <a:outerShdw blurRad="38100" dist="38100" dir="2700000" algn="tl">
+                    <a:srgbClr val="000000">
+                      <a:alpha val="43137"/>
+                    </a:srgbClr>
+                  </a:outerShdw>
+                </a:effectLst>
+                <a:latin typeface="Algerian" panose="04020705040A02060702" pitchFamily="82" charset="0"/>
+              </a:rPr>
+              <a:t>Product </a:t>
+            </a:r>
+          </a:p>
+          <a:p>
+            <a:pPr algn="ctr"/>
+            <a:r>
+              <a:rPr lang="en-IN" sz="5600" b="1" u="sng" spc="600" dirty="0">
+                <a:solidFill>
+                  <a:srgbClr val="00B050"/>
+                </a:solidFill>
+                <a:effectLst>
+                  <a:outerShdw blurRad="38100" dist="38100" dir="2700000" algn="tl">
+                    <a:srgbClr val="000000">
+                      <a:alpha val="43137"/>
+                    </a:srgbClr>
+                  </a:outerShdw>
+                </a:effectLst>
+                <a:latin typeface="Algerian" panose="04020705040A02060702" pitchFamily="82" charset="0"/>
+              </a:rPr>
+              <a:t>Micro service</a:t>
+            </a:r>
+          </a:p>
+          <a:p>
+            <a:pPr lvl="1"/>
+            <a:r>
+              <a:rPr lang="en-IN" sz="7100" spc="600" dirty="0">
+                <a:solidFill>
+                  <a:srgbClr val="FF0000"/>
+                </a:solidFill>
+                <a:latin typeface="Algerian" panose="04020705040A02060702" pitchFamily="82" charset="0"/>
+              </a:rPr>
+              <a:t>Actuator for service monitoring</a:t>
+            </a:r>
+          </a:p>
+        </p:txBody>
+      </p:sp>
+      <p:sp>
+        <p:nvSpPr>
+          <p:cNvPr id="24" name="Graphic 13">
+            <a:extLst>
+              <a:ext uri="{FF2B5EF4-FFF2-40B4-BE49-F238E27FC236}">
+                <a16:creationId xmlns:a16="http://schemas.microsoft.com/office/drawing/2014/main" id="{C5CB530E-515E-412C-9DF1-5F8FFBD6F383}"/>
+              </a:ext>
+              <a:ext uri="{C183D7F6-B498-43B3-948B-1728B52AA6E4}">
+                <adec:decorative xmlns:adec="http://schemas.microsoft.com/office/drawing/2017/decorative" val="1"/>
+              </a:ext>
+            </a:extLst>
+          </p:cNvPr>
+          <p:cNvSpPr>
+            <a:spLocks noGrp="1" noRot="1" noChangeAspect="1" noMove="1" noResize="1" noEditPoints="1" noAdjustHandles="1" noChangeArrowheads="1" noChangeShapeType="1" noTextEdit="1"/>
+          </p:cNvSpPr>
+          <p:nvPr>
+            <p:extLst>
+              <p:ext uri="{386F3935-93C4-4BCD-93E2-E3B085C9AB24}">
+                <p16:designElem xmlns:p16="http://schemas.microsoft.com/office/powerpoint/2015/main" val="1"/>
+              </p:ext>
+            </p:extLst>
+          </p:nvPr>
+        </p:nvSpPr>
+        <p:spPr>
+          <a:xfrm>
+            <a:off x="669236" y="1606411"/>
+            <a:ext cx="139038" cy="139038"/>
+          </a:xfrm>
+          <a:custGeom>
+            <a:avLst/>
+            <a:gdLst>
+              <a:gd name="connsiteX0" fmla="*/ 129601 w 139038"/>
+              <a:gd name="connsiteY0" fmla="*/ 60082 h 139038"/>
+              <a:gd name="connsiteX1" fmla="*/ 78956 w 139038"/>
+              <a:gd name="connsiteY1" fmla="*/ 60082 h 139038"/>
+              <a:gd name="connsiteX2" fmla="*/ 78956 w 139038"/>
+              <a:gd name="connsiteY2" fmla="*/ 9437 h 139038"/>
+              <a:gd name="connsiteX3" fmla="*/ 69519 w 139038"/>
+              <a:gd name="connsiteY3" fmla="*/ 0 h 139038"/>
+              <a:gd name="connsiteX4" fmla="*/ 60082 w 139038"/>
+              <a:gd name="connsiteY4" fmla="*/ 9437 h 139038"/>
+              <a:gd name="connsiteX5" fmla="*/ 60082 w 139038"/>
+              <a:gd name="connsiteY5" fmla="*/ 60082 h 139038"/>
+              <a:gd name="connsiteX6" fmla="*/ 9437 w 139038"/>
+              <a:gd name="connsiteY6" fmla="*/ 60082 h 139038"/>
+              <a:gd name="connsiteX7" fmla="*/ 0 w 139038"/>
+              <a:gd name="connsiteY7" fmla="*/ 69519 h 139038"/>
+              <a:gd name="connsiteX8" fmla="*/ 9437 w 139038"/>
+              <a:gd name="connsiteY8" fmla="*/ 78956 h 139038"/>
+              <a:gd name="connsiteX9" fmla="*/ 60082 w 139038"/>
+              <a:gd name="connsiteY9" fmla="*/ 78956 h 139038"/>
+              <a:gd name="connsiteX10" fmla="*/ 60082 w 139038"/>
+              <a:gd name="connsiteY10" fmla="*/ 129601 h 139038"/>
+              <a:gd name="connsiteX11" fmla="*/ 69519 w 139038"/>
+              <a:gd name="connsiteY11" fmla="*/ 139038 h 139038"/>
+              <a:gd name="connsiteX12" fmla="*/ 78956 w 139038"/>
+              <a:gd name="connsiteY12" fmla="*/ 129601 h 139038"/>
+              <a:gd name="connsiteX13" fmla="*/ 78956 w 139038"/>
+              <a:gd name="connsiteY13" fmla="*/ 78956 h 139038"/>
+              <a:gd name="connsiteX14" fmla="*/ 129601 w 139038"/>
+              <a:gd name="connsiteY14" fmla="*/ 78956 h 139038"/>
+              <a:gd name="connsiteX15" fmla="*/ 139038 w 139038"/>
+              <a:gd name="connsiteY15" fmla="*/ 69519 h 139038"/>
+              <a:gd name="connsiteX16" fmla="*/ 129601 w 139038"/>
+              <a:gd name="connsiteY16" fmla="*/ 60082 h 139038"/>
+            </a:gdLst>
+            <a:ahLst/>
+            <a:cxnLst>
+              <a:cxn ang="0">
+                <a:pos x="connsiteX0" y="connsiteY0"/>
+              </a:cxn>
+              <a:cxn ang="0">
+                <a:pos x="connsiteX1" y="connsiteY1"/>
+              </a:cxn>
+              <a:cxn ang="0">
+                <a:pos x="connsiteX2" y="connsiteY2"/>
+              </a:cxn>
+              <a:cxn ang="0">
+                <a:pos x="connsiteX3" y="connsiteY3"/>
+              </a:cxn>
+              <a:cxn ang="0">
+                <a:pos x="connsiteX4" y="connsiteY4"/>
+              </a:cxn>
+              <a:cxn ang="0">
+                <a:pos x="connsiteX5" y="connsiteY5"/>
+              </a:cxn>
+              <a:cxn ang="0">
+                <a:pos x="connsiteX6" y="connsiteY6"/>
+              </a:cxn>
+              <a:cxn ang="0">
+                <a:pos x="connsiteX7" y="connsiteY7"/>
+              </a:cxn>
+              <a:cxn ang="0">
+                <a:pos x="connsiteX8" y="connsiteY8"/>
+              </a:cxn>
+              <a:cxn ang="0">
+                <a:pos x="connsiteX9" y="connsiteY9"/>
+              </a:cxn>
+              <a:cxn ang="0">
+                <a:pos x="connsiteX10" y="connsiteY10"/>
+              </a:cxn>
+              <a:cxn ang="0">
+                <a:pos x="connsiteX11" y="connsiteY11"/>
+              </a:cxn>
+              <a:cxn ang="0">
+                <a:pos x="connsiteX12" y="connsiteY12"/>
+              </a:cxn>
+              <a:cxn ang="0">
+                <a:pos x="connsiteX13" y="connsiteY13"/>
+              </a:cxn>
+              <a:cxn ang="0">
+                <a:pos x="connsiteX14" y="connsiteY14"/>
+              </a:cxn>
+              <a:cxn ang="0">
+                <a:pos x="connsiteX15" y="connsiteY15"/>
+              </a:cxn>
+              <a:cxn ang="0">
+                <a:pos x="connsiteX16" y="connsiteY16"/>
+              </a:cxn>
+            </a:cxnLst>
+            <a:rect l="l" t="t" r="r" b="b"/>
+            <a:pathLst>
+              <a:path w="139038" h="139038">
+                <a:moveTo>
+                  <a:pt x="129601" y="60082"/>
+                </a:moveTo>
+                <a:lnTo>
+                  <a:pt x="78956" y="60082"/>
+                </a:lnTo>
+                <a:lnTo>
+                  <a:pt x="78956" y="9437"/>
+                </a:lnTo>
+                <a:cubicBezTo>
+                  <a:pt x="78956" y="4225"/>
+                  <a:pt x="74731" y="0"/>
+                  <a:pt x="69519" y="0"/>
+                </a:cubicBezTo>
+                <a:cubicBezTo>
+                  <a:pt x="64307" y="0"/>
+                  <a:pt x="60082" y="4225"/>
+                  <a:pt x="60082" y="9437"/>
+                </a:cubicBezTo>
+                <a:lnTo>
+                  <a:pt x="60082" y="60082"/>
+                </a:lnTo>
+                <a:lnTo>
+                  <a:pt x="9437" y="60082"/>
+                </a:lnTo>
+                <a:cubicBezTo>
+                  <a:pt x="4225" y="60082"/>
+                  <a:pt x="0" y="64307"/>
+                  <a:pt x="0" y="69519"/>
+                </a:cubicBezTo>
+                <a:cubicBezTo>
+                  <a:pt x="0" y="74731"/>
+                  <a:pt x="4225" y="78956"/>
+                  <a:pt x="9437" y="78956"/>
+                </a:cubicBezTo>
+                <a:lnTo>
+                  <a:pt x="60082" y="78956"/>
+                </a:lnTo>
+                <a:lnTo>
+                  <a:pt x="60082" y="129601"/>
+                </a:lnTo>
+                <a:cubicBezTo>
+                  <a:pt x="60082" y="134813"/>
+                  <a:pt x="64307" y="139038"/>
+                  <a:pt x="69519" y="139038"/>
+                </a:cubicBezTo>
+                <a:cubicBezTo>
+                  <a:pt x="74731" y="139038"/>
+                  <a:pt x="78956" y="134813"/>
+                  <a:pt x="78956" y="129601"/>
+                </a:cubicBezTo>
+                <a:lnTo>
+                  <a:pt x="78956" y="78956"/>
+                </a:lnTo>
+                <a:lnTo>
+                  <a:pt x="129601" y="78956"/>
+                </a:lnTo>
+                <a:cubicBezTo>
+                  <a:pt x="134813" y="78956"/>
+                  <a:pt x="139038" y="74731"/>
+                  <a:pt x="139038" y="69519"/>
+                </a:cubicBezTo>
+                <a:cubicBezTo>
+                  <a:pt x="139038" y="64307"/>
+                  <a:pt x="134813" y="60082"/>
+                  <a:pt x="129601" y="60082"/>
+                </a:cubicBezTo>
+                <a:close/>
+              </a:path>
+            </a:pathLst>
+          </a:custGeom>
+          <a:solidFill>
+            <a:schemeClr val="bg1"/>
+          </a:solidFill>
+          <a:ln w="603" cap="flat">
+            <a:noFill/>
+            <a:prstDash val="solid"/>
+            <a:miter/>
+          </a:ln>
+        </p:spPr>
+        <p:txBody>
+          <a:bodyPr rtlCol="0" anchor="ctr"/>
+          <a:lstStyle/>
+          <a:p>
+            <a:pPr marL="0" marR="0" lvl="0" indent="0" algn="l" defTabSz="914400" rtl="0" eaLnBrk="1" fontAlgn="auto" latinLnBrk="0" hangingPunct="1">
+              <a:lnSpc>
+                <a:spcPct val="100000"/>
+              </a:lnSpc>
+              <a:spcBef>
+                <a:spcPts val="0"/>
+              </a:spcBef>
+              <a:spcAft>
+                <a:spcPts val="0"/>
+              </a:spcAft>
+              <a:buClrTx/>
+              <a:buSzTx/>
+              <a:buFontTx/>
+              <a:buNone/>
+              <a:tabLst/>
+              <a:defRPr/>
+            </a:pPr>
+            <a:endParaRPr kumimoji="0" lang="en-US" sz="1800" b="0" i="0" u="none" strike="noStrike" kern="1200" cap="none" spc="0" normalizeH="0" baseline="0" noProof="0">
+              <a:ln>
+                <a:noFill/>
+              </a:ln>
+              <a:solidFill>
+                <a:prstClr val="black"/>
+              </a:solidFill>
+              <a:effectLst/>
+              <a:uLnTx/>
+              <a:uFillTx/>
+              <a:latin typeface="Univers"/>
+              <a:ea typeface="+mn-ea"/>
+              <a:cs typeface="+mn-cs"/>
+            </a:endParaRPr>
+          </a:p>
+        </p:txBody>
+      </p:sp>
+      <p:sp>
+        <p:nvSpPr>
+          <p:cNvPr id="26" name="Graphic 12">
+            <a:extLst>
+              <a:ext uri="{FF2B5EF4-FFF2-40B4-BE49-F238E27FC236}">
+                <a16:creationId xmlns:a16="http://schemas.microsoft.com/office/drawing/2014/main" id="{712D4376-A578-4FF1-94FC-245E7A6A489F}"/>
+              </a:ext>
+              <a:ext uri="{C183D7F6-B498-43B3-948B-1728B52AA6E4}">
+                <adec:decorative xmlns:adec="http://schemas.microsoft.com/office/drawing/2017/decorative" val="1"/>
+              </a:ext>
+            </a:extLst>
+          </p:cNvPr>
+          <p:cNvSpPr>
+            <a:spLocks noGrp="1" noRot="1" noChangeAspect="1" noMove="1" noResize="1" noEditPoints="1" noAdjustHandles="1" noChangeArrowheads="1" noChangeShapeType="1" noTextEdit="1"/>
+          </p:cNvSpPr>
+          <p:nvPr>
+            <p:extLst>
+              <p:ext uri="{386F3935-93C4-4BCD-93E2-E3B085C9AB24}">
+                <p16:designElem xmlns:p16="http://schemas.microsoft.com/office/powerpoint/2015/main" val="1"/>
+              </p:ext>
+            </p:extLst>
+          </p:nvPr>
+        </p:nvSpPr>
+        <p:spPr>
+          <a:xfrm>
+            <a:off x="1028014" y="1835705"/>
+            <a:ext cx="91138" cy="91138"/>
+          </a:xfrm>
+          <a:custGeom>
+            <a:avLst/>
+            <a:gdLst>
+              <a:gd name="connsiteX0" fmla="*/ 91138 w 91138"/>
+              <a:gd name="connsiteY0" fmla="*/ 45569 h 91138"/>
+              <a:gd name="connsiteX1" fmla="*/ 45569 w 91138"/>
+              <a:gd name="connsiteY1" fmla="*/ 91138 h 91138"/>
+              <a:gd name="connsiteX2" fmla="*/ 0 w 91138"/>
+              <a:gd name="connsiteY2" fmla="*/ 45569 h 91138"/>
+              <a:gd name="connsiteX3" fmla="*/ 45569 w 91138"/>
+              <a:gd name="connsiteY3" fmla="*/ 0 h 91138"/>
+              <a:gd name="connsiteX4" fmla="*/ 91138 w 91138"/>
+              <a:gd name="connsiteY4" fmla="*/ 45569 h 91138"/>
+            </a:gdLst>
+            <a:ahLst/>
+            <a:cxnLst>
+              <a:cxn ang="0">
+                <a:pos x="connsiteX0" y="connsiteY0"/>
+              </a:cxn>
+              <a:cxn ang="0">
+                <a:pos x="connsiteX1" y="connsiteY1"/>
+              </a:cxn>
+              <a:cxn ang="0">
+                <a:pos x="connsiteX2" y="connsiteY2"/>
+              </a:cxn>
+              <a:cxn ang="0">
+                <a:pos x="connsiteX3" y="connsiteY3"/>
+              </a:cxn>
+              <a:cxn ang="0">
+                <a:pos x="connsiteX4" y="connsiteY4"/>
+              </a:cxn>
+            </a:cxnLst>
+            <a:rect l="l" t="t" r="r" b="b"/>
+            <a:pathLst>
+              <a:path w="91138" h="91138">
+                <a:moveTo>
+                  <a:pt x="91138" y="45569"/>
+                </a:moveTo>
+                <a:cubicBezTo>
+                  <a:pt x="91138" y="70736"/>
+                  <a:pt x="70736" y="91138"/>
+                  <a:pt x="45569" y="91138"/>
+                </a:cubicBezTo>
+                <a:cubicBezTo>
+                  <a:pt x="20402" y="91138"/>
+                  <a:pt x="0" y="70736"/>
+                  <a:pt x="0" y="45569"/>
+                </a:cubicBezTo>
+                <a:cubicBezTo>
+                  <a:pt x="0" y="20402"/>
+                  <a:pt x="20402" y="0"/>
+                  <a:pt x="45569" y="0"/>
+                </a:cubicBezTo>
+                <a:cubicBezTo>
+                  <a:pt x="70736" y="0"/>
+                  <a:pt x="91138" y="20402"/>
+                  <a:pt x="91138" y="45569"/>
+                </a:cubicBezTo>
+                <a:close/>
+              </a:path>
+            </a:pathLst>
+          </a:custGeom>
+          <a:solidFill>
+            <a:schemeClr val="bg1"/>
+          </a:solidFill>
+          <a:ln w="422" cap="flat">
+            <a:noFill/>
+            <a:prstDash val="solid"/>
+            <a:miter/>
+          </a:ln>
+        </p:spPr>
+        <p:txBody>
+          <a:bodyPr rtlCol="0" anchor="ctr"/>
+          <a:lstStyle/>
+          <a:p>
+            <a:pPr marL="0" marR="0" lvl="0" indent="0" algn="l" defTabSz="914400" rtl="0" eaLnBrk="1" fontAlgn="auto" latinLnBrk="0" hangingPunct="1">
+              <a:lnSpc>
+                <a:spcPct val="100000"/>
+              </a:lnSpc>
+              <a:spcBef>
+                <a:spcPts val="0"/>
+              </a:spcBef>
+              <a:spcAft>
+                <a:spcPts val="0"/>
+              </a:spcAft>
+              <a:buClrTx/>
+              <a:buSzTx/>
+              <a:buFontTx/>
+              <a:buNone/>
+              <a:tabLst/>
+              <a:defRPr/>
+            </a:pPr>
+            <a:endParaRPr kumimoji="0" lang="en-US" sz="1800" b="0" i="0" u="none" strike="noStrike" kern="1200" cap="none" spc="0" normalizeH="0" baseline="0" noProof="0">
+              <a:ln>
+                <a:noFill/>
+              </a:ln>
+              <a:solidFill>
+                <a:prstClr val="black"/>
+              </a:solidFill>
+              <a:effectLst/>
+              <a:uLnTx/>
+              <a:uFillTx/>
+              <a:latin typeface="Univers"/>
+              <a:ea typeface="+mn-ea"/>
+              <a:cs typeface="+mn-cs"/>
+            </a:endParaRPr>
+          </a:p>
+        </p:txBody>
+      </p:sp>
+      <p:sp>
+        <p:nvSpPr>
+          <p:cNvPr id="28" name="Graphic 15">
+            <a:extLst>
+              <a:ext uri="{FF2B5EF4-FFF2-40B4-BE49-F238E27FC236}">
+                <a16:creationId xmlns:a16="http://schemas.microsoft.com/office/drawing/2014/main" id="{AEA7509D-F04F-40CB-A0B3-EEF16499CC9F}"/>
+              </a:ext>
+              <a:ext uri="{C183D7F6-B498-43B3-948B-1728B52AA6E4}">
+                <adec:decorative xmlns:adec="http://schemas.microsoft.com/office/drawing/2017/decorative" val="1"/>
+              </a:ext>
+            </a:extLst>
+          </p:cNvPr>
+          <p:cNvSpPr>
+            <a:spLocks noGrp="1" noRot="1" noChangeAspect="1" noMove="1" noResize="1" noEditPoints="1" noAdjustHandles="1" noChangeArrowheads="1" noChangeShapeType="1" noTextEdit="1"/>
+          </p:cNvSpPr>
+          <p:nvPr>
+            <p:extLst>
+              <p:ext uri="{386F3935-93C4-4BCD-93E2-E3B085C9AB24}">
+                <p16:designElem xmlns:p16="http://schemas.microsoft.com/office/powerpoint/2015/main" val="1"/>
+              </p:ext>
+            </p:extLst>
+          </p:nvPr>
+        </p:nvSpPr>
+        <p:spPr>
+          <a:xfrm>
+            <a:off x="653696" y="2060130"/>
+            <a:ext cx="127713" cy="127713"/>
+          </a:xfrm>
+          <a:custGeom>
+            <a:avLst/>
+            <a:gdLst>
+              <a:gd name="connsiteX0" fmla="*/ 63857 w 127713"/>
+              <a:gd name="connsiteY0" fmla="*/ 18874 h 127713"/>
+              <a:gd name="connsiteX1" fmla="*/ 108839 w 127713"/>
+              <a:gd name="connsiteY1" fmla="*/ 63857 h 127713"/>
+              <a:gd name="connsiteX2" fmla="*/ 63857 w 127713"/>
+              <a:gd name="connsiteY2" fmla="*/ 108839 h 127713"/>
+              <a:gd name="connsiteX3" fmla="*/ 18874 w 127713"/>
+              <a:gd name="connsiteY3" fmla="*/ 63857 h 127713"/>
+              <a:gd name="connsiteX4" fmla="*/ 63857 w 127713"/>
+              <a:gd name="connsiteY4" fmla="*/ 18874 h 127713"/>
+              <a:gd name="connsiteX5" fmla="*/ 63857 w 127713"/>
+              <a:gd name="connsiteY5" fmla="*/ 0 h 127713"/>
+              <a:gd name="connsiteX6" fmla="*/ 0 w 127713"/>
+              <a:gd name="connsiteY6" fmla="*/ 63857 h 127713"/>
+              <a:gd name="connsiteX7" fmla="*/ 63857 w 127713"/>
+              <a:gd name="connsiteY7" fmla="*/ 127713 h 127713"/>
+              <a:gd name="connsiteX8" fmla="*/ 127713 w 127713"/>
+              <a:gd name="connsiteY8" fmla="*/ 63857 h 127713"/>
+              <a:gd name="connsiteX9" fmla="*/ 63857 w 127713"/>
+              <a:gd name="connsiteY9" fmla="*/ 0 h 127713"/>
+            </a:gdLst>
+            <a:ahLst/>
+            <a:cxnLst>
+              <a:cxn ang="0">
+                <a:pos x="connsiteX0" y="connsiteY0"/>
+              </a:cxn>
+              <a:cxn ang="0">
+                <a:pos x="connsiteX1" y="connsiteY1"/>
+              </a:cxn>
+              <a:cxn ang="0">
+                <a:pos x="connsiteX2" y="connsiteY2"/>
+              </a:cxn>
+              <a:cxn ang="0">
+                <a:pos x="connsiteX3" y="connsiteY3"/>
+              </a:cxn>
+              <a:cxn ang="0">
+                <a:pos x="connsiteX4" y="connsiteY4"/>
+              </a:cxn>
+              <a:cxn ang="0">
+                <a:pos x="connsiteX5" y="connsiteY5"/>
+              </a:cxn>
+              <a:cxn ang="0">
+                <a:pos x="connsiteX6" y="connsiteY6"/>
+              </a:cxn>
+              <a:cxn ang="0">
+                <a:pos x="connsiteX7" y="connsiteY7"/>
+              </a:cxn>
+              <a:cxn ang="0">
+                <a:pos x="connsiteX8" y="connsiteY8"/>
+              </a:cxn>
+              <a:cxn ang="0">
+                <a:pos x="connsiteX9" y="connsiteY9"/>
+              </a:cxn>
+            </a:cxnLst>
+            <a:rect l="l" t="t" r="r" b="b"/>
+            <a:pathLst>
+              <a:path w="127713" h="127713">
+                <a:moveTo>
+                  <a:pt x="63857" y="18874"/>
+                </a:moveTo>
+                <a:cubicBezTo>
+                  <a:pt x="88700" y="18874"/>
+                  <a:pt x="108839" y="39013"/>
+                  <a:pt x="108839" y="63857"/>
+                </a:cubicBezTo>
+                <a:cubicBezTo>
+                  <a:pt x="108839" y="88700"/>
+                  <a:pt x="88700" y="108839"/>
+                  <a:pt x="63857" y="108839"/>
+                </a:cubicBezTo>
+                <a:cubicBezTo>
+                  <a:pt x="39013" y="108839"/>
+                  <a:pt x="18874" y="88700"/>
+                  <a:pt x="18874" y="63857"/>
+                </a:cubicBezTo>
+                <a:cubicBezTo>
+                  <a:pt x="18898" y="39023"/>
+                  <a:pt x="39023" y="18898"/>
+                  <a:pt x="63857" y="18874"/>
+                </a:cubicBezTo>
+                <a:moveTo>
+                  <a:pt x="63857" y="0"/>
+                </a:moveTo>
+                <a:cubicBezTo>
+                  <a:pt x="28590" y="0"/>
+                  <a:pt x="0" y="28590"/>
+                  <a:pt x="0" y="63857"/>
+                </a:cubicBezTo>
+                <a:cubicBezTo>
+                  <a:pt x="0" y="99124"/>
+                  <a:pt x="28590" y="127713"/>
+                  <a:pt x="63857" y="127713"/>
+                </a:cubicBezTo>
+                <a:cubicBezTo>
+                  <a:pt x="99124" y="127713"/>
+                  <a:pt x="127713" y="99124"/>
+                  <a:pt x="127713" y="63857"/>
+                </a:cubicBezTo>
+                <a:cubicBezTo>
+                  <a:pt x="127713" y="28590"/>
+                  <a:pt x="99124" y="0"/>
+                  <a:pt x="63857" y="0"/>
+                </a:cubicBezTo>
+                <a:close/>
+              </a:path>
+            </a:pathLst>
+          </a:custGeom>
+          <a:solidFill>
+            <a:schemeClr val="bg1"/>
+          </a:solidFill>
+          <a:ln w="610" cap="flat">
+            <a:noFill/>
+            <a:prstDash val="solid"/>
+            <a:miter/>
+          </a:ln>
+        </p:spPr>
+        <p:txBody>
+          <a:bodyPr rtlCol="0" anchor="ctr"/>
+          <a:lstStyle/>
+          <a:p>
+            <a:pPr marL="0" marR="0" lvl="0" indent="0" algn="l" defTabSz="914400" rtl="0" eaLnBrk="1" fontAlgn="auto" latinLnBrk="0" hangingPunct="1">
+              <a:lnSpc>
+                <a:spcPct val="100000"/>
+              </a:lnSpc>
+              <a:spcBef>
+                <a:spcPts val="0"/>
+              </a:spcBef>
+              <a:spcAft>
+                <a:spcPts val="0"/>
+              </a:spcAft>
+              <a:buClrTx/>
+              <a:buSzTx/>
+              <a:buFontTx/>
+              <a:buNone/>
+              <a:tabLst/>
+              <a:defRPr/>
+            </a:pPr>
+            <a:endParaRPr kumimoji="0" lang="en-US" sz="1800" b="0" i="0" u="none" strike="noStrike" kern="1200" cap="none" spc="0" normalizeH="0" baseline="0" noProof="0">
+              <a:ln>
+                <a:noFill/>
+              </a:ln>
+              <a:solidFill>
+                <a:prstClr val="black"/>
+              </a:solidFill>
+              <a:effectLst/>
+              <a:uLnTx/>
+              <a:uFillTx/>
+              <a:latin typeface="Univers"/>
+              <a:ea typeface="+mn-ea"/>
+              <a:cs typeface="+mn-cs"/>
+            </a:endParaRPr>
+          </a:p>
+        </p:txBody>
+      </p:sp>
+      <p:grpSp>
+        <p:nvGrpSpPr>
+          <p:cNvPr id="17" name="Group 16">
+            <a:extLst>
+              <a:ext uri="{FF2B5EF4-FFF2-40B4-BE49-F238E27FC236}">
+                <a16:creationId xmlns:a16="http://schemas.microsoft.com/office/drawing/2014/main" id="{6BBADB81-8053-4921-AD50-9B3700D81574}"/>
+              </a:ext>
+            </a:extLst>
+          </p:cNvPr>
+          <p:cNvGrpSpPr/>
+          <p:nvPr/>
+        </p:nvGrpSpPr>
+        <p:grpSpPr>
+          <a:xfrm>
+            <a:off x="9966679" y="5065742"/>
+            <a:ext cx="2015771" cy="1194839"/>
+            <a:chOff x="5532028" y="4571187"/>
+            <a:chExt cx="3482365" cy="1733906"/>
+          </a:xfrm>
+        </p:grpSpPr>
+        <p:pic>
+          <p:nvPicPr>
+            <p:cNvPr id="18" name="Picture 17">
+              <a:extLst>
+                <a:ext uri="{FF2B5EF4-FFF2-40B4-BE49-F238E27FC236}">
+                  <a16:creationId xmlns:a16="http://schemas.microsoft.com/office/drawing/2014/main" id="{B781E8C7-2355-4D47-BC57-B713C24CC8CC}"/>
+                </a:ext>
+              </a:extLst>
+            </p:cNvPr>
+            <p:cNvPicPr>
+              <a:picLocks noChangeAspect="1"/>
+            </p:cNvPicPr>
+            <p:nvPr/>
+          </p:nvPicPr>
+          <p:blipFill>
+            <a:blip r:embed="rId3"/>
+            <a:stretch>
+              <a:fillRect/>
+            </a:stretch>
+          </p:blipFill>
+          <p:spPr>
+            <a:xfrm>
+              <a:off x="6924943" y="5752441"/>
+              <a:ext cx="2089450" cy="552652"/>
+            </a:xfrm>
+            <a:prstGeom prst="rect">
+              <a:avLst/>
+            </a:prstGeom>
+          </p:spPr>
+        </p:pic>
+        <p:pic>
+          <p:nvPicPr>
+            <p:cNvPr id="19" name="Picture 2">
+              <a:extLst>
+                <a:ext uri="{FF2B5EF4-FFF2-40B4-BE49-F238E27FC236}">
+                  <a16:creationId xmlns:a16="http://schemas.microsoft.com/office/drawing/2014/main" id="{0551FCC6-4F9C-41E5-962C-A6A4BF34C62D}"/>
+                </a:ext>
+              </a:extLst>
+            </p:cNvPr>
+            <p:cNvPicPr>
+              <a:picLocks noChangeAspect="1" noChangeArrowheads="1"/>
+            </p:cNvPicPr>
+            <p:nvPr/>
+          </p:nvPicPr>
+          <p:blipFill rotWithShape="1">
+            <a:blip r:embed="rId4">
+              <a:extLst>
+                <a:ext uri="{28A0092B-C50C-407E-A947-70E740481C1C}">
+                  <a14:useLocalDpi xmlns:a14="http://schemas.microsoft.com/office/drawing/2010/main" val="0"/>
+                </a:ext>
+              </a:extLst>
+            </a:blip>
+            <a:srcRect l="38143" t="29141" r="31834" b="38594"/>
+            <a:stretch/>
+          </p:blipFill>
+          <p:spPr bwMode="auto">
+            <a:xfrm>
+              <a:off x="5532028" y="4571187"/>
+              <a:ext cx="1613434" cy="1733906"/>
+            </a:xfrm>
+            <a:prstGeom prst="ellipse">
+              <a:avLst/>
+            </a:prstGeom>
+            <a:ln w="3175" cap="rnd">
+              <a:solidFill>
+                <a:srgbClr val="333333"/>
+              </a:solidFill>
+            </a:ln>
+            <a:effectLst>
+              <a:outerShdw blurRad="381000" dist="292100" dir="5400000" sx="-80000" sy="-18000" rotWithShape="0">
+                <a:srgbClr val="000000">
+                  <a:alpha val="22000"/>
+                </a:srgbClr>
+              </a:outerShdw>
+            </a:effectLst>
+            <a:scene3d>
+              <a:camera prst="orthographicFront"/>
+              <a:lightRig rig="contrasting" dir="t">
+                <a:rot lat="0" lon="0" rev="3000000"/>
+              </a:lightRig>
+            </a:scene3d>
+            <a:sp3d contourW="7620">
+              <a:bevelT w="95250" h="31750"/>
+              <a:contourClr>
+                <a:srgbClr val="333333"/>
+              </a:contourClr>
+            </a:sp3d>
+            <a:extLst>
+              <a:ext uri="{909E8E84-426E-40DD-AFC4-6F175D3DCCD1}">
+                <a14:hiddenFill xmlns:a14="http://schemas.microsoft.com/office/drawing/2010/main">
+                  <a:solidFill>
+                    <a:srgbClr val="FFFFFF"/>
+                  </a:solidFill>
+                </a14:hiddenFill>
+              </a:ext>
+            </a:extLst>
+          </p:spPr>
+        </p:pic>
+      </p:grpSp>
+      <p:cxnSp>
+        <p:nvCxnSpPr>
+          <p:cNvPr id="30" name="Straight Connector 29">
+            <a:extLst>
+              <a:ext uri="{FF2B5EF4-FFF2-40B4-BE49-F238E27FC236}">
+                <a16:creationId xmlns:a16="http://schemas.microsoft.com/office/drawing/2014/main" id="{56020367-4FD5-4596-8E10-C5F095CD8DBF}"/>
+              </a:ext>
+              <a:ext uri="{C183D7F6-B498-43B3-948B-1728B52AA6E4}">
+                <adec:decorative xmlns:adec="http://schemas.microsoft.com/office/drawing/2017/decorative" val="1"/>
+              </a:ext>
+            </a:extLst>
+          </p:cNvPr>
+          <p:cNvCxnSpPr>
+            <a:cxnSpLocks noGrp="1" noRot="1" noChangeAspect="1" noMove="1" noResize="1" noEditPoints="1" noAdjustHandles="1" noChangeArrowheads="1" noChangeShapeType="1"/>
+          </p:cNvCxnSpPr>
+          <p:nvPr>
+            <p:extLst>
+              <p:ext uri="{386F3935-93C4-4BCD-93E2-E3B085C9AB24}">
+                <p16:designElem xmlns:p16="http://schemas.microsoft.com/office/powerpoint/2015/main" val="1"/>
+              </p:ext>
+            </p:extLst>
+          </p:nvPr>
+        </p:nvCxnSpPr>
+        <p:spPr>
+          <a:xfrm>
+            <a:off x="1301262" y="3505200"/>
+            <a:ext cx="0" cy="3352800"/>
+          </a:xfrm>
+          <a:prstGeom prst="line">
+            <a:avLst/>
+          </a:prstGeom>
+          <a:ln w="25400" cap="sq">
+            <a:solidFill>
+              <a:schemeClr val="bg1"/>
+            </a:solidFill>
+            <a:bevel/>
+          </a:ln>
+        </p:spPr>
+        <p:style>
+          <a:lnRef idx="1">
+            <a:schemeClr val="accent1"/>
+          </a:lnRef>
+          <a:fillRef idx="0">
+            <a:schemeClr val="accent1"/>
+          </a:fillRef>
+          <a:effectRef idx="0">
+            <a:schemeClr val="accent1"/>
+          </a:effectRef>
+          <a:fontRef idx="minor">
+            <a:schemeClr val="tx1"/>
+          </a:fontRef>
+        </p:style>
+      </p:cxnSp>
+      <p:sp>
+        <p:nvSpPr>
+          <p:cNvPr id="6" name="Arrow: Chevron 5">
+            <a:extLst>
+              <a:ext uri="{FF2B5EF4-FFF2-40B4-BE49-F238E27FC236}">
+                <a16:creationId xmlns:a16="http://schemas.microsoft.com/office/drawing/2014/main" id="{BA737AEF-712A-432A-ABB7-A8472DF3070C}"/>
+              </a:ext>
+            </a:extLst>
+          </p:cNvPr>
+          <p:cNvSpPr/>
+          <p:nvPr/>
+        </p:nvSpPr>
+        <p:spPr>
+          <a:xfrm rot="5400000">
+            <a:off x="1088028" y="1614330"/>
+            <a:ext cx="949310" cy="493481"/>
+          </a:xfrm>
+          <a:prstGeom prst="chevron">
+            <a:avLst/>
+          </a:prstGeom>
+        </p:spPr>
+        <p:style>
+          <a:lnRef idx="2">
+            <a:schemeClr val="dk1">
+              <a:shade val="50000"/>
+            </a:schemeClr>
+          </a:lnRef>
+          <a:fillRef idx="1">
+            <a:schemeClr val="dk1"/>
+          </a:fillRef>
+          <a:effectRef idx="0">
+            <a:schemeClr val="dk1"/>
+          </a:effectRef>
+          <a:fontRef idx="minor">
+            <a:schemeClr val="lt1"/>
+          </a:fontRef>
+        </p:style>
+        <p:txBody>
+          <a:bodyPr rtlCol="0" anchor="ctr"/>
+          <a:lstStyle/>
+          <a:p>
+            <a:pPr marL="0" marR="0" lvl="0" indent="0" algn="ctr" defTabSz="914400" rtl="0" eaLnBrk="1" fontAlgn="auto" latinLnBrk="0" hangingPunct="1">
+              <a:lnSpc>
+                <a:spcPct val="100000"/>
+              </a:lnSpc>
+              <a:spcBef>
+                <a:spcPts val="0"/>
+              </a:spcBef>
+              <a:spcAft>
+                <a:spcPts val="0"/>
+              </a:spcAft>
+              <a:buClrTx/>
+              <a:buSzTx/>
+              <a:buFontTx/>
+              <a:buNone/>
+              <a:tabLst/>
+              <a:defRPr/>
+            </a:pPr>
+            <a:endParaRPr kumimoji="0" lang="en-IN" sz="1800" b="0" i="0" u="none" strike="noStrike" kern="1200" cap="none" spc="0" normalizeH="0" baseline="0" noProof="0">
+              <a:ln>
+                <a:noFill/>
+              </a:ln>
+              <a:solidFill>
+                <a:prstClr val="black"/>
+              </a:solidFill>
+              <a:effectLst/>
+              <a:uLnTx/>
+              <a:uFillTx/>
+              <a:latin typeface="Univers"/>
+              <a:ea typeface="+mn-ea"/>
+              <a:cs typeface="+mn-cs"/>
+            </a:endParaRPr>
+          </a:p>
+        </p:txBody>
+      </p:sp>
+      <p:sp>
+        <p:nvSpPr>
+          <p:cNvPr id="21" name="Arrow: Chevron 20">
+            <a:extLst>
+              <a:ext uri="{FF2B5EF4-FFF2-40B4-BE49-F238E27FC236}">
+                <a16:creationId xmlns:a16="http://schemas.microsoft.com/office/drawing/2014/main" id="{167E37A6-13D0-482B-81EB-C731A7E5D8E4}"/>
+              </a:ext>
+            </a:extLst>
+          </p:cNvPr>
+          <p:cNvSpPr/>
+          <p:nvPr/>
+        </p:nvSpPr>
+        <p:spPr>
+          <a:xfrm rot="5400000">
+            <a:off x="9777563" y="1608395"/>
+            <a:ext cx="898578" cy="520346"/>
+          </a:xfrm>
+          <a:prstGeom prst="chevron">
+            <a:avLst/>
+          </a:prstGeom>
+        </p:spPr>
+        <p:style>
+          <a:lnRef idx="2">
+            <a:schemeClr val="dk1">
+              <a:shade val="50000"/>
+            </a:schemeClr>
+          </a:lnRef>
+          <a:fillRef idx="1">
+            <a:schemeClr val="dk1"/>
+          </a:fillRef>
+          <a:effectRef idx="0">
+            <a:schemeClr val="dk1"/>
+          </a:effectRef>
+          <a:fontRef idx="minor">
+            <a:schemeClr val="lt1"/>
+          </a:fontRef>
+        </p:style>
+        <p:txBody>
+          <a:bodyPr rtlCol="0" anchor="ctr"/>
+          <a:lstStyle/>
+          <a:p>
+            <a:pPr marL="0" marR="0" lvl="0" indent="0" algn="ctr" defTabSz="914400" rtl="0" eaLnBrk="1" fontAlgn="auto" latinLnBrk="0" hangingPunct="1">
+              <a:lnSpc>
+                <a:spcPct val="100000"/>
+              </a:lnSpc>
+              <a:spcBef>
+                <a:spcPts val="0"/>
+              </a:spcBef>
+              <a:spcAft>
+                <a:spcPts val="0"/>
+              </a:spcAft>
+              <a:buClrTx/>
+              <a:buSzTx/>
+              <a:buFontTx/>
+              <a:buNone/>
+              <a:tabLst/>
+              <a:defRPr/>
+            </a:pPr>
+            <a:endParaRPr kumimoji="0" lang="en-IN" sz="1800" b="0" i="0" u="none" strike="noStrike" kern="1200" cap="none" spc="0" normalizeH="0" baseline="0" noProof="0">
+              <a:ln>
+                <a:noFill/>
+              </a:ln>
+              <a:solidFill>
+                <a:prstClr val="black"/>
+              </a:solidFill>
+              <a:effectLst/>
+              <a:uLnTx/>
+              <a:uFillTx/>
+              <a:latin typeface="Univers"/>
+              <a:ea typeface="+mn-ea"/>
+              <a:cs typeface="+mn-cs"/>
+            </a:endParaRPr>
+          </a:p>
+        </p:txBody>
+      </p:sp>
+      <p:sp>
+        <p:nvSpPr>
+          <p:cNvPr id="7" name="Arrow: Down 6">
+            <a:extLst>
+              <a:ext uri="{FF2B5EF4-FFF2-40B4-BE49-F238E27FC236}">
+                <a16:creationId xmlns:a16="http://schemas.microsoft.com/office/drawing/2014/main" id="{6D51199A-4EC7-48BE-9196-3449565BC7B5}"/>
+              </a:ext>
+            </a:extLst>
+          </p:cNvPr>
+          <p:cNvSpPr/>
+          <p:nvPr/>
+        </p:nvSpPr>
+        <p:spPr>
+          <a:xfrm>
+            <a:off x="1119152" y="18967"/>
+            <a:ext cx="438150" cy="716881"/>
+          </a:xfrm>
+          <a:prstGeom prst="downArrow">
+            <a:avLst/>
+          </a:prstGeom>
+        </p:spPr>
+        <p:style>
+          <a:lnRef idx="2">
+            <a:schemeClr val="dk1">
+              <a:shade val="50000"/>
+            </a:schemeClr>
+          </a:lnRef>
+          <a:fillRef idx="1">
+            <a:schemeClr val="dk1"/>
+          </a:fillRef>
+          <a:effectRef idx="0">
+            <a:schemeClr val="dk1"/>
+          </a:effectRef>
+          <a:fontRef idx="minor">
+            <a:schemeClr val="lt1"/>
+          </a:fontRef>
+        </p:style>
+        <p:txBody>
+          <a:bodyPr rtlCol="0" anchor="ctr"/>
+          <a:lstStyle/>
+          <a:p>
+            <a:pPr marL="0" marR="0" lvl="0" indent="0" algn="ctr" defTabSz="914400" rtl="0" eaLnBrk="1" fontAlgn="auto" latinLnBrk="0" hangingPunct="1">
+              <a:lnSpc>
+                <a:spcPct val="100000"/>
+              </a:lnSpc>
+              <a:spcBef>
+                <a:spcPts val="0"/>
+              </a:spcBef>
+              <a:spcAft>
+                <a:spcPts val="0"/>
+              </a:spcAft>
+              <a:buClrTx/>
+              <a:buSzTx/>
+              <a:buFontTx/>
+              <a:buNone/>
+              <a:tabLst/>
+              <a:defRPr/>
+            </a:pPr>
+            <a:endParaRPr kumimoji="0" lang="en-IN" sz="1800" b="0" i="0" u="none" strike="noStrike" kern="1200" cap="none" spc="0" normalizeH="0" baseline="0" noProof="0">
+              <a:ln>
+                <a:noFill/>
+              </a:ln>
+              <a:solidFill>
+                <a:prstClr val="white"/>
+              </a:solidFill>
+              <a:effectLst/>
+              <a:uLnTx/>
+              <a:uFillTx/>
+              <a:latin typeface="Univers"/>
+              <a:ea typeface="+mn-ea"/>
+              <a:cs typeface="+mn-cs"/>
+            </a:endParaRPr>
+          </a:p>
+        </p:txBody>
+      </p:sp>
+      <p:sp>
+        <p:nvSpPr>
+          <p:cNvPr id="23" name="Arrow: Down 22">
+            <a:extLst>
+              <a:ext uri="{FF2B5EF4-FFF2-40B4-BE49-F238E27FC236}">
+                <a16:creationId xmlns:a16="http://schemas.microsoft.com/office/drawing/2014/main" id="{9873C464-01C1-4B70-BB97-495721A2F498}"/>
+              </a:ext>
+            </a:extLst>
+          </p:cNvPr>
+          <p:cNvSpPr/>
+          <p:nvPr/>
+        </p:nvSpPr>
+        <p:spPr>
+          <a:xfrm>
+            <a:off x="10230986" y="16803"/>
+            <a:ext cx="438150" cy="721210"/>
+          </a:xfrm>
+          <a:prstGeom prst="downArrow">
+            <a:avLst/>
+          </a:prstGeom>
+        </p:spPr>
+        <p:style>
+          <a:lnRef idx="2">
+            <a:schemeClr val="dk1">
+              <a:shade val="50000"/>
+            </a:schemeClr>
+          </a:lnRef>
+          <a:fillRef idx="1">
+            <a:schemeClr val="dk1"/>
+          </a:fillRef>
+          <a:effectRef idx="0">
+            <a:schemeClr val="dk1"/>
+          </a:effectRef>
+          <a:fontRef idx="minor">
+            <a:schemeClr val="lt1"/>
+          </a:fontRef>
+        </p:style>
+        <p:txBody>
+          <a:bodyPr rtlCol="0" anchor="ctr"/>
+          <a:lstStyle/>
+          <a:p>
+            <a:pPr marL="0" marR="0" lvl="0" indent="0" algn="ctr" defTabSz="914400" rtl="0" eaLnBrk="1" fontAlgn="auto" latinLnBrk="0" hangingPunct="1">
+              <a:lnSpc>
+                <a:spcPct val="100000"/>
+              </a:lnSpc>
+              <a:spcBef>
+                <a:spcPts val="0"/>
+              </a:spcBef>
+              <a:spcAft>
+                <a:spcPts val="0"/>
+              </a:spcAft>
+              <a:buClrTx/>
+              <a:buSzTx/>
+              <a:buFontTx/>
+              <a:buNone/>
+              <a:tabLst/>
+              <a:defRPr/>
+            </a:pPr>
+            <a:endParaRPr kumimoji="0" lang="en-IN" sz="1800" b="0" i="0" u="none" strike="noStrike" kern="1200" cap="none" spc="0" normalizeH="0" baseline="0" noProof="0">
+              <a:ln>
+                <a:noFill/>
+              </a:ln>
+              <a:solidFill>
+                <a:prstClr val="white"/>
+              </a:solidFill>
+              <a:effectLst/>
+              <a:uLnTx/>
+              <a:uFillTx/>
+              <a:latin typeface="Univers"/>
+              <a:ea typeface="+mn-ea"/>
+              <a:cs typeface="+mn-cs"/>
+            </a:endParaRPr>
+          </a:p>
+        </p:txBody>
+      </p:sp>
+      <p:sp>
+        <p:nvSpPr>
+          <p:cNvPr id="29" name="Footer Placeholder 3">
+            <a:extLst>
+              <a:ext uri="{FF2B5EF4-FFF2-40B4-BE49-F238E27FC236}">
+                <a16:creationId xmlns:a16="http://schemas.microsoft.com/office/drawing/2014/main" id="{F2F435DA-C280-48FF-B975-52D547742E24}"/>
+              </a:ext>
+            </a:extLst>
+          </p:cNvPr>
+          <p:cNvSpPr>
+            <a:spLocks noGrp="1"/>
+          </p:cNvSpPr>
+          <p:nvPr>
+            <p:ph type="ftr" sz="quarter" idx="11"/>
+          </p:nvPr>
+        </p:nvSpPr>
+        <p:spPr>
+          <a:xfrm>
+            <a:off x="3303524" y="6376439"/>
+            <a:ext cx="4991098" cy="339725"/>
+          </a:xfrm>
+        </p:spPr>
+        <p:txBody>
+          <a:bodyPr/>
+          <a:lstStyle/>
+          <a:p>
+            <a:pPr marL="0" marR="0" lvl="0" indent="0" algn="ctr" defTabSz="914400" rtl="0" eaLnBrk="1" fontAlgn="auto" latinLnBrk="0" hangingPunct="1">
+              <a:lnSpc>
+                <a:spcPct val="100000"/>
+              </a:lnSpc>
+              <a:spcBef>
+                <a:spcPts val="0"/>
+              </a:spcBef>
+              <a:spcAft>
+                <a:spcPts val="0"/>
+              </a:spcAft>
+              <a:buClrTx/>
+              <a:buSzTx/>
+              <a:buFontTx/>
+              <a:buNone/>
+              <a:tabLst/>
+              <a:defRPr/>
+            </a:pPr>
+            <a:r>
+              <a:rPr kumimoji="0" lang="en-US" sz="1200" b="0" i="0" u="none" strike="noStrike" kern="1200" cap="none" spc="100" normalizeH="0" baseline="0" noProof="0" dirty="0">
+                <a:ln>
+                  <a:noFill/>
+                </a:ln>
+                <a:solidFill>
+                  <a:prstClr val="black">
+                    <a:tint val="75000"/>
+                  </a:prstClr>
+                </a:solidFill>
+                <a:effectLst/>
+                <a:uLnTx/>
+                <a:uFillTx/>
+                <a:latin typeface="Univers"/>
+                <a:ea typeface="+mn-ea"/>
+                <a:cs typeface="+mn-cs"/>
+              </a:rPr>
+              <a:t>©Green Learner - https://youtube.com/greenlearner</a:t>
+            </a:r>
+            <a:endParaRPr kumimoji="0" lang="en-IN" sz="1200" b="0" i="0" u="none" strike="noStrike" kern="1200" cap="none" spc="100" normalizeH="0" baseline="0" noProof="0" dirty="0">
+              <a:ln>
+                <a:noFill/>
+              </a:ln>
+              <a:solidFill>
+                <a:prstClr val="black">
+                  <a:tint val="75000"/>
+                </a:prstClr>
+              </a:solidFill>
+              <a:effectLst/>
+              <a:uLnTx/>
+              <a:uFillTx/>
+              <a:latin typeface="Univers"/>
+              <a:ea typeface="+mn-ea"/>
+              <a:cs typeface="+mn-cs"/>
+            </a:endParaRPr>
+          </a:p>
+        </p:txBody>
+      </p:sp>
+      <p:pic>
+        <p:nvPicPr>
+          <p:cNvPr id="8" name="Picture 7">
+            <a:extLst>
+              <a:ext uri="{FF2B5EF4-FFF2-40B4-BE49-F238E27FC236}">
+                <a16:creationId xmlns:a16="http://schemas.microsoft.com/office/drawing/2014/main" id="{FBA69AB8-6470-43FA-8CB3-CE4B87953BBB}"/>
+              </a:ext>
+            </a:extLst>
+          </p:cNvPr>
+          <p:cNvPicPr>
+            <a:picLocks noChangeAspect="1"/>
+          </p:cNvPicPr>
+          <p:nvPr/>
+        </p:nvPicPr>
+        <p:blipFill>
+          <a:blip r:embed="rId5"/>
+          <a:stretch>
+            <a:fillRect/>
+          </a:stretch>
+        </p:blipFill>
+        <p:spPr>
+          <a:xfrm>
+            <a:off x="3125366" y="1069305"/>
+            <a:ext cx="5266159" cy="1228725"/>
+          </a:xfrm>
+          <a:prstGeom prst="rect">
+            <a:avLst/>
+          </a:prstGeom>
+          <a:ln>
+            <a:noFill/>
+          </a:ln>
+          <a:effectLst>
+            <a:outerShdw blurRad="292100" dist="139700" dir="2700000" algn="tl" rotWithShape="0">
+              <a:srgbClr val="333333">
+                <a:alpha val="65000"/>
+              </a:srgbClr>
+            </a:outerShdw>
+          </a:effectLst>
+        </p:spPr>
+      </p:pic>
+      <p:sp>
+        <p:nvSpPr>
+          <p:cNvPr id="25" name="Explosion: 14 Points 24">
+            <a:extLst>
+              <a:ext uri="{FF2B5EF4-FFF2-40B4-BE49-F238E27FC236}">
+                <a16:creationId xmlns:a16="http://schemas.microsoft.com/office/drawing/2014/main" id="{FC3F2E8E-5057-4F86-A5E3-A575F3F527D8}"/>
+              </a:ext>
+            </a:extLst>
+          </p:cNvPr>
+          <p:cNvSpPr/>
+          <p:nvPr/>
+        </p:nvSpPr>
+        <p:spPr>
+          <a:xfrm rot="19459750">
+            <a:off x="-269721" y="1454768"/>
+            <a:ext cx="3585169" cy="1686526"/>
+          </a:xfrm>
+          <a:prstGeom prst="irregularSeal2">
+            <a:avLst/>
+          </a:prstGeom>
+          <a:gradFill flip="none" rotWithShape="1">
+            <a:gsLst>
+              <a:gs pos="0">
+                <a:schemeClr val="accent3">
+                  <a:lumMod val="67000"/>
+                </a:schemeClr>
+              </a:gs>
+              <a:gs pos="48000">
+                <a:schemeClr val="accent3">
+                  <a:lumMod val="97000"/>
+                  <a:lumOff val="3000"/>
+                </a:schemeClr>
+              </a:gs>
+              <a:gs pos="100000">
+                <a:schemeClr val="accent3">
+                  <a:lumMod val="60000"/>
+                  <a:lumOff val="40000"/>
+                </a:schemeClr>
+              </a:gs>
+            </a:gsLst>
+            <a:lin ang="16200000" scaled="1"/>
+            <a:tileRect/>
+          </a:gradFill>
+          <a:ln>
+            <a:noFill/>
+          </a:ln>
+        </p:spPr>
+        <p:style>
+          <a:lnRef idx="0">
+            <a:scrgbClr r="0" g="0" b="0"/>
+          </a:lnRef>
+          <a:fillRef idx="0">
+            <a:scrgbClr r="0" g="0" b="0"/>
+          </a:fillRef>
+          <a:effectRef idx="0">
+            <a:scrgbClr r="0" g="0" b="0"/>
+          </a:effectRef>
+          <a:fontRef idx="minor">
+            <a:schemeClr val="lt1"/>
+          </a:fontRef>
+        </p:style>
+        <p:txBody>
+          <a:bodyPr rtlCol="0" anchor="ctr"/>
+          <a:lstStyle/>
+          <a:p>
+            <a:pPr marL="0" marR="0" lvl="0" indent="0" algn="ctr" defTabSz="914400" rtl="0" eaLnBrk="1" fontAlgn="auto" latinLnBrk="0" hangingPunct="1">
+              <a:lnSpc>
+                <a:spcPct val="100000"/>
+              </a:lnSpc>
+              <a:spcBef>
+                <a:spcPts val="0"/>
+              </a:spcBef>
+              <a:spcAft>
+                <a:spcPts val="0"/>
+              </a:spcAft>
+              <a:buClrTx/>
+              <a:buSzTx/>
+              <a:buFontTx/>
+              <a:buNone/>
+              <a:tabLst/>
+              <a:defRPr/>
+            </a:pPr>
+            <a:r>
+              <a:rPr kumimoji="0" lang="en-IN" sz="2400" b="1" i="0" u="none" strike="noStrike" kern="1200" cap="none" spc="300" normalizeH="0" baseline="0" noProof="0" dirty="0">
+                <a:ln>
+                  <a:noFill/>
+                </a:ln>
+                <a:solidFill>
+                  <a:prstClr val="white"/>
+                </a:solidFill>
+                <a:effectLst/>
+                <a:uLnTx/>
+                <a:uFillTx/>
+                <a:latin typeface="Bahnschrift SemiBold Condensed" panose="020B0502040204020203" pitchFamily="34" charset="0"/>
+                <a:ea typeface="+mn-ea"/>
+                <a:cs typeface="+mn-cs"/>
+              </a:rPr>
+              <a:t>REAL TIME</a:t>
+            </a:r>
+          </a:p>
+          <a:p>
+            <a:pPr marL="0" marR="0" lvl="0" indent="0" algn="ctr" defTabSz="914400" rtl="0" eaLnBrk="1" fontAlgn="auto" latinLnBrk="0" hangingPunct="1">
+              <a:lnSpc>
+                <a:spcPct val="100000"/>
+              </a:lnSpc>
+              <a:spcBef>
+                <a:spcPts val="0"/>
+              </a:spcBef>
+              <a:spcAft>
+                <a:spcPts val="0"/>
+              </a:spcAft>
+              <a:buClrTx/>
+              <a:buSzTx/>
+              <a:buFontTx/>
+              <a:buNone/>
+              <a:tabLst/>
+              <a:defRPr/>
+            </a:pPr>
+            <a:r>
+              <a:rPr kumimoji="0" lang="en-IN" sz="2400" b="1" i="0" u="none" strike="noStrike" kern="1200" cap="none" spc="300" normalizeH="0" baseline="0" noProof="0" dirty="0">
+                <a:ln>
+                  <a:noFill/>
+                </a:ln>
+                <a:solidFill>
+                  <a:prstClr val="white"/>
+                </a:solidFill>
+                <a:effectLst/>
+                <a:uLnTx/>
+                <a:uFillTx/>
+                <a:latin typeface="Bahnschrift SemiBold Condensed" panose="020B0502040204020203" pitchFamily="34" charset="0"/>
+                <a:ea typeface="+mn-ea"/>
+                <a:cs typeface="+mn-cs"/>
+              </a:rPr>
+              <a:t>PROJECTS</a:t>
+            </a:r>
+          </a:p>
+        </p:txBody>
+      </p:sp>
+      <p:sp>
+        <p:nvSpPr>
+          <p:cNvPr id="27" name="Explosion: 14 Points 26">
+            <a:extLst>
+              <a:ext uri="{FF2B5EF4-FFF2-40B4-BE49-F238E27FC236}">
+                <a16:creationId xmlns:a16="http://schemas.microsoft.com/office/drawing/2014/main" id="{489E6976-C878-4B16-AE1D-648C135380A6}"/>
+              </a:ext>
+            </a:extLst>
+          </p:cNvPr>
+          <p:cNvSpPr/>
+          <p:nvPr/>
+        </p:nvSpPr>
+        <p:spPr>
+          <a:xfrm rot="2276317">
+            <a:off x="8715181" y="1344580"/>
+            <a:ext cx="3585169" cy="1686526"/>
+          </a:xfrm>
+          <a:prstGeom prst="irregularSeal2">
+            <a:avLst/>
+          </a:prstGeom>
+          <a:gradFill flip="none" rotWithShape="1">
+            <a:gsLst>
+              <a:gs pos="0">
+                <a:schemeClr val="accent3">
+                  <a:lumMod val="67000"/>
+                </a:schemeClr>
+              </a:gs>
+              <a:gs pos="48000">
+                <a:schemeClr val="accent3">
+                  <a:lumMod val="97000"/>
+                  <a:lumOff val="3000"/>
+                </a:schemeClr>
+              </a:gs>
+              <a:gs pos="100000">
+                <a:schemeClr val="accent3">
+                  <a:lumMod val="60000"/>
+                  <a:lumOff val="40000"/>
+                </a:schemeClr>
+              </a:gs>
+            </a:gsLst>
+            <a:lin ang="16200000" scaled="1"/>
+            <a:tileRect/>
+          </a:gradFill>
+          <a:ln>
+            <a:noFill/>
+          </a:ln>
+        </p:spPr>
+        <p:style>
+          <a:lnRef idx="0">
+            <a:scrgbClr r="0" g="0" b="0"/>
+          </a:lnRef>
+          <a:fillRef idx="0">
+            <a:scrgbClr r="0" g="0" b="0"/>
+          </a:fillRef>
+          <a:effectRef idx="0">
+            <a:scrgbClr r="0" g="0" b="0"/>
+          </a:effectRef>
+          <a:fontRef idx="minor">
+            <a:schemeClr val="lt1"/>
+          </a:fontRef>
+        </p:style>
+        <p:txBody>
+          <a:bodyPr rtlCol="0" anchor="ctr"/>
+          <a:lstStyle/>
+          <a:p>
+            <a:pPr marL="0" marR="0" lvl="0" indent="0" algn="ctr" defTabSz="914400" rtl="0" eaLnBrk="1" fontAlgn="auto" latinLnBrk="0" hangingPunct="1">
+              <a:lnSpc>
+                <a:spcPct val="100000"/>
+              </a:lnSpc>
+              <a:spcBef>
+                <a:spcPts val="0"/>
+              </a:spcBef>
+              <a:spcAft>
+                <a:spcPts val="0"/>
+              </a:spcAft>
+              <a:buClrTx/>
+              <a:buSzTx/>
+              <a:buFontTx/>
+              <a:buNone/>
+              <a:tabLst/>
+              <a:defRPr/>
+            </a:pPr>
+            <a:r>
+              <a:rPr kumimoji="0" lang="en-IN" sz="2400" b="1" i="0" u="none" strike="noStrike" kern="1200" cap="none" spc="300" normalizeH="0" baseline="0" noProof="0" dirty="0">
+                <a:ln>
+                  <a:noFill/>
+                </a:ln>
+                <a:solidFill>
+                  <a:prstClr val="white"/>
+                </a:solidFill>
+                <a:effectLst/>
+                <a:uLnTx/>
+                <a:uFillTx/>
+                <a:latin typeface="Bahnschrift SemiBold Condensed" panose="020B0502040204020203" pitchFamily="34" charset="0"/>
+                <a:ea typeface="+mn-ea"/>
+                <a:cs typeface="+mn-cs"/>
+              </a:rPr>
+              <a:t>REAL TIME</a:t>
+            </a:r>
+          </a:p>
+          <a:p>
+            <a:pPr marL="0" marR="0" lvl="0" indent="0" algn="ctr" defTabSz="914400" rtl="0" eaLnBrk="1" fontAlgn="auto" latinLnBrk="0" hangingPunct="1">
+              <a:lnSpc>
+                <a:spcPct val="100000"/>
+              </a:lnSpc>
+              <a:spcBef>
+                <a:spcPts val="0"/>
+              </a:spcBef>
+              <a:spcAft>
+                <a:spcPts val="0"/>
+              </a:spcAft>
+              <a:buClrTx/>
+              <a:buSzTx/>
+              <a:buFontTx/>
+              <a:buNone/>
+              <a:tabLst/>
+              <a:defRPr/>
+            </a:pPr>
+            <a:r>
+              <a:rPr kumimoji="0" lang="en-IN" sz="2400" b="1" i="0" u="none" strike="noStrike" kern="1200" cap="none" spc="300" normalizeH="0" baseline="0" noProof="0" dirty="0">
+                <a:ln>
+                  <a:noFill/>
+                </a:ln>
+                <a:solidFill>
+                  <a:prstClr val="white"/>
+                </a:solidFill>
+                <a:effectLst/>
+                <a:uLnTx/>
+                <a:uFillTx/>
+                <a:latin typeface="Bahnschrift SemiBold Condensed" panose="020B0502040204020203" pitchFamily="34" charset="0"/>
+                <a:ea typeface="+mn-ea"/>
+                <a:cs typeface="+mn-cs"/>
+              </a:rPr>
+              <a:t>PROJECTS</a:t>
+            </a:r>
+          </a:p>
+        </p:txBody>
+      </p:sp>
+    </p:spTree>
+    <p:extLst>
+      <p:ext uri="{BB962C8B-B14F-4D97-AF65-F5344CB8AC3E}">
+        <p14:creationId xmlns:p14="http://schemas.microsoft.com/office/powerpoint/2010/main" val="2611057974"/>
+      </p:ext>
+    </p:extLst>
+  </p:cSld>
+  <p:clrMapOvr>
+    <a:masterClrMapping/>
+  </p:clrMapOvr>
+</p:sld>
+</file>
+
+<file path=ppt/slides/slide25.xml><?xml version="1.0" encoding="utf-8"?>
+<p:sld xmlns:a="http://schemas.openxmlformats.org/drawingml/2006/main" xmlns:r="http://schemas.openxmlformats.org/officeDocument/2006/relationships" xmlns:p="http://schemas.openxmlformats.org/presentationml/2006/main">
+  <p:cSld>
+    <p:bg>
+      <p:bgPr>
+        <a:solidFill>
+          <a:schemeClr val="bg1"/>
+        </a:solidFill>
+        <a:effectLst/>
+      </p:bgPr>
+    </p:bg>
+    <p:spTree>
+      <p:nvGrpSpPr>
+        <p:cNvPr id="1" name=""/>
+        <p:cNvGrpSpPr/>
+        <p:nvPr/>
+      </p:nvGrpSpPr>
+      <p:grpSpPr>
+        <a:xfrm>
+          <a:off x="0" y="0"/>
+          <a:ext cx="0" cy="0"/>
+          <a:chOff x="0" y="0"/>
+          <a:chExt cx="0" cy="0"/>
+        </a:xfrm>
+      </p:grpSpPr>
+      <p:sp>
+        <p:nvSpPr>
+          <p:cNvPr id="20" name="Rectangle 19">
+            <a:extLst>
+              <a:ext uri="{FF2B5EF4-FFF2-40B4-BE49-F238E27FC236}">
+                <a16:creationId xmlns:a16="http://schemas.microsoft.com/office/drawing/2014/main" id="{663302B0-7A41-480B-921B-7D395B4E24C8}"/>
+              </a:ext>
+              <a:ext uri="{C183D7F6-B498-43B3-948B-1728B52AA6E4}">
+                <adec:decorative xmlns:adec="http://schemas.microsoft.com/office/drawing/2017/decorative" val="1"/>
+              </a:ext>
+            </a:extLst>
+          </p:cNvPr>
+          <p:cNvSpPr>
+            <a:spLocks noGrp="1" noRot="1" noChangeAspect="1" noMove="1" noResize="1" noEditPoints="1" noAdjustHandles="1" noChangeArrowheads="1" noChangeShapeType="1" noTextEdit="1"/>
+          </p:cNvSpPr>
+          <p:nvPr>
+            <p:extLst>
+              <p:ext uri="{386F3935-93C4-4BCD-93E2-E3B085C9AB24}">
+                <p16:designElem xmlns:p16="http://schemas.microsoft.com/office/powerpoint/2015/main" val="1"/>
+              </p:ext>
+            </p:extLst>
+          </p:nvPr>
+        </p:nvSpPr>
+        <p:spPr>
+          <a:xfrm>
+            <a:off x="0" y="0"/>
+            <a:ext cx="12192000" cy="6858000"/>
+          </a:xfrm>
+          <a:prstGeom prst="rect">
+            <a:avLst/>
+          </a:prstGeom>
+          <a:gradFill flip="none" rotWithShape="1">
+            <a:gsLst>
+              <a:gs pos="100000">
+                <a:schemeClr val="accent4"/>
+              </a:gs>
+              <a:gs pos="0">
+                <a:schemeClr val="accent2"/>
+              </a:gs>
+            </a:gsLst>
+            <a:lin ang="2700000" scaled="1"/>
+            <a:tileRect/>
+          </a:gradFill>
+          <a:ln>
+            <a:noFill/>
+          </a:ln>
+        </p:spPr>
+        <p:style>
+          <a:lnRef idx="2">
+            <a:schemeClr val="accent1">
+              <a:shade val="50000"/>
+            </a:schemeClr>
+          </a:lnRef>
+          <a:fillRef idx="1">
+            <a:schemeClr val="accent1"/>
+          </a:fillRef>
+          <a:effectRef idx="0">
+            <a:schemeClr val="accent1"/>
+          </a:effectRef>
+          <a:fontRef idx="minor">
+            <a:schemeClr val="lt1"/>
+          </a:fontRef>
+        </p:style>
+        <p:txBody>
+          <a:bodyPr rtlCol="0" anchor="ctr"/>
+          <a:lstStyle/>
+          <a:p>
+            <a:pPr marL="0" marR="0" lvl="0" indent="0" algn="ctr" defTabSz="914400" rtl="0" eaLnBrk="1" fontAlgn="auto" latinLnBrk="0" hangingPunct="1">
+              <a:lnSpc>
+                <a:spcPct val="100000"/>
+              </a:lnSpc>
+              <a:spcBef>
+                <a:spcPts val="0"/>
+              </a:spcBef>
+              <a:spcAft>
+                <a:spcPts val="0"/>
+              </a:spcAft>
+              <a:buClrTx/>
+              <a:buSzTx/>
+              <a:buFontTx/>
+              <a:buNone/>
+              <a:tabLst/>
+              <a:defRPr/>
+            </a:pPr>
+            <a:endParaRPr kumimoji="0" lang="en-US" sz="1800" b="0" i="0" u="none" strike="noStrike" kern="1200" cap="none" spc="0" normalizeH="0" baseline="0" noProof="0">
+              <a:ln>
+                <a:noFill/>
+              </a:ln>
+              <a:solidFill>
+                <a:prstClr val="white"/>
+              </a:solidFill>
+              <a:effectLst/>
+              <a:uLnTx/>
+              <a:uFillTx/>
+              <a:latin typeface="Univers"/>
+              <a:ea typeface="+mn-ea"/>
+              <a:cs typeface="+mn-cs"/>
+            </a:endParaRPr>
+          </a:p>
+        </p:txBody>
+      </p:sp>
+      <p:pic>
+        <p:nvPicPr>
+          <p:cNvPr id="4" name="Picture 3">
+            <a:extLst>
+              <a:ext uri="{FF2B5EF4-FFF2-40B4-BE49-F238E27FC236}">
+                <a16:creationId xmlns:a16="http://schemas.microsoft.com/office/drawing/2014/main" id="{A3AB1860-7104-4D1E-A310-EA6D5F0C9F63}"/>
+              </a:ext>
+            </a:extLst>
+          </p:cNvPr>
+          <p:cNvPicPr>
+            <a:picLocks noChangeAspect="1"/>
+          </p:cNvPicPr>
+          <p:nvPr/>
+        </p:nvPicPr>
+        <p:blipFill rotWithShape="1">
+          <a:blip r:embed="rId2"/>
+          <a:srcRect l="24233" r="24232" b="-1"/>
+          <a:stretch/>
+        </p:blipFill>
+        <p:spPr>
+          <a:xfrm>
+            <a:off x="6902452" y="6716"/>
+            <a:ext cx="5289548" cy="6851284"/>
+          </a:xfrm>
+          <a:prstGeom prst="rect">
+            <a:avLst/>
+          </a:prstGeom>
+          <a:effectLst>
+            <a:softEdge rad="444500"/>
+          </a:effectLst>
+        </p:spPr>
+      </p:pic>
+      <p:sp>
+        <p:nvSpPr>
+          <p:cNvPr id="22" name="Rectangle 21">
+            <a:extLst>
+              <a:ext uri="{FF2B5EF4-FFF2-40B4-BE49-F238E27FC236}">
+                <a16:creationId xmlns:a16="http://schemas.microsoft.com/office/drawing/2014/main" id="{4E94261F-1ED3-4E90-88E6-13479144005B}"/>
+              </a:ext>
+              <a:ext uri="{C183D7F6-B498-43B3-948B-1728B52AA6E4}">
+                <adec:decorative xmlns:adec="http://schemas.microsoft.com/office/drawing/2017/decorative" val="1"/>
+              </a:ext>
+            </a:extLst>
+          </p:cNvPr>
+          <p:cNvSpPr>
+            <a:spLocks noGrp="1" noRot="1" noChangeAspect="1" noMove="1" noResize="1" noEditPoints="1" noAdjustHandles="1" noChangeArrowheads="1" noChangeShapeType="1" noTextEdit="1"/>
+          </p:cNvSpPr>
+          <p:nvPr>
+            <p:extLst>
+              <p:ext uri="{386F3935-93C4-4BCD-93E2-E3B085C9AB24}">
+                <p16:designElem xmlns:p16="http://schemas.microsoft.com/office/powerpoint/2015/main" val="1"/>
+              </p:ext>
+            </p:extLst>
+          </p:nvPr>
+        </p:nvSpPr>
+        <p:spPr>
+          <a:xfrm>
+            <a:off x="0" y="6716"/>
+            <a:ext cx="12192000" cy="6858000"/>
+          </a:xfrm>
+          <a:prstGeom prst="rect">
+            <a:avLst/>
+          </a:prstGeom>
+          <a:gradFill flip="none" rotWithShape="1">
+            <a:gsLst>
+              <a:gs pos="100000">
+                <a:schemeClr val="accent4">
+                  <a:alpha val="40000"/>
+                </a:schemeClr>
+              </a:gs>
+              <a:gs pos="0">
+                <a:schemeClr val="accent2"/>
+              </a:gs>
+            </a:gsLst>
+            <a:lin ang="2700000" scaled="1"/>
+            <a:tileRect/>
+          </a:gradFill>
+          <a:ln>
+            <a:noFill/>
+          </a:ln>
+        </p:spPr>
+        <p:style>
+          <a:lnRef idx="2">
+            <a:schemeClr val="accent1">
+              <a:shade val="50000"/>
+            </a:schemeClr>
+          </a:lnRef>
+          <a:fillRef idx="1">
+            <a:schemeClr val="accent1"/>
+          </a:fillRef>
+          <a:effectRef idx="0">
+            <a:schemeClr val="accent1"/>
+          </a:effectRef>
+          <a:fontRef idx="minor">
+            <a:schemeClr val="lt1"/>
+          </a:fontRef>
+        </p:style>
+        <p:txBody>
+          <a:bodyPr rtlCol="0" anchor="ctr"/>
+          <a:lstStyle/>
+          <a:p>
+            <a:pPr marL="0" marR="0" lvl="0" indent="0" algn="ctr" defTabSz="914400" rtl="0" eaLnBrk="1" fontAlgn="auto" latinLnBrk="0" hangingPunct="1">
+              <a:lnSpc>
+                <a:spcPct val="100000"/>
+              </a:lnSpc>
+              <a:spcBef>
+                <a:spcPts val="0"/>
+              </a:spcBef>
+              <a:spcAft>
+                <a:spcPts val="0"/>
+              </a:spcAft>
+              <a:buClrTx/>
+              <a:buSzTx/>
+              <a:buFontTx/>
+              <a:buNone/>
+              <a:tabLst/>
+              <a:defRPr/>
+            </a:pPr>
+            <a:endParaRPr kumimoji="0" lang="en-US" sz="1800" b="0" i="0" u="none" strike="noStrike" kern="1200" cap="none" spc="0" normalizeH="0" baseline="0" noProof="0">
+              <a:ln>
+                <a:noFill/>
+              </a:ln>
+              <a:solidFill>
+                <a:prstClr val="white"/>
+              </a:solidFill>
+              <a:effectLst/>
+              <a:uLnTx/>
+              <a:uFillTx/>
+              <a:latin typeface="Univers"/>
+              <a:ea typeface="+mn-ea"/>
+              <a:cs typeface="+mn-cs"/>
+            </a:endParaRPr>
+          </a:p>
+        </p:txBody>
+      </p:sp>
+      <p:sp>
+        <p:nvSpPr>
+          <p:cNvPr id="2" name="Title 1">
+            <a:extLst>
+              <a:ext uri="{FF2B5EF4-FFF2-40B4-BE49-F238E27FC236}">
+                <a16:creationId xmlns:a16="http://schemas.microsoft.com/office/drawing/2014/main" id="{FA4839B9-810F-45CF-A549-0C4E18FEB6BE}"/>
+              </a:ext>
+            </a:extLst>
+          </p:cNvPr>
+          <p:cNvSpPr>
+            <a:spLocks noGrp="1"/>
+          </p:cNvSpPr>
+          <p:nvPr>
+            <p:ph type="ctrTitle"/>
+          </p:nvPr>
+        </p:nvSpPr>
+        <p:spPr>
+          <a:xfrm>
+            <a:off x="1301263" y="335215"/>
+            <a:ext cx="9185762" cy="676715"/>
+          </a:xfrm>
+          <a:solidFill>
+            <a:srgbClr val="000000"/>
+          </a:solidFill>
+        </p:spPr>
+        <p:txBody>
+          <a:bodyPr anchor="ctr">
+            <a:noAutofit/>
+          </a:bodyPr>
+          <a:lstStyle/>
+          <a:p>
+            <a:pPr algn="ctr"/>
+            <a:r>
+              <a:rPr lang="en-IN" sz="4400" u="sng" dirty="0">
+                <a:solidFill>
+                  <a:schemeClr val="bg1"/>
+                </a:solidFill>
+                <a:latin typeface="Algerian" panose="04020705040A02060702" pitchFamily="82" charset="0"/>
+              </a:rPr>
+              <a:t>MICROSERVICES DEMO SERIES</a:t>
+            </a:r>
+          </a:p>
+        </p:txBody>
+      </p:sp>
+      <p:sp>
+        <p:nvSpPr>
+          <p:cNvPr id="3" name="Subtitle 2">
+            <a:extLst>
+              <a:ext uri="{FF2B5EF4-FFF2-40B4-BE49-F238E27FC236}">
+                <a16:creationId xmlns:a16="http://schemas.microsoft.com/office/drawing/2014/main" id="{2C52E430-94F3-42B4-AF6E-DD62A54F77A8}"/>
+              </a:ext>
+            </a:extLst>
+          </p:cNvPr>
+          <p:cNvSpPr>
+            <a:spLocks noGrp="1"/>
+          </p:cNvSpPr>
+          <p:nvPr>
+            <p:ph type="subTitle" idx="1"/>
+          </p:nvPr>
+        </p:nvSpPr>
+        <p:spPr>
+          <a:xfrm>
+            <a:off x="1301262" y="2335725"/>
+            <a:ext cx="9367870" cy="3834293"/>
+          </a:xfrm>
+        </p:spPr>
+        <p:style>
+          <a:lnRef idx="0">
+            <a:schemeClr val="dk1"/>
+          </a:lnRef>
+          <a:fillRef idx="3">
+            <a:schemeClr val="dk1"/>
+          </a:fillRef>
+          <a:effectRef idx="3">
+            <a:schemeClr val="dk1"/>
+          </a:effectRef>
+          <a:fontRef idx="minor">
+            <a:schemeClr val="lt1"/>
+          </a:fontRef>
+        </p:style>
+        <p:txBody>
+          <a:bodyPr anchor="ctr">
+            <a:normAutofit/>
+          </a:bodyPr>
+          <a:lstStyle/>
+          <a:p>
+            <a:pPr algn="ctr"/>
+            <a:endParaRPr lang="en-IN" b="1" u="sng" spc="0" dirty="0">
+              <a:solidFill>
+                <a:srgbClr val="7030A0"/>
+              </a:solidFill>
+              <a:effectLst>
+                <a:outerShdw blurRad="38100" dist="38100" dir="2700000" algn="tl">
+                  <a:srgbClr val="000000">
+                    <a:alpha val="43137"/>
+                  </a:srgbClr>
+                </a:outerShdw>
+              </a:effectLst>
+              <a:latin typeface="Algerian" panose="04020705040A02060702" pitchFamily="82" charset="0"/>
+            </a:endParaRPr>
+          </a:p>
+          <a:p>
+            <a:pPr algn="ctr"/>
+            <a:endParaRPr lang="en-IN" b="1" u="sng" spc="0" dirty="0">
+              <a:solidFill>
+                <a:srgbClr val="00B050"/>
+              </a:solidFill>
+              <a:effectLst>
+                <a:outerShdw blurRad="38100" dist="38100" dir="2700000" algn="tl">
+                  <a:srgbClr val="000000">
+                    <a:alpha val="43137"/>
+                  </a:srgbClr>
+                </a:outerShdw>
+              </a:effectLst>
+              <a:latin typeface="Algerian" panose="04020705040A02060702" pitchFamily="82" charset="0"/>
+            </a:endParaRPr>
+          </a:p>
+          <a:p>
+            <a:pPr algn="ctr"/>
+            <a:endParaRPr lang="en-IN" b="1" u="sng" spc="0" dirty="0">
+              <a:solidFill>
+                <a:srgbClr val="00B050"/>
+              </a:solidFill>
+              <a:effectLst>
+                <a:outerShdw blurRad="38100" dist="38100" dir="2700000" algn="tl">
+                  <a:srgbClr val="000000">
+                    <a:alpha val="43137"/>
+                  </a:srgbClr>
+                </a:outerShdw>
+              </a:effectLst>
+              <a:latin typeface="Algerian" panose="04020705040A02060702" pitchFamily="82" charset="0"/>
+            </a:endParaRPr>
+          </a:p>
+          <a:p>
+            <a:pPr algn="ctr"/>
+            <a:r>
+              <a:rPr lang="en-IN" b="1" u="sng" spc="0" dirty="0">
+                <a:solidFill>
+                  <a:srgbClr val="00B050"/>
+                </a:solidFill>
+                <a:effectLst>
+                  <a:outerShdw blurRad="38100" dist="38100" dir="2700000" algn="tl">
+                    <a:srgbClr val="000000">
+                      <a:alpha val="43137"/>
+                    </a:srgbClr>
+                  </a:outerShdw>
+                </a:effectLst>
+                <a:latin typeface="Algerian" panose="04020705040A02060702" pitchFamily="82" charset="0"/>
+              </a:rPr>
+              <a:t>Product  Micro service</a:t>
+            </a:r>
+            <a:r>
+              <a:rPr lang="en-IN" sz="1000" b="1" spc="0" dirty="0">
+                <a:solidFill>
+                  <a:schemeClr val="bg1"/>
+                </a:solidFill>
+                <a:effectLst>
+                  <a:outerShdw blurRad="38100" dist="38100" dir="2700000" algn="tl">
+                    <a:srgbClr val="000000">
+                      <a:alpha val="43137"/>
+                    </a:srgbClr>
+                  </a:outerShdw>
+                </a:effectLst>
+                <a:latin typeface="Algerian" panose="04020705040A02060702" pitchFamily="82" charset="0"/>
+              </a:rPr>
+              <a:t>(as client)</a:t>
+            </a:r>
+            <a:endParaRPr lang="en-IN" b="1" spc="0" dirty="0">
+              <a:solidFill>
+                <a:schemeClr val="bg1"/>
+              </a:solidFill>
+              <a:effectLst>
+                <a:outerShdw blurRad="38100" dist="38100" dir="2700000" algn="tl">
+                  <a:srgbClr val="000000">
+                    <a:alpha val="43137"/>
+                  </a:srgbClr>
+                </a:outerShdw>
+              </a:effectLst>
+              <a:latin typeface="Algerian" panose="04020705040A02060702" pitchFamily="82" charset="0"/>
+            </a:endParaRPr>
+          </a:p>
+          <a:p>
+            <a:pPr lvl="1"/>
+            <a:r>
+              <a:rPr lang="en-IN" sz="6000" spc="600" dirty="0">
+                <a:solidFill>
+                  <a:srgbClr val="FF0000"/>
+                </a:solidFill>
+                <a:effectLst>
+                  <a:outerShdw blurRad="38100" dist="38100" dir="2700000" algn="tl">
+                    <a:srgbClr val="000000">
+                      <a:alpha val="43137"/>
+                    </a:srgbClr>
+                  </a:outerShdw>
+                </a:effectLst>
+                <a:latin typeface="Algerian" panose="04020705040A02060702" pitchFamily="82" charset="0"/>
+              </a:rPr>
+              <a:t>Spring boot admin server</a:t>
+            </a:r>
+          </a:p>
+        </p:txBody>
+      </p:sp>
+      <p:sp>
+        <p:nvSpPr>
+          <p:cNvPr id="24" name="Graphic 13">
+            <a:extLst>
+              <a:ext uri="{FF2B5EF4-FFF2-40B4-BE49-F238E27FC236}">
+                <a16:creationId xmlns:a16="http://schemas.microsoft.com/office/drawing/2014/main" id="{C5CB530E-515E-412C-9DF1-5F8FFBD6F383}"/>
+              </a:ext>
+              <a:ext uri="{C183D7F6-B498-43B3-948B-1728B52AA6E4}">
+                <adec:decorative xmlns:adec="http://schemas.microsoft.com/office/drawing/2017/decorative" val="1"/>
+              </a:ext>
+            </a:extLst>
+          </p:cNvPr>
+          <p:cNvSpPr>
+            <a:spLocks noGrp="1" noRot="1" noChangeAspect="1" noMove="1" noResize="1" noEditPoints="1" noAdjustHandles="1" noChangeArrowheads="1" noChangeShapeType="1" noTextEdit="1"/>
+          </p:cNvSpPr>
+          <p:nvPr>
+            <p:extLst>
+              <p:ext uri="{386F3935-93C4-4BCD-93E2-E3B085C9AB24}">
+                <p16:designElem xmlns:p16="http://schemas.microsoft.com/office/powerpoint/2015/main" val="1"/>
+              </p:ext>
+            </p:extLst>
+          </p:nvPr>
+        </p:nvSpPr>
+        <p:spPr>
+          <a:xfrm>
+            <a:off x="669236" y="1606411"/>
+            <a:ext cx="139038" cy="139038"/>
+          </a:xfrm>
+          <a:custGeom>
+            <a:avLst/>
+            <a:gdLst>
+              <a:gd name="connsiteX0" fmla="*/ 129601 w 139038"/>
+              <a:gd name="connsiteY0" fmla="*/ 60082 h 139038"/>
+              <a:gd name="connsiteX1" fmla="*/ 78956 w 139038"/>
+              <a:gd name="connsiteY1" fmla="*/ 60082 h 139038"/>
+              <a:gd name="connsiteX2" fmla="*/ 78956 w 139038"/>
+              <a:gd name="connsiteY2" fmla="*/ 9437 h 139038"/>
+              <a:gd name="connsiteX3" fmla="*/ 69519 w 139038"/>
+              <a:gd name="connsiteY3" fmla="*/ 0 h 139038"/>
+              <a:gd name="connsiteX4" fmla="*/ 60082 w 139038"/>
+              <a:gd name="connsiteY4" fmla="*/ 9437 h 139038"/>
+              <a:gd name="connsiteX5" fmla="*/ 60082 w 139038"/>
+              <a:gd name="connsiteY5" fmla="*/ 60082 h 139038"/>
+              <a:gd name="connsiteX6" fmla="*/ 9437 w 139038"/>
+              <a:gd name="connsiteY6" fmla="*/ 60082 h 139038"/>
+              <a:gd name="connsiteX7" fmla="*/ 0 w 139038"/>
+              <a:gd name="connsiteY7" fmla="*/ 69519 h 139038"/>
+              <a:gd name="connsiteX8" fmla="*/ 9437 w 139038"/>
+              <a:gd name="connsiteY8" fmla="*/ 78956 h 139038"/>
+              <a:gd name="connsiteX9" fmla="*/ 60082 w 139038"/>
+              <a:gd name="connsiteY9" fmla="*/ 78956 h 139038"/>
+              <a:gd name="connsiteX10" fmla="*/ 60082 w 139038"/>
+              <a:gd name="connsiteY10" fmla="*/ 129601 h 139038"/>
+              <a:gd name="connsiteX11" fmla="*/ 69519 w 139038"/>
+              <a:gd name="connsiteY11" fmla="*/ 139038 h 139038"/>
+              <a:gd name="connsiteX12" fmla="*/ 78956 w 139038"/>
+              <a:gd name="connsiteY12" fmla="*/ 129601 h 139038"/>
+              <a:gd name="connsiteX13" fmla="*/ 78956 w 139038"/>
+              <a:gd name="connsiteY13" fmla="*/ 78956 h 139038"/>
+              <a:gd name="connsiteX14" fmla="*/ 129601 w 139038"/>
+              <a:gd name="connsiteY14" fmla="*/ 78956 h 139038"/>
+              <a:gd name="connsiteX15" fmla="*/ 139038 w 139038"/>
+              <a:gd name="connsiteY15" fmla="*/ 69519 h 139038"/>
+              <a:gd name="connsiteX16" fmla="*/ 129601 w 139038"/>
+              <a:gd name="connsiteY16" fmla="*/ 60082 h 139038"/>
+            </a:gdLst>
+            <a:ahLst/>
+            <a:cxnLst>
+              <a:cxn ang="0">
+                <a:pos x="connsiteX0" y="connsiteY0"/>
+              </a:cxn>
+              <a:cxn ang="0">
+                <a:pos x="connsiteX1" y="connsiteY1"/>
+              </a:cxn>
+              <a:cxn ang="0">
+                <a:pos x="connsiteX2" y="connsiteY2"/>
+              </a:cxn>
+              <a:cxn ang="0">
+                <a:pos x="connsiteX3" y="connsiteY3"/>
+              </a:cxn>
+              <a:cxn ang="0">
+                <a:pos x="connsiteX4" y="connsiteY4"/>
+              </a:cxn>
+              <a:cxn ang="0">
+                <a:pos x="connsiteX5" y="connsiteY5"/>
+              </a:cxn>
+              <a:cxn ang="0">
+                <a:pos x="connsiteX6" y="connsiteY6"/>
+              </a:cxn>
+              <a:cxn ang="0">
+                <a:pos x="connsiteX7" y="connsiteY7"/>
+              </a:cxn>
+              <a:cxn ang="0">
+                <a:pos x="connsiteX8" y="connsiteY8"/>
+              </a:cxn>
+              <a:cxn ang="0">
+                <a:pos x="connsiteX9" y="connsiteY9"/>
+              </a:cxn>
+              <a:cxn ang="0">
+                <a:pos x="connsiteX10" y="connsiteY10"/>
+              </a:cxn>
+              <a:cxn ang="0">
+                <a:pos x="connsiteX11" y="connsiteY11"/>
+              </a:cxn>
+              <a:cxn ang="0">
+                <a:pos x="connsiteX12" y="connsiteY12"/>
+              </a:cxn>
+              <a:cxn ang="0">
+                <a:pos x="connsiteX13" y="connsiteY13"/>
+              </a:cxn>
+              <a:cxn ang="0">
+                <a:pos x="connsiteX14" y="connsiteY14"/>
+              </a:cxn>
+              <a:cxn ang="0">
+                <a:pos x="connsiteX15" y="connsiteY15"/>
+              </a:cxn>
+              <a:cxn ang="0">
+                <a:pos x="connsiteX16" y="connsiteY16"/>
+              </a:cxn>
+            </a:cxnLst>
+            <a:rect l="l" t="t" r="r" b="b"/>
+            <a:pathLst>
+              <a:path w="139038" h="139038">
+                <a:moveTo>
+                  <a:pt x="129601" y="60082"/>
+                </a:moveTo>
+                <a:lnTo>
+                  <a:pt x="78956" y="60082"/>
+                </a:lnTo>
+                <a:lnTo>
+                  <a:pt x="78956" y="9437"/>
+                </a:lnTo>
+                <a:cubicBezTo>
+                  <a:pt x="78956" y="4225"/>
+                  <a:pt x="74731" y="0"/>
+                  <a:pt x="69519" y="0"/>
+                </a:cubicBezTo>
+                <a:cubicBezTo>
+                  <a:pt x="64307" y="0"/>
+                  <a:pt x="60082" y="4225"/>
+                  <a:pt x="60082" y="9437"/>
+                </a:cubicBezTo>
+                <a:lnTo>
+                  <a:pt x="60082" y="60082"/>
+                </a:lnTo>
+                <a:lnTo>
+                  <a:pt x="9437" y="60082"/>
+                </a:lnTo>
+                <a:cubicBezTo>
+                  <a:pt x="4225" y="60082"/>
+                  <a:pt x="0" y="64307"/>
+                  <a:pt x="0" y="69519"/>
+                </a:cubicBezTo>
+                <a:cubicBezTo>
+                  <a:pt x="0" y="74731"/>
+                  <a:pt x="4225" y="78956"/>
+                  <a:pt x="9437" y="78956"/>
+                </a:cubicBezTo>
+                <a:lnTo>
+                  <a:pt x="60082" y="78956"/>
+                </a:lnTo>
+                <a:lnTo>
+                  <a:pt x="60082" y="129601"/>
+                </a:lnTo>
+                <a:cubicBezTo>
+                  <a:pt x="60082" y="134813"/>
+                  <a:pt x="64307" y="139038"/>
+                  <a:pt x="69519" y="139038"/>
+                </a:cubicBezTo>
+                <a:cubicBezTo>
+                  <a:pt x="74731" y="139038"/>
+                  <a:pt x="78956" y="134813"/>
+                  <a:pt x="78956" y="129601"/>
+                </a:cubicBezTo>
+                <a:lnTo>
+                  <a:pt x="78956" y="78956"/>
+                </a:lnTo>
+                <a:lnTo>
+                  <a:pt x="129601" y="78956"/>
+                </a:lnTo>
+                <a:cubicBezTo>
+                  <a:pt x="134813" y="78956"/>
+                  <a:pt x="139038" y="74731"/>
+                  <a:pt x="139038" y="69519"/>
+                </a:cubicBezTo>
+                <a:cubicBezTo>
+                  <a:pt x="139038" y="64307"/>
+                  <a:pt x="134813" y="60082"/>
+                  <a:pt x="129601" y="60082"/>
+                </a:cubicBezTo>
+                <a:close/>
+              </a:path>
+            </a:pathLst>
+          </a:custGeom>
+          <a:solidFill>
+            <a:schemeClr val="bg1"/>
+          </a:solidFill>
+          <a:ln w="603" cap="flat">
+            <a:noFill/>
+            <a:prstDash val="solid"/>
+            <a:miter/>
+          </a:ln>
+        </p:spPr>
+        <p:txBody>
+          <a:bodyPr rtlCol="0" anchor="ctr"/>
+          <a:lstStyle/>
+          <a:p>
+            <a:pPr marL="0" marR="0" lvl="0" indent="0" algn="l" defTabSz="914400" rtl="0" eaLnBrk="1" fontAlgn="auto" latinLnBrk="0" hangingPunct="1">
+              <a:lnSpc>
+                <a:spcPct val="100000"/>
+              </a:lnSpc>
+              <a:spcBef>
+                <a:spcPts val="0"/>
+              </a:spcBef>
+              <a:spcAft>
+                <a:spcPts val="0"/>
+              </a:spcAft>
+              <a:buClrTx/>
+              <a:buSzTx/>
+              <a:buFontTx/>
+              <a:buNone/>
+              <a:tabLst/>
+              <a:defRPr/>
+            </a:pPr>
+            <a:endParaRPr kumimoji="0" lang="en-US" sz="1800" b="0" i="0" u="none" strike="noStrike" kern="1200" cap="none" spc="0" normalizeH="0" baseline="0" noProof="0">
+              <a:ln>
+                <a:noFill/>
+              </a:ln>
+              <a:solidFill>
+                <a:prstClr val="black"/>
+              </a:solidFill>
+              <a:effectLst/>
+              <a:uLnTx/>
+              <a:uFillTx/>
+              <a:latin typeface="Univers"/>
+              <a:ea typeface="+mn-ea"/>
+              <a:cs typeface="+mn-cs"/>
+            </a:endParaRPr>
+          </a:p>
+        </p:txBody>
+      </p:sp>
+      <p:sp>
+        <p:nvSpPr>
+          <p:cNvPr id="26" name="Graphic 12">
+            <a:extLst>
+              <a:ext uri="{FF2B5EF4-FFF2-40B4-BE49-F238E27FC236}">
+                <a16:creationId xmlns:a16="http://schemas.microsoft.com/office/drawing/2014/main" id="{712D4376-A578-4FF1-94FC-245E7A6A489F}"/>
+              </a:ext>
+              <a:ext uri="{C183D7F6-B498-43B3-948B-1728B52AA6E4}">
+                <adec:decorative xmlns:adec="http://schemas.microsoft.com/office/drawing/2017/decorative" val="1"/>
+              </a:ext>
+            </a:extLst>
+          </p:cNvPr>
+          <p:cNvSpPr>
+            <a:spLocks noGrp="1" noRot="1" noChangeAspect="1" noMove="1" noResize="1" noEditPoints="1" noAdjustHandles="1" noChangeArrowheads="1" noChangeShapeType="1" noTextEdit="1"/>
+          </p:cNvSpPr>
+          <p:nvPr>
+            <p:extLst>
+              <p:ext uri="{386F3935-93C4-4BCD-93E2-E3B085C9AB24}">
+                <p16:designElem xmlns:p16="http://schemas.microsoft.com/office/powerpoint/2015/main" val="1"/>
+              </p:ext>
+            </p:extLst>
+          </p:nvPr>
+        </p:nvSpPr>
+        <p:spPr>
+          <a:xfrm>
+            <a:off x="1028014" y="1835705"/>
+            <a:ext cx="91138" cy="91138"/>
+          </a:xfrm>
+          <a:custGeom>
+            <a:avLst/>
+            <a:gdLst>
+              <a:gd name="connsiteX0" fmla="*/ 91138 w 91138"/>
+              <a:gd name="connsiteY0" fmla="*/ 45569 h 91138"/>
+              <a:gd name="connsiteX1" fmla="*/ 45569 w 91138"/>
+              <a:gd name="connsiteY1" fmla="*/ 91138 h 91138"/>
+              <a:gd name="connsiteX2" fmla="*/ 0 w 91138"/>
+              <a:gd name="connsiteY2" fmla="*/ 45569 h 91138"/>
+              <a:gd name="connsiteX3" fmla="*/ 45569 w 91138"/>
+              <a:gd name="connsiteY3" fmla="*/ 0 h 91138"/>
+              <a:gd name="connsiteX4" fmla="*/ 91138 w 91138"/>
+              <a:gd name="connsiteY4" fmla="*/ 45569 h 91138"/>
+            </a:gdLst>
+            <a:ahLst/>
+            <a:cxnLst>
+              <a:cxn ang="0">
+                <a:pos x="connsiteX0" y="connsiteY0"/>
+              </a:cxn>
+              <a:cxn ang="0">
+                <a:pos x="connsiteX1" y="connsiteY1"/>
+              </a:cxn>
+              <a:cxn ang="0">
+                <a:pos x="connsiteX2" y="connsiteY2"/>
+              </a:cxn>
+              <a:cxn ang="0">
+                <a:pos x="connsiteX3" y="connsiteY3"/>
+              </a:cxn>
+              <a:cxn ang="0">
+                <a:pos x="connsiteX4" y="connsiteY4"/>
+              </a:cxn>
+            </a:cxnLst>
+            <a:rect l="l" t="t" r="r" b="b"/>
+            <a:pathLst>
+              <a:path w="91138" h="91138">
+                <a:moveTo>
+                  <a:pt x="91138" y="45569"/>
+                </a:moveTo>
+                <a:cubicBezTo>
+                  <a:pt x="91138" y="70736"/>
+                  <a:pt x="70736" y="91138"/>
+                  <a:pt x="45569" y="91138"/>
+                </a:cubicBezTo>
+                <a:cubicBezTo>
+                  <a:pt x="20402" y="91138"/>
+                  <a:pt x="0" y="70736"/>
+                  <a:pt x="0" y="45569"/>
+                </a:cubicBezTo>
+                <a:cubicBezTo>
+                  <a:pt x="0" y="20402"/>
+                  <a:pt x="20402" y="0"/>
+                  <a:pt x="45569" y="0"/>
+                </a:cubicBezTo>
+                <a:cubicBezTo>
+                  <a:pt x="70736" y="0"/>
+                  <a:pt x="91138" y="20402"/>
+                  <a:pt x="91138" y="45569"/>
+                </a:cubicBezTo>
+                <a:close/>
+              </a:path>
+            </a:pathLst>
+          </a:custGeom>
+          <a:solidFill>
+            <a:schemeClr val="bg1"/>
+          </a:solidFill>
+          <a:ln w="422" cap="flat">
+            <a:noFill/>
+            <a:prstDash val="solid"/>
+            <a:miter/>
+          </a:ln>
+        </p:spPr>
+        <p:txBody>
+          <a:bodyPr rtlCol="0" anchor="ctr"/>
+          <a:lstStyle/>
+          <a:p>
+            <a:pPr marL="0" marR="0" lvl="0" indent="0" algn="l" defTabSz="914400" rtl="0" eaLnBrk="1" fontAlgn="auto" latinLnBrk="0" hangingPunct="1">
+              <a:lnSpc>
+                <a:spcPct val="100000"/>
+              </a:lnSpc>
+              <a:spcBef>
+                <a:spcPts val="0"/>
+              </a:spcBef>
+              <a:spcAft>
+                <a:spcPts val="0"/>
+              </a:spcAft>
+              <a:buClrTx/>
+              <a:buSzTx/>
+              <a:buFontTx/>
+              <a:buNone/>
+              <a:tabLst/>
+              <a:defRPr/>
+            </a:pPr>
+            <a:endParaRPr kumimoji="0" lang="en-US" sz="1800" b="0" i="0" u="none" strike="noStrike" kern="1200" cap="none" spc="0" normalizeH="0" baseline="0" noProof="0">
+              <a:ln>
+                <a:noFill/>
+              </a:ln>
+              <a:solidFill>
+                <a:prstClr val="black"/>
+              </a:solidFill>
+              <a:effectLst/>
+              <a:uLnTx/>
+              <a:uFillTx/>
+              <a:latin typeface="Univers"/>
+              <a:ea typeface="+mn-ea"/>
+              <a:cs typeface="+mn-cs"/>
+            </a:endParaRPr>
+          </a:p>
+        </p:txBody>
+      </p:sp>
+      <p:sp>
+        <p:nvSpPr>
+          <p:cNvPr id="28" name="Graphic 15">
+            <a:extLst>
+              <a:ext uri="{FF2B5EF4-FFF2-40B4-BE49-F238E27FC236}">
+                <a16:creationId xmlns:a16="http://schemas.microsoft.com/office/drawing/2014/main" id="{AEA7509D-F04F-40CB-A0B3-EEF16499CC9F}"/>
+              </a:ext>
+              <a:ext uri="{C183D7F6-B498-43B3-948B-1728B52AA6E4}">
+                <adec:decorative xmlns:adec="http://schemas.microsoft.com/office/drawing/2017/decorative" val="1"/>
+              </a:ext>
+            </a:extLst>
+          </p:cNvPr>
+          <p:cNvSpPr>
+            <a:spLocks noGrp="1" noRot="1" noChangeAspect="1" noMove="1" noResize="1" noEditPoints="1" noAdjustHandles="1" noChangeArrowheads="1" noChangeShapeType="1" noTextEdit="1"/>
+          </p:cNvSpPr>
+          <p:nvPr>
+            <p:extLst>
+              <p:ext uri="{386F3935-93C4-4BCD-93E2-E3B085C9AB24}">
+                <p16:designElem xmlns:p16="http://schemas.microsoft.com/office/powerpoint/2015/main" val="1"/>
+              </p:ext>
+            </p:extLst>
+          </p:nvPr>
+        </p:nvSpPr>
+        <p:spPr>
+          <a:xfrm>
+            <a:off x="653696" y="2060130"/>
+            <a:ext cx="127713" cy="127713"/>
+          </a:xfrm>
+          <a:custGeom>
+            <a:avLst/>
+            <a:gdLst>
+              <a:gd name="connsiteX0" fmla="*/ 63857 w 127713"/>
+              <a:gd name="connsiteY0" fmla="*/ 18874 h 127713"/>
+              <a:gd name="connsiteX1" fmla="*/ 108839 w 127713"/>
+              <a:gd name="connsiteY1" fmla="*/ 63857 h 127713"/>
+              <a:gd name="connsiteX2" fmla="*/ 63857 w 127713"/>
+              <a:gd name="connsiteY2" fmla="*/ 108839 h 127713"/>
+              <a:gd name="connsiteX3" fmla="*/ 18874 w 127713"/>
+              <a:gd name="connsiteY3" fmla="*/ 63857 h 127713"/>
+              <a:gd name="connsiteX4" fmla="*/ 63857 w 127713"/>
+              <a:gd name="connsiteY4" fmla="*/ 18874 h 127713"/>
+              <a:gd name="connsiteX5" fmla="*/ 63857 w 127713"/>
+              <a:gd name="connsiteY5" fmla="*/ 0 h 127713"/>
+              <a:gd name="connsiteX6" fmla="*/ 0 w 127713"/>
+              <a:gd name="connsiteY6" fmla="*/ 63857 h 127713"/>
+              <a:gd name="connsiteX7" fmla="*/ 63857 w 127713"/>
+              <a:gd name="connsiteY7" fmla="*/ 127713 h 127713"/>
+              <a:gd name="connsiteX8" fmla="*/ 127713 w 127713"/>
+              <a:gd name="connsiteY8" fmla="*/ 63857 h 127713"/>
+              <a:gd name="connsiteX9" fmla="*/ 63857 w 127713"/>
+              <a:gd name="connsiteY9" fmla="*/ 0 h 127713"/>
+            </a:gdLst>
+            <a:ahLst/>
+            <a:cxnLst>
+              <a:cxn ang="0">
+                <a:pos x="connsiteX0" y="connsiteY0"/>
+              </a:cxn>
+              <a:cxn ang="0">
+                <a:pos x="connsiteX1" y="connsiteY1"/>
+              </a:cxn>
+              <a:cxn ang="0">
+                <a:pos x="connsiteX2" y="connsiteY2"/>
+              </a:cxn>
+              <a:cxn ang="0">
+                <a:pos x="connsiteX3" y="connsiteY3"/>
+              </a:cxn>
+              <a:cxn ang="0">
+                <a:pos x="connsiteX4" y="connsiteY4"/>
+              </a:cxn>
+              <a:cxn ang="0">
+                <a:pos x="connsiteX5" y="connsiteY5"/>
+              </a:cxn>
+              <a:cxn ang="0">
+                <a:pos x="connsiteX6" y="connsiteY6"/>
+              </a:cxn>
+              <a:cxn ang="0">
+                <a:pos x="connsiteX7" y="connsiteY7"/>
+              </a:cxn>
+              <a:cxn ang="0">
+                <a:pos x="connsiteX8" y="connsiteY8"/>
+              </a:cxn>
+              <a:cxn ang="0">
+                <a:pos x="connsiteX9" y="connsiteY9"/>
+              </a:cxn>
+            </a:cxnLst>
+            <a:rect l="l" t="t" r="r" b="b"/>
+            <a:pathLst>
+              <a:path w="127713" h="127713">
+                <a:moveTo>
+                  <a:pt x="63857" y="18874"/>
+                </a:moveTo>
+                <a:cubicBezTo>
+                  <a:pt x="88700" y="18874"/>
+                  <a:pt x="108839" y="39013"/>
+                  <a:pt x="108839" y="63857"/>
+                </a:cubicBezTo>
+                <a:cubicBezTo>
+                  <a:pt x="108839" y="88700"/>
+                  <a:pt x="88700" y="108839"/>
+                  <a:pt x="63857" y="108839"/>
+                </a:cubicBezTo>
+                <a:cubicBezTo>
+                  <a:pt x="39013" y="108839"/>
+                  <a:pt x="18874" y="88700"/>
+                  <a:pt x="18874" y="63857"/>
+                </a:cubicBezTo>
+                <a:cubicBezTo>
+                  <a:pt x="18898" y="39023"/>
+                  <a:pt x="39023" y="18898"/>
+                  <a:pt x="63857" y="18874"/>
+                </a:cubicBezTo>
+                <a:moveTo>
+                  <a:pt x="63857" y="0"/>
+                </a:moveTo>
+                <a:cubicBezTo>
+                  <a:pt x="28590" y="0"/>
+                  <a:pt x="0" y="28590"/>
+                  <a:pt x="0" y="63857"/>
+                </a:cubicBezTo>
+                <a:cubicBezTo>
+                  <a:pt x="0" y="99124"/>
+                  <a:pt x="28590" y="127713"/>
+                  <a:pt x="63857" y="127713"/>
+                </a:cubicBezTo>
+                <a:cubicBezTo>
+                  <a:pt x="99124" y="127713"/>
+                  <a:pt x="127713" y="99124"/>
+                  <a:pt x="127713" y="63857"/>
+                </a:cubicBezTo>
+                <a:cubicBezTo>
+                  <a:pt x="127713" y="28590"/>
+                  <a:pt x="99124" y="0"/>
+                  <a:pt x="63857" y="0"/>
+                </a:cubicBezTo>
+                <a:close/>
+              </a:path>
+            </a:pathLst>
+          </a:custGeom>
+          <a:solidFill>
+            <a:schemeClr val="bg1"/>
+          </a:solidFill>
+          <a:ln w="610" cap="flat">
+            <a:noFill/>
+            <a:prstDash val="solid"/>
+            <a:miter/>
+          </a:ln>
+        </p:spPr>
+        <p:txBody>
+          <a:bodyPr rtlCol="0" anchor="ctr"/>
+          <a:lstStyle/>
+          <a:p>
+            <a:pPr marL="0" marR="0" lvl="0" indent="0" algn="l" defTabSz="914400" rtl="0" eaLnBrk="1" fontAlgn="auto" latinLnBrk="0" hangingPunct="1">
+              <a:lnSpc>
+                <a:spcPct val="100000"/>
+              </a:lnSpc>
+              <a:spcBef>
+                <a:spcPts val="0"/>
+              </a:spcBef>
+              <a:spcAft>
+                <a:spcPts val="0"/>
+              </a:spcAft>
+              <a:buClrTx/>
+              <a:buSzTx/>
+              <a:buFontTx/>
+              <a:buNone/>
+              <a:tabLst/>
+              <a:defRPr/>
+            </a:pPr>
+            <a:endParaRPr kumimoji="0" lang="en-US" sz="1800" b="0" i="0" u="none" strike="noStrike" kern="1200" cap="none" spc="0" normalizeH="0" baseline="0" noProof="0">
+              <a:ln>
+                <a:noFill/>
+              </a:ln>
+              <a:solidFill>
+                <a:prstClr val="black"/>
+              </a:solidFill>
+              <a:effectLst/>
+              <a:uLnTx/>
+              <a:uFillTx/>
+              <a:latin typeface="Univers"/>
+              <a:ea typeface="+mn-ea"/>
+              <a:cs typeface="+mn-cs"/>
+            </a:endParaRPr>
+          </a:p>
+        </p:txBody>
+      </p:sp>
+      <p:grpSp>
+        <p:nvGrpSpPr>
+          <p:cNvPr id="17" name="Group 16">
+            <a:extLst>
+              <a:ext uri="{FF2B5EF4-FFF2-40B4-BE49-F238E27FC236}">
+                <a16:creationId xmlns:a16="http://schemas.microsoft.com/office/drawing/2014/main" id="{6BBADB81-8053-4921-AD50-9B3700D81574}"/>
+              </a:ext>
+            </a:extLst>
+          </p:cNvPr>
+          <p:cNvGrpSpPr/>
+          <p:nvPr/>
+        </p:nvGrpSpPr>
+        <p:grpSpPr>
+          <a:xfrm>
+            <a:off x="9966679" y="5065742"/>
+            <a:ext cx="2015771" cy="1194839"/>
+            <a:chOff x="5532028" y="4571187"/>
+            <a:chExt cx="3482365" cy="1733906"/>
+          </a:xfrm>
+        </p:grpSpPr>
+        <p:pic>
+          <p:nvPicPr>
+            <p:cNvPr id="18" name="Picture 17">
+              <a:extLst>
+                <a:ext uri="{FF2B5EF4-FFF2-40B4-BE49-F238E27FC236}">
+                  <a16:creationId xmlns:a16="http://schemas.microsoft.com/office/drawing/2014/main" id="{B781E8C7-2355-4D47-BC57-B713C24CC8CC}"/>
+                </a:ext>
+              </a:extLst>
+            </p:cNvPr>
+            <p:cNvPicPr>
+              <a:picLocks noChangeAspect="1"/>
+            </p:cNvPicPr>
+            <p:nvPr/>
+          </p:nvPicPr>
+          <p:blipFill>
+            <a:blip r:embed="rId3"/>
+            <a:stretch>
+              <a:fillRect/>
+            </a:stretch>
+          </p:blipFill>
+          <p:spPr>
+            <a:xfrm>
+              <a:off x="6924943" y="5752441"/>
+              <a:ext cx="2089450" cy="552652"/>
+            </a:xfrm>
+            <a:prstGeom prst="rect">
+              <a:avLst/>
+            </a:prstGeom>
+          </p:spPr>
+        </p:pic>
+        <p:pic>
+          <p:nvPicPr>
+            <p:cNvPr id="19" name="Picture 2">
+              <a:extLst>
+                <a:ext uri="{FF2B5EF4-FFF2-40B4-BE49-F238E27FC236}">
+                  <a16:creationId xmlns:a16="http://schemas.microsoft.com/office/drawing/2014/main" id="{0551FCC6-4F9C-41E5-962C-A6A4BF34C62D}"/>
+                </a:ext>
+              </a:extLst>
+            </p:cNvPr>
+            <p:cNvPicPr>
+              <a:picLocks noChangeAspect="1" noChangeArrowheads="1"/>
+            </p:cNvPicPr>
+            <p:nvPr/>
+          </p:nvPicPr>
+          <p:blipFill rotWithShape="1">
+            <a:blip r:embed="rId4">
+              <a:extLst>
+                <a:ext uri="{28A0092B-C50C-407E-A947-70E740481C1C}">
+                  <a14:useLocalDpi xmlns:a14="http://schemas.microsoft.com/office/drawing/2010/main" val="0"/>
+                </a:ext>
+              </a:extLst>
+            </a:blip>
+            <a:srcRect l="38143" t="29141" r="31834" b="38594"/>
+            <a:stretch/>
+          </p:blipFill>
+          <p:spPr bwMode="auto">
+            <a:xfrm>
+              <a:off x="5532028" y="4571187"/>
+              <a:ext cx="1613434" cy="1733906"/>
+            </a:xfrm>
+            <a:prstGeom prst="ellipse">
+              <a:avLst/>
+            </a:prstGeom>
+            <a:ln w="3175" cap="rnd">
+              <a:solidFill>
+                <a:srgbClr val="333333"/>
+              </a:solidFill>
+            </a:ln>
+            <a:effectLst>
+              <a:outerShdw blurRad="381000" dist="292100" dir="5400000" sx="-80000" sy="-18000" rotWithShape="0">
+                <a:srgbClr val="000000">
+                  <a:alpha val="22000"/>
+                </a:srgbClr>
+              </a:outerShdw>
+            </a:effectLst>
+            <a:scene3d>
+              <a:camera prst="orthographicFront"/>
+              <a:lightRig rig="contrasting" dir="t">
+                <a:rot lat="0" lon="0" rev="3000000"/>
+              </a:lightRig>
+            </a:scene3d>
+            <a:sp3d contourW="7620">
+              <a:bevelT w="95250" h="31750"/>
+              <a:contourClr>
+                <a:srgbClr val="333333"/>
+              </a:contourClr>
+            </a:sp3d>
+            <a:extLst>
+              <a:ext uri="{909E8E84-426E-40DD-AFC4-6F175D3DCCD1}">
+                <a14:hiddenFill xmlns:a14="http://schemas.microsoft.com/office/drawing/2010/main">
+                  <a:solidFill>
+                    <a:srgbClr val="FFFFFF"/>
+                  </a:solidFill>
+                </a14:hiddenFill>
+              </a:ext>
+            </a:extLst>
+          </p:spPr>
+        </p:pic>
+      </p:grpSp>
+      <p:cxnSp>
+        <p:nvCxnSpPr>
+          <p:cNvPr id="30" name="Straight Connector 29">
+            <a:extLst>
+              <a:ext uri="{FF2B5EF4-FFF2-40B4-BE49-F238E27FC236}">
+                <a16:creationId xmlns:a16="http://schemas.microsoft.com/office/drawing/2014/main" id="{56020367-4FD5-4596-8E10-C5F095CD8DBF}"/>
+              </a:ext>
+              <a:ext uri="{C183D7F6-B498-43B3-948B-1728B52AA6E4}">
+                <adec:decorative xmlns:adec="http://schemas.microsoft.com/office/drawing/2017/decorative" val="1"/>
+              </a:ext>
+            </a:extLst>
+          </p:cNvPr>
+          <p:cNvCxnSpPr>
+            <a:cxnSpLocks noGrp="1" noRot="1" noChangeAspect="1" noMove="1" noResize="1" noEditPoints="1" noAdjustHandles="1" noChangeArrowheads="1" noChangeShapeType="1"/>
+          </p:cNvCxnSpPr>
+          <p:nvPr>
+            <p:extLst>
+              <p:ext uri="{386F3935-93C4-4BCD-93E2-E3B085C9AB24}">
+                <p16:designElem xmlns:p16="http://schemas.microsoft.com/office/powerpoint/2015/main" val="1"/>
+              </p:ext>
+            </p:extLst>
+          </p:nvPr>
+        </p:nvCxnSpPr>
+        <p:spPr>
+          <a:xfrm>
+            <a:off x="1301262" y="3505200"/>
+            <a:ext cx="0" cy="3352800"/>
+          </a:xfrm>
+          <a:prstGeom prst="line">
+            <a:avLst/>
+          </a:prstGeom>
+          <a:ln w="25400" cap="sq">
+            <a:solidFill>
+              <a:schemeClr val="bg1"/>
+            </a:solidFill>
+            <a:bevel/>
+          </a:ln>
+        </p:spPr>
+        <p:style>
+          <a:lnRef idx="1">
+            <a:schemeClr val="accent1"/>
+          </a:lnRef>
+          <a:fillRef idx="0">
+            <a:schemeClr val="accent1"/>
+          </a:fillRef>
+          <a:effectRef idx="0">
+            <a:schemeClr val="accent1"/>
+          </a:effectRef>
+          <a:fontRef idx="minor">
+            <a:schemeClr val="tx1"/>
+          </a:fontRef>
+        </p:style>
+      </p:cxnSp>
+      <p:sp>
+        <p:nvSpPr>
+          <p:cNvPr id="6" name="Arrow: Chevron 5">
+            <a:extLst>
+              <a:ext uri="{FF2B5EF4-FFF2-40B4-BE49-F238E27FC236}">
+                <a16:creationId xmlns:a16="http://schemas.microsoft.com/office/drawing/2014/main" id="{BA737AEF-712A-432A-ABB7-A8472DF3070C}"/>
+              </a:ext>
+            </a:extLst>
+          </p:cNvPr>
+          <p:cNvSpPr/>
+          <p:nvPr/>
+        </p:nvSpPr>
+        <p:spPr>
+          <a:xfrm rot="5400000">
+            <a:off x="1088028" y="1614330"/>
+            <a:ext cx="949310" cy="493481"/>
+          </a:xfrm>
+          <a:prstGeom prst="chevron">
+            <a:avLst/>
+          </a:prstGeom>
+        </p:spPr>
+        <p:style>
+          <a:lnRef idx="2">
+            <a:schemeClr val="dk1">
+              <a:shade val="50000"/>
+            </a:schemeClr>
+          </a:lnRef>
+          <a:fillRef idx="1">
+            <a:schemeClr val="dk1"/>
+          </a:fillRef>
+          <a:effectRef idx="0">
+            <a:schemeClr val="dk1"/>
+          </a:effectRef>
+          <a:fontRef idx="minor">
+            <a:schemeClr val="lt1"/>
+          </a:fontRef>
+        </p:style>
+        <p:txBody>
+          <a:bodyPr rtlCol="0" anchor="ctr"/>
+          <a:lstStyle/>
+          <a:p>
+            <a:pPr marL="0" marR="0" lvl="0" indent="0" algn="ctr" defTabSz="914400" rtl="0" eaLnBrk="1" fontAlgn="auto" latinLnBrk="0" hangingPunct="1">
+              <a:lnSpc>
+                <a:spcPct val="100000"/>
+              </a:lnSpc>
+              <a:spcBef>
+                <a:spcPts val="0"/>
+              </a:spcBef>
+              <a:spcAft>
+                <a:spcPts val="0"/>
+              </a:spcAft>
+              <a:buClrTx/>
+              <a:buSzTx/>
+              <a:buFontTx/>
+              <a:buNone/>
+              <a:tabLst/>
+              <a:defRPr/>
+            </a:pPr>
+            <a:endParaRPr kumimoji="0" lang="en-IN" sz="1800" b="0" i="0" u="none" strike="noStrike" kern="1200" cap="none" spc="0" normalizeH="0" baseline="0" noProof="0">
+              <a:ln>
+                <a:noFill/>
+              </a:ln>
+              <a:solidFill>
+                <a:prstClr val="black"/>
+              </a:solidFill>
+              <a:effectLst/>
+              <a:uLnTx/>
+              <a:uFillTx/>
+              <a:latin typeface="Univers"/>
+              <a:ea typeface="+mn-ea"/>
+              <a:cs typeface="+mn-cs"/>
+            </a:endParaRPr>
+          </a:p>
+        </p:txBody>
+      </p:sp>
+      <p:sp>
+        <p:nvSpPr>
+          <p:cNvPr id="21" name="Arrow: Chevron 20">
+            <a:extLst>
+              <a:ext uri="{FF2B5EF4-FFF2-40B4-BE49-F238E27FC236}">
+                <a16:creationId xmlns:a16="http://schemas.microsoft.com/office/drawing/2014/main" id="{167E37A6-13D0-482B-81EB-C731A7E5D8E4}"/>
+              </a:ext>
+            </a:extLst>
+          </p:cNvPr>
+          <p:cNvSpPr/>
+          <p:nvPr/>
+        </p:nvSpPr>
+        <p:spPr>
+          <a:xfrm rot="5400000">
+            <a:off x="9777563" y="1608395"/>
+            <a:ext cx="898578" cy="520346"/>
+          </a:xfrm>
+          <a:prstGeom prst="chevron">
+            <a:avLst/>
+          </a:prstGeom>
+        </p:spPr>
+        <p:style>
+          <a:lnRef idx="2">
+            <a:schemeClr val="dk1">
+              <a:shade val="50000"/>
+            </a:schemeClr>
+          </a:lnRef>
+          <a:fillRef idx="1">
+            <a:schemeClr val="dk1"/>
+          </a:fillRef>
+          <a:effectRef idx="0">
+            <a:schemeClr val="dk1"/>
+          </a:effectRef>
+          <a:fontRef idx="minor">
+            <a:schemeClr val="lt1"/>
+          </a:fontRef>
+        </p:style>
+        <p:txBody>
+          <a:bodyPr rtlCol="0" anchor="ctr"/>
+          <a:lstStyle/>
+          <a:p>
+            <a:pPr marL="0" marR="0" lvl="0" indent="0" algn="ctr" defTabSz="914400" rtl="0" eaLnBrk="1" fontAlgn="auto" latinLnBrk="0" hangingPunct="1">
+              <a:lnSpc>
+                <a:spcPct val="100000"/>
+              </a:lnSpc>
+              <a:spcBef>
+                <a:spcPts val="0"/>
+              </a:spcBef>
+              <a:spcAft>
+                <a:spcPts val="0"/>
+              </a:spcAft>
+              <a:buClrTx/>
+              <a:buSzTx/>
+              <a:buFontTx/>
+              <a:buNone/>
+              <a:tabLst/>
+              <a:defRPr/>
+            </a:pPr>
+            <a:endParaRPr kumimoji="0" lang="en-IN" sz="1800" b="0" i="0" u="none" strike="noStrike" kern="1200" cap="none" spc="0" normalizeH="0" baseline="0" noProof="0">
+              <a:ln>
+                <a:noFill/>
+              </a:ln>
+              <a:solidFill>
+                <a:prstClr val="black"/>
+              </a:solidFill>
+              <a:effectLst/>
+              <a:uLnTx/>
+              <a:uFillTx/>
+              <a:latin typeface="Univers"/>
+              <a:ea typeface="+mn-ea"/>
+              <a:cs typeface="+mn-cs"/>
+            </a:endParaRPr>
+          </a:p>
+        </p:txBody>
+      </p:sp>
+      <p:sp>
+        <p:nvSpPr>
+          <p:cNvPr id="7" name="Arrow: Down 6">
+            <a:extLst>
+              <a:ext uri="{FF2B5EF4-FFF2-40B4-BE49-F238E27FC236}">
+                <a16:creationId xmlns:a16="http://schemas.microsoft.com/office/drawing/2014/main" id="{6D51199A-4EC7-48BE-9196-3449565BC7B5}"/>
+              </a:ext>
+            </a:extLst>
+          </p:cNvPr>
+          <p:cNvSpPr/>
+          <p:nvPr/>
+        </p:nvSpPr>
+        <p:spPr>
+          <a:xfrm>
+            <a:off x="1119152" y="18967"/>
+            <a:ext cx="438150" cy="716881"/>
+          </a:xfrm>
+          <a:prstGeom prst="downArrow">
+            <a:avLst/>
+          </a:prstGeom>
+        </p:spPr>
+        <p:style>
+          <a:lnRef idx="2">
+            <a:schemeClr val="dk1">
+              <a:shade val="50000"/>
+            </a:schemeClr>
+          </a:lnRef>
+          <a:fillRef idx="1">
+            <a:schemeClr val="dk1"/>
+          </a:fillRef>
+          <a:effectRef idx="0">
+            <a:schemeClr val="dk1"/>
+          </a:effectRef>
+          <a:fontRef idx="minor">
+            <a:schemeClr val="lt1"/>
+          </a:fontRef>
+        </p:style>
+        <p:txBody>
+          <a:bodyPr rtlCol="0" anchor="ctr"/>
+          <a:lstStyle/>
+          <a:p>
+            <a:pPr marL="0" marR="0" lvl="0" indent="0" algn="ctr" defTabSz="914400" rtl="0" eaLnBrk="1" fontAlgn="auto" latinLnBrk="0" hangingPunct="1">
+              <a:lnSpc>
+                <a:spcPct val="100000"/>
+              </a:lnSpc>
+              <a:spcBef>
+                <a:spcPts val="0"/>
+              </a:spcBef>
+              <a:spcAft>
+                <a:spcPts val="0"/>
+              </a:spcAft>
+              <a:buClrTx/>
+              <a:buSzTx/>
+              <a:buFontTx/>
+              <a:buNone/>
+              <a:tabLst/>
+              <a:defRPr/>
+            </a:pPr>
+            <a:endParaRPr kumimoji="0" lang="en-IN" sz="1800" b="0" i="0" u="none" strike="noStrike" kern="1200" cap="none" spc="0" normalizeH="0" baseline="0" noProof="0">
+              <a:ln>
+                <a:noFill/>
+              </a:ln>
+              <a:solidFill>
+                <a:prstClr val="white"/>
+              </a:solidFill>
+              <a:effectLst/>
+              <a:uLnTx/>
+              <a:uFillTx/>
+              <a:latin typeface="Univers"/>
+              <a:ea typeface="+mn-ea"/>
+              <a:cs typeface="+mn-cs"/>
+            </a:endParaRPr>
+          </a:p>
+        </p:txBody>
+      </p:sp>
+      <p:sp>
+        <p:nvSpPr>
+          <p:cNvPr id="23" name="Arrow: Down 22">
+            <a:extLst>
+              <a:ext uri="{FF2B5EF4-FFF2-40B4-BE49-F238E27FC236}">
+                <a16:creationId xmlns:a16="http://schemas.microsoft.com/office/drawing/2014/main" id="{9873C464-01C1-4B70-BB97-495721A2F498}"/>
+              </a:ext>
+            </a:extLst>
+          </p:cNvPr>
+          <p:cNvSpPr/>
+          <p:nvPr/>
+        </p:nvSpPr>
+        <p:spPr>
+          <a:xfrm>
+            <a:off x="10230986" y="16803"/>
+            <a:ext cx="438150" cy="721210"/>
+          </a:xfrm>
+          <a:prstGeom prst="downArrow">
+            <a:avLst/>
+          </a:prstGeom>
+        </p:spPr>
+        <p:style>
+          <a:lnRef idx="2">
+            <a:schemeClr val="dk1">
+              <a:shade val="50000"/>
+            </a:schemeClr>
+          </a:lnRef>
+          <a:fillRef idx="1">
+            <a:schemeClr val="dk1"/>
+          </a:fillRef>
+          <a:effectRef idx="0">
+            <a:schemeClr val="dk1"/>
+          </a:effectRef>
+          <a:fontRef idx="minor">
+            <a:schemeClr val="lt1"/>
+          </a:fontRef>
+        </p:style>
+        <p:txBody>
+          <a:bodyPr rtlCol="0" anchor="ctr"/>
+          <a:lstStyle/>
+          <a:p>
+            <a:pPr marL="0" marR="0" lvl="0" indent="0" algn="ctr" defTabSz="914400" rtl="0" eaLnBrk="1" fontAlgn="auto" latinLnBrk="0" hangingPunct="1">
+              <a:lnSpc>
+                <a:spcPct val="100000"/>
+              </a:lnSpc>
+              <a:spcBef>
+                <a:spcPts val="0"/>
+              </a:spcBef>
+              <a:spcAft>
+                <a:spcPts val="0"/>
+              </a:spcAft>
+              <a:buClrTx/>
+              <a:buSzTx/>
+              <a:buFontTx/>
+              <a:buNone/>
+              <a:tabLst/>
+              <a:defRPr/>
+            </a:pPr>
+            <a:endParaRPr kumimoji="0" lang="en-IN" sz="1800" b="0" i="0" u="none" strike="noStrike" kern="1200" cap="none" spc="0" normalizeH="0" baseline="0" noProof="0">
+              <a:ln>
+                <a:noFill/>
+              </a:ln>
+              <a:solidFill>
+                <a:prstClr val="white"/>
+              </a:solidFill>
+              <a:effectLst/>
+              <a:uLnTx/>
+              <a:uFillTx/>
+              <a:latin typeface="Univers"/>
+              <a:ea typeface="+mn-ea"/>
+              <a:cs typeface="+mn-cs"/>
+            </a:endParaRPr>
+          </a:p>
+        </p:txBody>
+      </p:sp>
+      <p:sp>
+        <p:nvSpPr>
+          <p:cNvPr id="29" name="Footer Placeholder 3">
+            <a:extLst>
+              <a:ext uri="{FF2B5EF4-FFF2-40B4-BE49-F238E27FC236}">
+                <a16:creationId xmlns:a16="http://schemas.microsoft.com/office/drawing/2014/main" id="{F2F435DA-C280-48FF-B975-52D547742E24}"/>
+              </a:ext>
+            </a:extLst>
+          </p:cNvPr>
+          <p:cNvSpPr>
+            <a:spLocks noGrp="1"/>
+          </p:cNvSpPr>
+          <p:nvPr>
+            <p:ph type="ftr" sz="quarter" idx="11"/>
+          </p:nvPr>
+        </p:nvSpPr>
+        <p:spPr>
+          <a:xfrm>
+            <a:off x="3303524" y="6376439"/>
+            <a:ext cx="4991098" cy="339725"/>
+          </a:xfrm>
+        </p:spPr>
+        <p:txBody>
+          <a:bodyPr/>
+          <a:lstStyle/>
+          <a:p>
+            <a:pPr marL="0" marR="0" lvl="0" indent="0" algn="ctr" defTabSz="914400" rtl="0" eaLnBrk="1" fontAlgn="auto" latinLnBrk="0" hangingPunct="1">
+              <a:lnSpc>
+                <a:spcPct val="100000"/>
+              </a:lnSpc>
+              <a:spcBef>
+                <a:spcPts val="0"/>
+              </a:spcBef>
+              <a:spcAft>
+                <a:spcPts val="0"/>
+              </a:spcAft>
+              <a:buClrTx/>
+              <a:buSzTx/>
+              <a:buFontTx/>
+              <a:buNone/>
+              <a:tabLst/>
+              <a:defRPr/>
+            </a:pPr>
+            <a:r>
+              <a:rPr kumimoji="0" lang="en-US" sz="1200" b="0" i="0" u="none" strike="noStrike" kern="1200" cap="none" spc="100" normalizeH="0" baseline="0" noProof="0" dirty="0">
+                <a:ln>
+                  <a:noFill/>
+                </a:ln>
+                <a:solidFill>
+                  <a:prstClr val="black">
+                    <a:tint val="75000"/>
+                  </a:prstClr>
+                </a:solidFill>
+                <a:effectLst/>
+                <a:uLnTx/>
+                <a:uFillTx/>
+                <a:latin typeface="Univers"/>
+                <a:ea typeface="+mn-ea"/>
+                <a:cs typeface="+mn-cs"/>
+              </a:rPr>
+              <a:t>©Green Learner - https://youtube.com/greenlearner</a:t>
+            </a:r>
+            <a:endParaRPr kumimoji="0" lang="en-IN" sz="1200" b="0" i="0" u="none" strike="noStrike" kern="1200" cap="none" spc="100" normalizeH="0" baseline="0" noProof="0" dirty="0">
+              <a:ln>
+                <a:noFill/>
+              </a:ln>
+              <a:solidFill>
+                <a:prstClr val="black">
+                  <a:tint val="75000"/>
+                </a:prstClr>
+              </a:solidFill>
+              <a:effectLst/>
+              <a:uLnTx/>
+              <a:uFillTx/>
+              <a:latin typeface="Univers"/>
+              <a:ea typeface="+mn-ea"/>
+              <a:cs typeface="+mn-cs"/>
+            </a:endParaRPr>
+          </a:p>
+        </p:txBody>
+      </p:sp>
+      <p:pic>
+        <p:nvPicPr>
+          <p:cNvPr id="8" name="Picture 7">
+            <a:extLst>
+              <a:ext uri="{FF2B5EF4-FFF2-40B4-BE49-F238E27FC236}">
+                <a16:creationId xmlns:a16="http://schemas.microsoft.com/office/drawing/2014/main" id="{FBA69AB8-6470-43FA-8CB3-CE4B87953BBB}"/>
+              </a:ext>
+            </a:extLst>
+          </p:cNvPr>
+          <p:cNvPicPr>
+            <a:picLocks noChangeAspect="1"/>
+          </p:cNvPicPr>
+          <p:nvPr/>
+        </p:nvPicPr>
+        <p:blipFill>
+          <a:blip r:embed="rId5"/>
+          <a:stretch>
+            <a:fillRect/>
+          </a:stretch>
+        </p:blipFill>
+        <p:spPr>
+          <a:xfrm>
+            <a:off x="3125366" y="1069305"/>
+            <a:ext cx="5266159" cy="1228725"/>
+          </a:xfrm>
+          <a:prstGeom prst="rect">
+            <a:avLst/>
+          </a:prstGeom>
+          <a:ln>
+            <a:noFill/>
+          </a:ln>
+          <a:effectLst>
+            <a:outerShdw blurRad="292100" dist="139700" dir="2700000" algn="tl" rotWithShape="0">
+              <a:srgbClr val="333333">
+                <a:alpha val="65000"/>
+              </a:srgbClr>
+            </a:outerShdw>
+          </a:effectLst>
+        </p:spPr>
+      </p:pic>
+      <p:sp>
+        <p:nvSpPr>
+          <p:cNvPr id="25" name="Explosion: 14 Points 24">
+            <a:extLst>
+              <a:ext uri="{FF2B5EF4-FFF2-40B4-BE49-F238E27FC236}">
+                <a16:creationId xmlns:a16="http://schemas.microsoft.com/office/drawing/2014/main" id="{FC3F2E8E-5057-4F86-A5E3-A575F3F527D8}"/>
+              </a:ext>
+            </a:extLst>
+          </p:cNvPr>
+          <p:cNvSpPr/>
+          <p:nvPr/>
+        </p:nvSpPr>
+        <p:spPr>
+          <a:xfrm rot="19459750">
+            <a:off x="-269721" y="1454768"/>
+            <a:ext cx="3585169" cy="1686526"/>
+          </a:xfrm>
+          <a:prstGeom prst="irregularSeal2">
+            <a:avLst/>
+          </a:prstGeom>
+          <a:gradFill flip="none" rotWithShape="1">
+            <a:gsLst>
+              <a:gs pos="0">
+                <a:schemeClr val="accent3">
+                  <a:lumMod val="67000"/>
+                </a:schemeClr>
+              </a:gs>
+              <a:gs pos="48000">
+                <a:schemeClr val="accent3">
+                  <a:lumMod val="97000"/>
+                  <a:lumOff val="3000"/>
+                </a:schemeClr>
+              </a:gs>
+              <a:gs pos="100000">
+                <a:schemeClr val="accent3">
+                  <a:lumMod val="60000"/>
+                  <a:lumOff val="40000"/>
+                </a:schemeClr>
+              </a:gs>
+            </a:gsLst>
+            <a:lin ang="16200000" scaled="1"/>
+            <a:tileRect/>
+          </a:gradFill>
+          <a:ln>
+            <a:noFill/>
+          </a:ln>
+        </p:spPr>
+        <p:style>
+          <a:lnRef idx="0">
+            <a:scrgbClr r="0" g="0" b="0"/>
+          </a:lnRef>
+          <a:fillRef idx="0">
+            <a:scrgbClr r="0" g="0" b="0"/>
+          </a:fillRef>
+          <a:effectRef idx="0">
+            <a:scrgbClr r="0" g="0" b="0"/>
+          </a:effectRef>
+          <a:fontRef idx="minor">
+            <a:schemeClr val="lt1"/>
+          </a:fontRef>
+        </p:style>
+        <p:txBody>
+          <a:bodyPr rtlCol="0" anchor="ctr"/>
+          <a:lstStyle/>
+          <a:p>
+            <a:pPr marL="0" marR="0" lvl="0" indent="0" algn="ctr" defTabSz="914400" rtl="0" eaLnBrk="1" fontAlgn="auto" latinLnBrk="0" hangingPunct="1">
+              <a:lnSpc>
+                <a:spcPct val="100000"/>
+              </a:lnSpc>
+              <a:spcBef>
+                <a:spcPts val="0"/>
+              </a:spcBef>
+              <a:spcAft>
+                <a:spcPts val="0"/>
+              </a:spcAft>
+              <a:buClrTx/>
+              <a:buSzTx/>
+              <a:buFontTx/>
+              <a:buNone/>
+              <a:tabLst/>
+              <a:defRPr/>
+            </a:pPr>
+            <a:r>
+              <a:rPr kumimoji="0" lang="en-IN" sz="2400" b="1" i="0" u="none" strike="noStrike" kern="1200" cap="none" spc="300" normalizeH="0" baseline="0" noProof="0" dirty="0">
+                <a:ln>
+                  <a:noFill/>
+                </a:ln>
+                <a:solidFill>
+                  <a:prstClr val="white"/>
+                </a:solidFill>
+                <a:effectLst/>
+                <a:uLnTx/>
+                <a:uFillTx/>
+                <a:latin typeface="Bahnschrift SemiBold Condensed" panose="020B0502040204020203" pitchFamily="34" charset="0"/>
+                <a:ea typeface="+mn-ea"/>
+                <a:cs typeface="+mn-cs"/>
+              </a:rPr>
+              <a:t>REAL TIME</a:t>
+            </a:r>
+          </a:p>
+          <a:p>
+            <a:pPr marL="0" marR="0" lvl="0" indent="0" algn="ctr" defTabSz="914400" rtl="0" eaLnBrk="1" fontAlgn="auto" latinLnBrk="0" hangingPunct="1">
+              <a:lnSpc>
+                <a:spcPct val="100000"/>
+              </a:lnSpc>
+              <a:spcBef>
+                <a:spcPts val="0"/>
+              </a:spcBef>
+              <a:spcAft>
+                <a:spcPts val="0"/>
+              </a:spcAft>
+              <a:buClrTx/>
+              <a:buSzTx/>
+              <a:buFontTx/>
+              <a:buNone/>
+              <a:tabLst/>
+              <a:defRPr/>
+            </a:pPr>
+            <a:r>
+              <a:rPr kumimoji="0" lang="en-IN" sz="2400" b="1" i="0" u="none" strike="noStrike" kern="1200" cap="none" spc="300" normalizeH="0" baseline="0" noProof="0" dirty="0">
+                <a:ln>
+                  <a:noFill/>
+                </a:ln>
+                <a:solidFill>
+                  <a:prstClr val="white"/>
+                </a:solidFill>
+                <a:effectLst/>
+                <a:uLnTx/>
+                <a:uFillTx/>
+                <a:latin typeface="Bahnschrift SemiBold Condensed" panose="020B0502040204020203" pitchFamily="34" charset="0"/>
+                <a:ea typeface="+mn-ea"/>
+                <a:cs typeface="+mn-cs"/>
+              </a:rPr>
+              <a:t>PROJECTS</a:t>
+            </a:r>
+          </a:p>
+        </p:txBody>
+      </p:sp>
+      <p:sp>
+        <p:nvSpPr>
+          <p:cNvPr id="27" name="Explosion: 14 Points 26">
+            <a:extLst>
+              <a:ext uri="{FF2B5EF4-FFF2-40B4-BE49-F238E27FC236}">
+                <a16:creationId xmlns:a16="http://schemas.microsoft.com/office/drawing/2014/main" id="{489E6976-C878-4B16-AE1D-648C135380A6}"/>
+              </a:ext>
+            </a:extLst>
+          </p:cNvPr>
+          <p:cNvSpPr/>
+          <p:nvPr/>
+        </p:nvSpPr>
+        <p:spPr>
+          <a:xfrm rot="2276317">
+            <a:off x="8715181" y="1344580"/>
+            <a:ext cx="3585169" cy="1686526"/>
+          </a:xfrm>
+          <a:prstGeom prst="irregularSeal2">
+            <a:avLst/>
+          </a:prstGeom>
+          <a:gradFill flip="none" rotWithShape="1">
+            <a:gsLst>
+              <a:gs pos="0">
+                <a:schemeClr val="accent3">
+                  <a:lumMod val="67000"/>
+                </a:schemeClr>
+              </a:gs>
+              <a:gs pos="48000">
+                <a:schemeClr val="accent3">
+                  <a:lumMod val="97000"/>
+                  <a:lumOff val="3000"/>
+                </a:schemeClr>
+              </a:gs>
+              <a:gs pos="100000">
+                <a:schemeClr val="accent3">
+                  <a:lumMod val="60000"/>
+                  <a:lumOff val="40000"/>
+                </a:schemeClr>
+              </a:gs>
+            </a:gsLst>
+            <a:lin ang="16200000" scaled="1"/>
+            <a:tileRect/>
+          </a:gradFill>
+          <a:ln>
+            <a:noFill/>
+          </a:ln>
+        </p:spPr>
+        <p:style>
+          <a:lnRef idx="0">
+            <a:scrgbClr r="0" g="0" b="0"/>
+          </a:lnRef>
+          <a:fillRef idx="0">
+            <a:scrgbClr r="0" g="0" b="0"/>
+          </a:fillRef>
+          <a:effectRef idx="0">
+            <a:scrgbClr r="0" g="0" b="0"/>
+          </a:effectRef>
+          <a:fontRef idx="minor">
+            <a:schemeClr val="lt1"/>
+          </a:fontRef>
+        </p:style>
+        <p:txBody>
+          <a:bodyPr rtlCol="0" anchor="ctr"/>
+          <a:lstStyle/>
+          <a:p>
+            <a:pPr marL="0" marR="0" lvl="0" indent="0" algn="ctr" defTabSz="914400" rtl="0" eaLnBrk="1" fontAlgn="auto" latinLnBrk="0" hangingPunct="1">
+              <a:lnSpc>
+                <a:spcPct val="100000"/>
+              </a:lnSpc>
+              <a:spcBef>
+                <a:spcPts val="0"/>
+              </a:spcBef>
+              <a:spcAft>
+                <a:spcPts val="0"/>
+              </a:spcAft>
+              <a:buClrTx/>
+              <a:buSzTx/>
+              <a:buFontTx/>
+              <a:buNone/>
+              <a:tabLst/>
+              <a:defRPr/>
+            </a:pPr>
+            <a:r>
+              <a:rPr kumimoji="0" lang="en-IN" sz="2400" b="1" i="0" u="none" strike="noStrike" kern="1200" cap="none" spc="300" normalizeH="0" baseline="0" noProof="0" dirty="0">
+                <a:ln>
+                  <a:noFill/>
+                </a:ln>
+                <a:solidFill>
+                  <a:prstClr val="white"/>
+                </a:solidFill>
+                <a:effectLst/>
+                <a:uLnTx/>
+                <a:uFillTx/>
+                <a:latin typeface="Bahnschrift SemiBold Condensed" panose="020B0502040204020203" pitchFamily="34" charset="0"/>
+                <a:ea typeface="+mn-ea"/>
+                <a:cs typeface="+mn-cs"/>
+              </a:rPr>
+              <a:t>REAL TIME</a:t>
+            </a:r>
+          </a:p>
+          <a:p>
+            <a:pPr marL="0" marR="0" lvl="0" indent="0" algn="ctr" defTabSz="914400" rtl="0" eaLnBrk="1" fontAlgn="auto" latinLnBrk="0" hangingPunct="1">
+              <a:lnSpc>
+                <a:spcPct val="100000"/>
+              </a:lnSpc>
+              <a:spcBef>
+                <a:spcPts val="0"/>
+              </a:spcBef>
+              <a:spcAft>
+                <a:spcPts val="0"/>
+              </a:spcAft>
+              <a:buClrTx/>
+              <a:buSzTx/>
+              <a:buFontTx/>
+              <a:buNone/>
+              <a:tabLst/>
+              <a:defRPr/>
+            </a:pPr>
+            <a:r>
+              <a:rPr kumimoji="0" lang="en-IN" sz="2400" b="1" i="0" u="none" strike="noStrike" kern="1200" cap="none" spc="300" normalizeH="0" baseline="0" noProof="0" dirty="0">
+                <a:ln>
+                  <a:noFill/>
+                </a:ln>
+                <a:solidFill>
+                  <a:prstClr val="white"/>
+                </a:solidFill>
+                <a:effectLst/>
+                <a:uLnTx/>
+                <a:uFillTx/>
+                <a:latin typeface="Bahnschrift SemiBold Condensed" panose="020B0502040204020203" pitchFamily="34" charset="0"/>
+                <a:ea typeface="+mn-ea"/>
+                <a:cs typeface="+mn-cs"/>
+              </a:rPr>
+              <a:t>PROJECTS</a:t>
+            </a:r>
+          </a:p>
+        </p:txBody>
+      </p:sp>
+      <p:pic>
+        <p:nvPicPr>
+          <p:cNvPr id="9" name="Picture 8">
+            <a:extLst>
+              <a:ext uri="{FF2B5EF4-FFF2-40B4-BE49-F238E27FC236}">
+                <a16:creationId xmlns:a16="http://schemas.microsoft.com/office/drawing/2014/main" id="{D827C341-2A29-4892-9420-346A2416AF24}"/>
+              </a:ext>
+            </a:extLst>
+          </p:cNvPr>
+          <p:cNvPicPr>
+            <a:picLocks noChangeAspect="1"/>
+          </p:cNvPicPr>
+          <p:nvPr/>
+        </p:nvPicPr>
+        <p:blipFill>
+          <a:blip r:embed="rId6"/>
+          <a:stretch>
+            <a:fillRect/>
+          </a:stretch>
+        </p:blipFill>
+        <p:spPr>
+          <a:xfrm>
+            <a:off x="7967961" y="5065742"/>
+            <a:ext cx="847127" cy="820446"/>
+          </a:xfrm>
+          <a:prstGeom prst="rect">
+            <a:avLst/>
+          </a:prstGeom>
+        </p:spPr>
+      </p:pic>
+      <p:pic>
+        <p:nvPicPr>
+          <p:cNvPr id="31" name="Picture 30">
+            <a:extLst>
+              <a:ext uri="{FF2B5EF4-FFF2-40B4-BE49-F238E27FC236}">
+                <a16:creationId xmlns:a16="http://schemas.microsoft.com/office/drawing/2014/main" id="{19D4DBB4-1646-46F0-97ED-E23229DECDBF}"/>
+              </a:ext>
+            </a:extLst>
+          </p:cNvPr>
+          <p:cNvPicPr>
+            <a:picLocks noChangeAspect="1"/>
+          </p:cNvPicPr>
+          <p:nvPr/>
+        </p:nvPicPr>
+        <p:blipFill>
+          <a:blip r:embed="rId6"/>
+          <a:stretch>
+            <a:fillRect/>
+          </a:stretch>
+        </p:blipFill>
+        <p:spPr>
+          <a:xfrm>
+            <a:off x="3518363" y="5065742"/>
+            <a:ext cx="847127" cy="820446"/>
+          </a:xfrm>
+          <a:prstGeom prst="rect">
+            <a:avLst/>
+          </a:prstGeom>
+        </p:spPr>
+      </p:pic>
+      <p:sp>
+        <p:nvSpPr>
+          <p:cNvPr id="5" name="Rectangle 4">
+            <a:extLst>
+              <a:ext uri="{FF2B5EF4-FFF2-40B4-BE49-F238E27FC236}">
+                <a16:creationId xmlns:a16="http://schemas.microsoft.com/office/drawing/2014/main" id="{7FCE95C0-A6DA-4CF6-A6E0-26BCBE1CD618}"/>
+              </a:ext>
+            </a:extLst>
+          </p:cNvPr>
+          <p:cNvSpPr/>
+          <p:nvPr/>
+        </p:nvSpPr>
+        <p:spPr>
+          <a:xfrm>
+            <a:off x="2082671" y="2187843"/>
+            <a:ext cx="7883999" cy="1640665"/>
+          </a:xfrm>
+          <a:prstGeom prst="rect">
+            <a:avLst/>
+          </a:prstGeom>
+        </p:spPr>
+        <p:style>
+          <a:lnRef idx="0">
+            <a:schemeClr val="dk1"/>
+          </a:lnRef>
+          <a:fillRef idx="3">
+            <a:schemeClr val="dk1"/>
+          </a:fillRef>
+          <a:effectRef idx="3">
+            <a:schemeClr val="dk1"/>
+          </a:effectRef>
+          <a:fontRef idx="minor">
+            <a:schemeClr val="lt1"/>
+          </a:fontRef>
+        </p:style>
+        <p:txBody>
+          <a:bodyPr rtlCol="0" anchor="ctr"/>
+          <a:lstStyle/>
+          <a:p>
+            <a:pPr marL="0" marR="0" lvl="0" indent="0" algn="ctr" defTabSz="914400" rtl="0" eaLnBrk="1" fontAlgn="auto" latinLnBrk="0" hangingPunct="1">
+              <a:lnSpc>
+                <a:spcPct val="100000"/>
+              </a:lnSpc>
+              <a:spcBef>
+                <a:spcPts val="0"/>
+              </a:spcBef>
+              <a:spcAft>
+                <a:spcPts val="0"/>
+              </a:spcAft>
+              <a:buClrTx/>
+              <a:buSzTx/>
+              <a:buFontTx/>
+              <a:buNone/>
+              <a:tabLst/>
+              <a:defRPr/>
+            </a:pPr>
+            <a:r>
+              <a:rPr kumimoji="0" lang="en-US" sz="4400" b="0" i="0" u="sng" strike="noStrike" kern="1200" cap="none" spc="0" normalizeH="0" baseline="0" noProof="0" dirty="0">
+                <a:ln>
+                  <a:noFill/>
+                </a:ln>
+                <a:solidFill>
+                  <a:srgbClr val="FFFF00"/>
+                </a:solidFill>
+                <a:effectLst/>
+                <a:uLnTx/>
+                <a:uFillTx/>
+                <a:latin typeface="Algerian" panose="04020705040A02060702" pitchFamily="82" charset="0"/>
+                <a:ea typeface="+mn-ea"/>
+                <a:cs typeface="+mn-cs"/>
+              </a:rPr>
+              <a:t>notification when service  status changes</a:t>
+            </a:r>
+            <a:endParaRPr kumimoji="0" lang="en-IN" sz="4400" b="1" i="0" u="sng" strike="noStrike" kern="1200" cap="none" spc="0" normalizeH="0" baseline="0" noProof="0" dirty="0">
+              <a:ln>
+                <a:noFill/>
+              </a:ln>
+              <a:solidFill>
+                <a:srgbClr val="FFFF00"/>
+              </a:solidFill>
+              <a:effectLst/>
+              <a:uLnTx/>
+              <a:uFillTx/>
+              <a:latin typeface="Univers"/>
+              <a:ea typeface="+mn-ea"/>
+              <a:cs typeface="+mn-cs"/>
+            </a:endParaRPr>
+          </a:p>
+        </p:txBody>
+      </p:sp>
+    </p:spTree>
+    <p:extLst>
+      <p:ext uri="{BB962C8B-B14F-4D97-AF65-F5344CB8AC3E}">
+        <p14:creationId xmlns:p14="http://schemas.microsoft.com/office/powerpoint/2010/main" val="3735469059"/>
+      </p:ext>
+    </p:extLst>
+  </p:cSld>
+  <p:clrMapOvr>
+    <a:masterClrMapping/>
+  </p:clrMapOvr>
+</p:sld>
+</file>
+
+<file path=ppt/slides/slide26.xml><?xml version="1.0" encoding="utf-8"?>
+<p:sld xmlns:a="http://schemas.openxmlformats.org/drawingml/2006/main" xmlns:r="http://schemas.openxmlformats.org/officeDocument/2006/relationships" xmlns:p="http://schemas.openxmlformats.org/presentationml/2006/main">
+  <p:cSld>
+    <p:bg>
+      <p:bgPr>
+        <a:solidFill>
+          <a:schemeClr val="bg1"/>
+        </a:solidFill>
+        <a:effectLst/>
+      </p:bgPr>
+    </p:bg>
+    <p:spTree>
+      <p:nvGrpSpPr>
+        <p:cNvPr id="1" name=""/>
+        <p:cNvGrpSpPr/>
+        <p:nvPr/>
+      </p:nvGrpSpPr>
+      <p:grpSpPr>
+        <a:xfrm>
+          <a:off x="0" y="0"/>
+          <a:ext cx="0" cy="0"/>
+          <a:chOff x="0" y="0"/>
+          <a:chExt cx="0" cy="0"/>
+        </a:xfrm>
+      </p:grpSpPr>
+      <p:sp>
+        <p:nvSpPr>
+          <p:cNvPr id="20" name="Rectangle 19">
+            <a:extLst>
+              <a:ext uri="{FF2B5EF4-FFF2-40B4-BE49-F238E27FC236}">
+                <a16:creationId xmlns:a16="http://schemas.microsoft.com/office/drawing/2014/main" id="{663302B0-7A41-480B-921B-7D395B4E24C8}"/>
+              </a:ext>
+              <a:ext uri="{C183D7F6-B498-43B3-948B-1728B52AA6E4}">
+                <adec:decorative xmlns:adec="http://schemas.microsoft.com/office/drawing/2017/decorative" val="1"/>
+              </a:ext>
+            </a:extLst>
+          </p:cNvPr>
+          <p:cNvSpPr>
+            <a:spLocks noGrp="1" noRot="1" noChangeAspect="1" noMove="1" noResize="1" noEditPoints="1" noAdjustHandles="1" noChangeArrowheads="1" noChangeShapeType="1" noTextEdit="1"/>
+          </p:cNvSpPr>
+          <p:nvPr>
+            <p:extLst>
+              <p:ext uri="{386F3935-93C4-4BCD-93E2-E3B085C9AB24}">
+                <p16:designElem xmlns:p16="http://schemas.microsoft.com/office/powerpoint/2015/main" val="1"/>
+              </p:ext>
+            </p:extLst>
+          </p:nvPr>
+        </p:nvSpPr>
+        <p:spPr>
+          <a:xfrm>
+            <a:off x="0" y="0"/>
+            <a:ext cx="12192000" cy="6858000"/>
+          </a:xfrm>
+          <a:prstGeom prst="rect">
+            <a:avLst/>
+          </a:prstGeom>
+          <a:gradFill flip="none" rotWithShape="1">
+            <a:gsLst>
+              <a:gs pos="100000">
+                <a:schemeClr val="accent4"/>
+              </a:gs>
+              <a:gs pos="0">
+                <a:schemeClr val="accent2"/>
+              </a:gs>
+            </a:gsLst>
+            <a:lin ang="2700000" scaled="1"/>
+            <a:tileRect/>
+          </a:gradFill>
+          <a:ln>
+            <a:noFill/>
+          </a:ln>
+        </p:spPr>
+        <p:style>
+          <a:lnRef idx="2">
+            <a:schemeClr val="accent1">
+              <a:shade val="50000"/>
+            </a:schemeClr>
+          </a:lnRef>
+          <a:fillRef idx="1">
+            <a:schemeClr val="accent1"/>
+          </a:fillRef>
+          <a:effectRef idx="0">
+            <a:schemeClr val="accent1"/>
+          </a:effectRef>
+          <a:fontRef idx="minor">
+            <a:schemeClr val="lt1"/>
+          </a:fontRef>
+        </p:style>
+        <p:txBody>
+          <a:bodyPr rtlCol="0" anchor="ctr"/>
+          <a:lstStyle/>
+          <a:p>
+            <a:pPr marL="0" marR="0" lvl="0" indent="0" algn="ctr" defTabSz="914400" rtl="0" eaLnBrk="1" fontAlgn="auto" latinLnBrk="0" hangingPunct="1">
+              <a:lnSpc>
+                <a:spcPct val="100000"/>
+              </a:lnSpc>
+              <a:spcBef>
+                <a:spcPts val="0"/>
+              </a:spcBef>
+              <a:spcAft>
+                <a:spcPts val="0"/>
+              </a:spcAft>
+              <a:buClrTx/>
+              <a:buSzTx/>
+              <a:buFontTx/>
+              <a:buNone/>
+              <a:tabLst/>
+              <a:defRPr/>
+            </a:pPr>
+            <a:endParaRPr kumimoji="0" lang="en-US" sz="1800" b="0" i="0" u="none" strike="noStrike" kern="1200" cap="none" spc="0" normalizeH="0" baseline="0" noProof="0">
+              <a:ln>
+                <a:noFill/>
+              </a:ln>
+              <a:solidFill>
+                <a:prstClr val="white"/>
+              </a:solidFill>
+              <a:effectLst/>
+              <a:uLnTx/>
+              <a:uFillTx/>
+              <a:latin typeface="Univers"/>
+              <a:ea typeface="+mn-ea"/>
+              <a:cs typeface="+mn-cs"/>
+            </a:endParaRPr>
+          </a:p>
+        </p:txBody>
+      </p:sp>
+      <p:pic>
+        <p:nvPicPr>
+          <p:cNvPr id="4" name="Picture 3">
+            <a:extLst>
+              <a:ext uri="{FF2B5EF4-FFF2-40B4-BE49-F238E27FC236}">
+                <a16:creationId xmlns:a16="http://schemas.microsoft.com/office/drawing/2014/main" id="{A3AB1860-7104-4D1E-A310-EA6D5F0C9F63}"/>
+              </a:ext>
+            </a:extLst>
+          </p:cNvPr>
+          <p:cNvPicPr>
+            <a:picLocks noChangeAspect="1"/>
+          </p:cNvPicPr>
+          <p:nvPr/>
+        </p:nvPicPr>
+        <p:blipFill rotWithShape="1">
+          <a:blip r:embed="rId2"/>
+          <a:srcRect l="24233" r="24232" b="-1"/>
+          <a:stretch/>
+        </p:blipFill>
+        <p:spPr>
+          <a:xfrm>
+            <a:off x="6902452" y="6716"/>
+            <a:ext cx="5289548" cy="6851284"/>
+          </a:xfrm>
+          <a:prstGeom prst="rect">
+            <a:avLst/>
+          </a:prstGeom>
+          <a:effectLst>
+            <a:softEdge rad="444500"/>
+          </a:effectLst>
+        </p:spPr>
+      </p:pic>
+      <p:sp>
+        <p:nvSpPr>
+          <p:cNvPr id="22" name="Rectangle 21">
+            <a:extLst>
+              <a:ext uri="{FF2B5EF4-FFF2-40B4-BE49-F238E27FC236}">
+                <a16:creationId xmlns:a16="http://schemas.microsoft.com/office/drawing/2014/main" id="{4E94261F-1ED3-4E90-88E6-13479144005B}"/>
+              </a:ext>
+              <a:ext uri="{C183D7F6-B498-43B3-948B-1728B52AA6E4}">
+                <adec:decorative xmlns:adec="http://schemas.microsoft.com/office/drawing/2017/decorative" val="1"/>
+              </a:ext>
+            </a:extLst>
+          </p:cNvPr>
+          <p:cNvSpPr>
+            <a:spLocks noGrp="1" noRot="1" noChangeAspect="1" noMove="1" noResize="1" noEditPoints="1" noAdjustHandles="1" noChangeArrowheads="1" noChangeShapeType="1" noTextEdit="1"/>
+          </p:cNvSpPr>
+          <p:nvPr>
+            <p:extLst>
+              <p:ext uri="{386F3935-93C4-4BCD-93E2-E3B085C9AB24}">
+                <p16:designElem xmlns:p16="http://schemas.microsoft.com/office/powerpoint/2015/main" val="1"/>
+              </p:ext>
+            </p:extLst>
+          </p:nvPr>
+        </p:nvSpPr>
+        <p:spPr>
+          <a:xfrm>
+            <a:off x="0" y="6716"/>
+            <a:ext cx="12192000" cy="6858000"/>
+          </a:xfrm>
+          <a:prstGeom prst="rect">
+            <a:avLst/>
+          </a:prstGeom>
+          <a:gradFill flip="none" rotWithShape="1">
+            <a:gsLst>
+              <a:gs pos="100000">
+                <a:schemeClr val="accent4">
+                  <a:alpha val="40000"/>
+                </a:schemeClr>
+              </a:gs>
+              <a:gs pos="0">
+                <a:schemeClr val="accent2"/>
+              </a:gs>
+            </a:gsLst>
+            <a:lin ang="2700000" scaled="1"/>
+            <a:tileRect/>
+          </a:gradFill>
+          <a:ln>
+            <a:noFill/>
+          </a:ln>
+        </p:spPr>
+        <p:style>
+          <a:lnRef idx="2">
+            <a:schemeClr val="accent1">
+              <a:shade val="50000"/>
+            </a:schemeClr>
+          </a:lnRef>
+          <a:fillRef idx="1">
+            <a:schemeClr val="accent1"/>
+          </a:fillRef>
+          <a:effectRef idx="0">
+            <a:schemeClr val="accent1"/>
+          </a:effectRef>
+          <a:fontRef idx="minor">
+            <a:schemeClr val="lt1"/>
+          </a:fontRef>
+        </p:style>
+        <p:txBody>
+          <a:bodyPr rtlCol="0" anchor="ctr"/>
+          <a:lstStyle/>
+          <a:p>
+            <a:pPr marL="0" marR="0" lvl="0" indent="0" algn="ctr" defTabSz="914400" rtl="0" eaLnBrk="1" fontAlgn="auto" latinLnBrk="0" hangingPunct="1">
+              <a:lnSpc>
+                <a:spcPct val="100000"/>
+              </a:lnSpc>
+              <a:spcBef>
+                <a:spcPts val="0"/>
+              </a:spcBef>
+              <a:spcAft>
+                <a:spcPts val="0"/>
+              </a:spcAft>
+              <a:buClrTx/>
+              <a:buSzTx/>
+              <a:buFontTx/>
+              <a:buNone/>
+              <a:tabLst/>
+              <a:defRPr/>
+            </a:pPr>
+            <a:endParaRPr kumimoji="0" lang="en-US" sz="1800" b="0" i="0" u="none" strike="noStrike" kern="1200" cap="none" spc="0" normalizeH="0" baseline="0" noProof="0">
+              <a:ln>
+                <a:noFill/>
+              </a:ln>
+              <a:solidFill>
+                <a:prstClr val="white"/>
+              </a:solidFill>
+              <a:effectLst/>
+              <a:uLnTx/>
+              <a:uFillTx/>
+              <a:latin typeface="Univers"/>
+              <a:ea typeface="+mn-ea"/>
+              <a:cs typeface="+mn-cs"/>
+            </a:endParaRPr>
+          </a:p>
+        </p:txBody>
+      </p:sp>
+      <p:sp>
+        <p:nvSpPr>
+          <p:cNvPr id="2" name="Title 1">
+            <a:extLst>
+              <a:ext uri="{FF2B5EF4-FFF2-40B4-BE49-F238E27FC236}">
+                <a16:creationId xmlns:a16="http://schemas.microsoft.com/office/drawing/2014/main" id="{FA4839B9-810F-45CF-A549-0C4E18FEB6BE}"/>
+              </a:ext>
+            </a:extLst>
+          </p:cNvPr>
+          <p:cNvSpPr>
+            <a:spLocks noGrp="1"/>
+          </p:cNvSpPr>
+          <p:nvPr>
+            <p:ph type="ctrTitle"/>
+          </p:nvPr>
+        </p:nvSpPr>
+        <p:spPr>
+          <a:xfrm>
+            <a:off x="1301263" y="335215"/>
+            <a:ext cx="9185762" cy="676715"/>
+          </a:xfrm>
+          <a:solidFill>
+            <a:srgbClr val="000000"/>
+          </a:solidFill>
+        </p:spPr>
+        <p:txBody>
+          <a:bodyPr anchor="ctr">
+            <a:noAutofit/>
+          </a:bodyPr>
+          <a:lstStyle/>
+          <a:p>
+            <a:pPr algn="ctr"/>
+            <a:r>
+              <a:rPr lang="en-IN" sz="4400" u="sng" dirty="0">
+                <a:solidFill>
+                  <a:schemeClr val="bg1"/>
+                </a:solidFill>
+                <a:latin typeface="Algerian" panose="04020705040A02060702" pitchFamily="82" charset="0"/>
+              </a:rPr>
+              <a:t>MICROSERVICES DEMO SERIES</a:t>
+            </a:r>
+          </a:p>
+        </p:txBody>
+      </p:sp>
+      <p:sp>
+        <p:nvSpPr>
+          <p:cNvPr id="3" name="Subtitle 2">
+            <a:extLst>
+              <a:ext uri="{FF2B5EF4-FFF2-40B4-BE49-F238E27FC236}">
+                <a16:creationId xmlns:a16="http://schemas.microsoft.com/office/drawing/2014/main" id="{2C52E430-94F3-42B4-AF6E-DD62A54F77A8}"/>
+              </a:ext>
+            </a:extLst>
+          </p:cNvPr>
+          <p:cNvSpPr>
+            <a:spLocks noGrp="1"/>
+          </p:cNvSpPr>
+          <p:nvPr>
+            <p:ph type="subTitle" idx="1"/>
+          </p:nvPr>
+        </p:nvSpPr>
+        <p:spPr>
+          <a:xfrm>
+            <a:off x="1301262" y="2335725"/>
+            <a:ext cx="9367870" cy="3834293"/>
+          </a:xfrm>
+        </p:spPr>
+        <p:style>
+          <a:lnRef idx="0">
+            <a:schemeClr val="dk1"/>
+          </a:lnRef>
+          <a:fillRef idx="3">
+            <a:schemeClr val="dk1"/>
+          </a:fillRef>
+          <a:effectRef idx="3">
+            <a:schemeClr val="dk1"/>
+          </a:effectRef>
+          <a:fontRef idx="minor">
+            <a:schemeClr val="lt1"/>
+          </a:fontRef>
+        </p:style>
+        <p:txBody>
+          <a:bodyPr anchor="ctr">
+            <a:normAutofit/>
+          </a:bodyPr>
+          <a:lstStyle/>
+          <a:p>
+            <a:pPr algn="ctr"/>
+            <a:endParaRPr lang="en-IN" b="1" u="sng" spc="0" dirty="0">
+              <a:solidFill>
+                <a:srgbClr val="7030A0"/>
+              </a:solidFill>
+              <a:effectLst>
+                <a:outerShdw blurRad="38100" dist="38100" dir="2700000" algn="tl">
+                  <a:srgbClr val="000000">
+                    <a:alpha val="43137"/>
+                  </a:srgbClr>
+                </a:outerShdw>
+              </a:effectLst>
+              <a:latin typeface="Algerian" panose="04020705040A02060702" pitchFamily="82" charset="0"/>
+            </a:endParaRPr>
+          </a:p>
+          <a:p>
+            <a:pPr algn="ctr"/>
+            <a:endParaRPr lang="en-IN" b="1" u="sng" spc="0" dirty="0">
+              <a:solidFill>
+                <a:srgbClr val="00B050"/>
+              </a:solidFill>
+              <a:effectLst>
+                <a:outerShdw blurRad="38100" dist="38100" dir="2700000" algn="tl">
+                  <a:srgbClr val="000000">
+                    <a:alpha val="43137"/>
+                  </a:srgbClr>
+                </a:outerShdw>
+              </a:effectLst>
+              <a:latin typeface="Algerian" panose="04020705040A02060702" pitchFamily="82" charset="0"/>
+            </a:endParaRPr>
+          </a:p>
+          <a:p>
+            <a:pPr algn="ctr"/>
+            <a:endParaRPr lang="en-IN" b="1" u="sng" spc="0" dirty="0">
+              <a:solidFill>
+                <a:srgbClr val="00B050"/>
+              </a:solidFill>
+              <a:effectLst>
+                <a:outerShdw blurRad="38100" dist="38100" dir="2700000" algn="tl">
+                  <a:srgbClr val="000000">
+                    <a:alpha val="43137"/>
+                  </a:srgbClr>
+                </a:outerShdw>
+              </a:effectLst>
+              <a:latin typeface="Algerian" panose="04020705040A02060702" pitchFamily="82" charset="0"/>
+            </a:endParaRPr>
+          </a:p>
+          <a:p>
+            <a:pPr algn="ctr"/>
+            <a:r>
+              <a:rPr lang="en-IN" b="1" u="sng" spc="0" dirty="0">
+                <a:solidFill>
+                  <a:srgbClr val="00B050"/>
+                </a:solidFill>
+                <a:effectLst>
+                  <a:outerShdw blurRad="38100" dist="38100" dir="2700000" algn="tl">
+                    <a:srgbClr val="000000">
+                      <a:alpha val="43137"/>
+                    </a:srgbClr>
+                  </a:outerShdw>
+                </a:effectLst>
+                <a:latin typeface="Algerian" panose="04020705040A02060702" pitchFamily="82" charset="0"/>
+              </a:rPr>
+              <a:t>Product  Micro service</a:t>
+            </a:r>
+            <a:r>
+              <a:rPr lang="en-IN" sz="1000" b="1" spc="0" dirty="0">
+                <a:solidFill>
+                  <a:schemeClr val="bg1"/>
+                </a:solidFill>
+                <a:effectLst>
+                  <a:outerShdw blurRad="38100" dist="38100" dir="2700000" algn="tl">
+                    <a:srgbClr val="000000">
+                      <a:alpha val="43137"/>
+                    </a:srgbClr>
+                  </a:outerShdw>
+                </a:effectLst>
+                <a:latin typeface="Algerian" panose="04020705040A02060702" pitchFamily="82" charset="0"/>
+              </a:rPr>
+              <a:t>(as client)</a:t>
+            </a:r>
+            <a:endParaRPr lang="en-IN" b="1" spc="0" dirty="0">
+              <a:solidFill>
+                <a:schemeClr val="bg1"/>
+              </a:solidFill>
+              <a:effectLst>
+                <a:outerShdw blurRad="38100" dist="38100" dir="2700000" algn="tl">
+                  <a:srgbClr val="000000">
+                    <a:alpha val="43137"/>
+                  </a:srgbClr>
+                </a:outerShdw>
+              </a:effectLst>
+              <a:latin typeface="Algerian" panose="04020705040A02060702" pitchFamily="82" charset="0"/>
+            </a:endParaRPr>
+          </a:p>
+          <a:p>
+            <a:pPr lvl="1"/>
+            <a:r>
+              <a:rPr lang="en-IN" sz="6000" spc="600" dirty="0">
+                <a:solidFill>
+                  <a:srgbClr val="FF0000"/>
+                </a:solidFill>
+                <a:effectLst>
+                  <a:outerShdw blurRad="38100" dist="38100" dir="2700000" algn="tl">
+                    <a:srgbClr val="000000">
+                      <a:alpha val="43137"/>
+                    </a:srgbClr>
+                  </a:outerShdw>
+                </a:effectLst>
+                <a:latin typeface="Algerian" panose="04020705040A02060702" pitchFamily="82" charset="0"/>
+              </a:rPr>
+              <a:t>Spring boot admin server</a:t>
+            </a:r>
+          </a:p>
+        </p:txBody>
+      </p:sp>
+      <p:sp>
+        <p:nvSpPr>
+          <p:cNvPr id="24" name="Graphic 13">
+            <a:extLst>
+              <a:ext uri="{FF2B5EF4-FFF2-40B4-BE49-F238E27FC236}">
+                <a16:creationId xmlns:a16="http://schemas.microsoft.com/office/drawing/2014/main" id="{C5CB530E-515E-412C-9DF1-5F8FFBD6F383}"/>
+              </a:ext>
+              <a:ext uri="{C183D7F6-B498-43B3-948B-1728B52AA6E4}">
+                <adec:decorative xmlns:adec="http://schemas.microsoft.com/office/drawing/2017/decorative" val="1"/>
+              </a:ext>
+            </a:extLst>
+          </p:cNvPr>
+          <p:cNvSpPr>
+            <a:spLocks noGrp="1" noRot="1" noChangeAspect="1" noMove="1" noResize="1" noEditPoints="1" noAdjustHandles="1" noChangeArrowheads="1" noChangeShapeType="1" noTextEdit="1"/>
+          </p:cNvSpPr>
+          <p:nvPr>
+            <p:extLst>
+              <p:ext uri="{386F3935-93C4-4BCD-93E2-E3B085C9AB24}">
+                <p16:designElem xmlns:p16="http://schemas.microsoft.com/office/powerpoint/2015/main" val="1"/>
+              </p:ext>
+            </p:extLst>
+          </p:nvPr>
+        </p:nvSpPr>
+        <p:spPr>
+          <a:xfrm>
+            <a:off x="669236" y="1606411"/>
+            <a:ext cx="139038" cy="139038"/>
+          </a:xfrm>
+          <a:custGeom>
+            <a:avLst/>
+            <a:gdLst>
+              <a:gd name="connsiteX0" fmla="*/ 129601 w 139038"/>
+              <a:gd name="connsiteY0" fmla="*/ 60082 h 139038"/>
+              <a:gd name="connsiteX1" fmla="*/ 78956 w 139038"/>
+              <a:gd name="connsiteY1" fmla="*/ 60082 h 139038"/>
+              <a:gd name="connsiteX2" fmla="*/ 78956 w 139038"/>
+              <a:gd name="connsiteY2" fmla="*/ 9437 h 139038"/>
+              <a:gd name="connsiteX3" fmla="*/ 69519 w 139038"/>
+              <a:gd name="connsiteY3" fmla="*/ 0 h 139038"/>
+              <a:gd name="connsiteX4" fmla="*/ 60082 w 139038"/>
+              <a:gd name="connsiteY4" fmla="*/ 9437 h 139038"/>
+              <a:gd name="connsiteX5" fmla="*/ 60082 w 139038"/>
+              <a:gd name="connsiteY5" fmla="*/ 60082 h 139038"/>
+              <a:gd name="connsiteX6" fmla="*/ 9437 w 139038"/>
+              <a:gd name="connsiteY6" fmla="*/ 60082 h 139038"/>
+              <a:gd name="connsiteX7" fmla="*/ 0 w 139038"/>
+              <a:gd name="connsiteY7" fmla="*/ 69519 h 139038"/>
+              <a:gd name="connsiteX8" fmla="*/ 9437 w 139038"/>
+              <a:gd name="connsiteY8" fmla="*/ 78956 h 139038"/>
+              <a:gd name="connsiteX9" fmla="*/ 60082 w 139038"/>
+              <a:gd name="connsiteY9" fmla="*/ 78956 h 139038"/>
+              <a:gd name="connsiteX10" fmla="*/ 60082 w 139038"/>
+              <a:gd name="connsiteY10" fmla="*/ 129601 h 139038"/>
+              <a:gd name="connsiteX11" fmla="*/ 69519 w 139038"/>
+              <a:gd name="connsiteY11" fmla="*/ 139038 h 139038"/>
+              <a:gd name="connsiteX12" fmla="*/ 78956 w 139038"/>
+              <a:gd name="connsiteY12" fmla="*/ 129601 h 139038"/>
+              <a:gd name="connsiteX13" fmla="*/ 78956 w 139038"/>
+              <a:gd name="connsiteY13" fmla="*/ 78956 h 139038"/>
+              <a:gd name="connsiteX14" fmla="*/ 129601 w 139038"/>
+              <a:gd name="connsiteY14" fmla="*/ 78956 h 139038"/>
+              <a:gd name="connsiteX15" fmla="*/ 139038 w 139038"/>
+              <a:gd name="connsiteY15" fmla="*/ 69519 h 139038"/>
+              <a:gd name="connsiteX16" fmla="*/ 129601 w 139038"/>
+              <a:gd name="connsiteY16" fmla="*/ 60082 h 139038"/>
+            </a:gdLst>
+            <a:ahLst/>
+            <a:cxnLst>
+              <a:cxn ang="0">
+                <a:pos x="connsiteX0" y="connsiteY0"/>
+              </a:cxn>
+              <a:cxn ang="0">
+                <a:pos x="connsiteX1" y="connsiteY1"/>
+              </a:cxn>
+              <a:cxn ang="0">
+                <a:pos x="connsiteX2" y="connsiteY2"/>
+              </a:cxn>
+              <a:cxn ang="0">
+                <a:pos x="connsiteX3" y="connsiteY3"/>
+              </a:cxn>
+              <a:cxn ang="0">
+                <a:pos x="connsiteX4" y="connsiteY4"/>
+              </a:cxn>
+              <a:cxn ang="0">
+                <a:pos x="connsiteX5" y="connsiteY5"/>
+              </a:cxn>
+              <a:cxn ang="0">
+                <a:pos x="connsiteX6" y="connsiteY6"/>
+              </a:cxn>
+              <a:cxn ang="0">
+                <a:pos x="connsiteX7" y="connsiteY7"/>
+              </a:cxn>
+              <a:cxn ang="0">
+                <a:pos x="connsiteX8" y="connsiteY8"/>
+              </a:cxn>
+              <a:cxn ang="0">
+                <a:pos x="connsiteX9" y="connsiteY9"/>
+              </a:cxn>
+              <a:cxn ang="0">
+                <a:pos x="connsiteX10" y="connsiteY10"/>
+              </a:cxn>
+              <a:cxn ang="0">
+                <a:pos x="connsiteX11" y="connsiteY11"/>
+              </a:cxn>
+              <a:cxn ang="0">
+                <a:pos x="connsiteX12" y="connsiteY12"/>
+              </a:cxn>
+              <a:cxn ang="0">
+                <a:pos x="connsiteX13" y="connsiteY13"/>
+              </a:cxn>
+              <a:cxn ang="0">
+                <a:pos x="connsiteX14" y="connsiteY14"/>
+              </a:cxn>
+              <a:cxn ang="0">
+                <a:pos x="connsiteX15" y="connsiteY15"/>
+              </a:cxn>
+              <a:cxn ang="0">
+                <a:pos x="connsiteX16" y="connsiteY16"/>
+              </a:cxn>
+            </a:cxnLst>
+            <a:rect l="l" t="t" r="r" b="b"/>
+            <a:pathLst>
+              <a:path w="139038" h="139038">
+                <a:moveTo>
+                  <a:pt x="129601" y="60082"/>
+                </a:moveTo>
+                <a:lnTo>
+                  <a:pt x="78956" y="60082"/>
+                </a:lnTo>
+                <a:lnTo>
+                  <a:pt x="78956" y="9437"/>
+                </a:lnTo>
+                <a:cubicBezTo>
+                  <a:pt x="78956" y="4225"/>
+                  <a:pt x="74731" y="0"/>
+                  <a:pt x="69519" y="0"/>
+                </a:cubicBezTo>
+                <a:cubicBezTo>
+                  <a:pt x="64307" y="0"/>
+                  <a:pt x="60082" y="4225"/>
+                  <a:pt x="60082" y="9437"/>
+                </a:cubicBezTo>
+                <a:lnTo>
+                  <a:pt x="60082" y="60082"/>
+                </a:lnTo>
+                <a:lnTo>
+                  <a:pt x="9437" y="60082"/>
+                </a:lnTo>
+                <a:cubicBezTo>
+                  <a:pt x="4225" y="60082"/>
+                  <a:pt x="0" y="64307"/>
+                  <a:pt x="0" y="69519"/>
+                </a:cubicBezTo>
+                <a:cubicBezTo>
+                  <a:pt x="0" y="74731"/>
+                  <a:pt x="4225" y="78956"/>
+                  <a:pt x="9437" y="78956"/>
+                </a:cubicBezTo>
+                <a:lnTo>
+                  <a:pt x="60082" y="78956"/>
+                </a:lnTo>
+                <a:lnTo>
+                  <a:pt x="60082" y="129601"/>
+                </a:lnTo>
+                <a:cubicBezTo>
+                  <a:pt x="60082" y="134813"/>
+                  <a:pt x="64307" y="139038"/>
+                  <a:pt x="69519" y="139038"/>
+                </a:cubicBezTo>
+                <a:cubicBezTo>
+                  <a:pt x="74731" y="139038"/>
+                  <a:pt x="78956" y="134813"/>
+                  <a:pt x="78956" y="129601"/>
+                </a:cubicBezTo>
+                <a:lnTo>
+                  <a:pt x="78956" y="78956"/>
+                </a:lnTo>
+                <a:lnTo>
+                  <a:pt x="129601" y="78956"/>
+                </a:lnTo>
+                <a:cubicBezTo>
+                  <a:pt x="134813" y="78956"/>
+                  <a:pt x="139038" y="74731"/>
+                  <a:pt x="139038" y="69519"/>
+                </a:cubicBezTo>
+                <a:cubicBezTo>
+                  <a:pt x="139038" y="64307"/>
+                  <a:pt x="134813" y="60082"/>
+                  <a:pt x="129601" y="60082"/>
+                </a:cubicBezTo>
+                <a:close/>
+              </a:path>
+            </a:pathLst>
+          </a:custGeom>
+          <a:solidFill>
+            <a:schemeClr val="bg1"/>
+          </a:solidFill>
+          <a:ln w="603" cap="flat">
+            <a:noFill/>
+            <a:prstDash val="solid"/>
+            <a:miter/>
+          </a:ln>
+        </p:spPr>
+        <p:txBody>
+          <a:bodyPr rtlCol="0" anchor="ctr"/>
+          <a:lstStyle/>
+          <a:p>
+            <a:pPr marL="0" marR="0" lvl="0" indent="0" algn="l" defTabSz="914400" rtl="0" eaLnBrk="1" fontAlgn="auto" latinLnBrk="0" hangingPunct="1">
+              <a:lnSpc>
+                <a:spcPct val="100000"/>
+              </a:lnSpc>
+              <a:spcBef>
+                <a:spcPts val="0"/>
+              </a:spcBef>
+              <a:spcAft>
+                <a:spcPts val="0"/>
+              </a:spcAft>
+              <a:buClrTx/>
+              <a:buSzTx/>
+              <a:buFontTx/>
+              <a:buNone/>
+              <a:tabLst/>
+              <a:defRPr/>
+            </a:pPr>
+            <a:endParaRPr kumimoji="0" lang="en-US" sz="1800" b="0" i="0" u="none" strike="noStrike" kern="1200" cap="none" spc="0" normalizeH="0" baseline="0" noProof="0">
+              <a:ln>
+                <a:noFill/>
+              </a:ln>
+              <a:solidFill>
+                <a:prstClr val="black"/>
+              </a:solidFill>
+              <a:effectLst/>
+              <a:uLnTx/>
+              <a:uFillTx/>
+              <a:latin typeface="Univers"/>
+              <a:ea typeface="+mn-ea"/>
+              <a:cs typeface="+mn-cs"/>
+            </a:endParaRPr>
+          </a:p>
+        </p:txBody>
+      </p:sp>
+      <p:sp>
+        <p:nvSpPr>
+          <p:cNvPr id="26" name="Graphic 12">
+            <a:extLst>
+              <a:ext uri="{FF2B5EF4-FFF2-40B4-BE49-F238E27FC236}">
+                <a16:creationId xmlns:a16="http://schemas.microsoft.com/office/drawing/2014/main" id="{712D4376-A578-4FF1-94FC-245E7A6A489F}"/>
+              </a:ext>
+              <a:ext uri="{C183D7F6-B498-43B3-948B-1728B52AA6E4}">
+                <adec:decorative xmlns:adec="http://schemas.microsoft.com/office/drawing/2017/decorative" val="1"/>
+              </a:ext>
+            </a:extLst>
+          </p:cNvPr>
+          <p:cNvSpPr>
+            <a:spLocks noGrp="1" noRot="1" noChangeAspect="1" noMove="1" noResize="1" noEditPoints="1" noAdjustHandles="1" noChangeArrowheads="1" noChangeShapeType="1" noTextEdit="1"/>
+          </p:cNvSpPr>
+          <p:nvPr>
+            <p:extLst>
+              <p:ext uri="{386F3935-93C4-4BCD-93E2-E3B085C9AB24}">
+                <p16:designElem xmlns:p16="http://schemas.microsoft.com/office/powerpoint/2015/main" val="1"/>
+              </p:ext>
+            </p:extLst>
+          </p:nvPr>
+        </p:nvSpPr>
+        <p:spPr>
+          <a:xfrm>
+            <a:off x="1028014" y="1835705"/>
+            <a:ext cx="91138" cy="91138"/>
+          </a:xfrm>
+          <a:custGeom>
+            <a:avLst/>
+            <a:gdLst>
+              <a:gd name="connsiteX0" fmla="*/ 91138 w 91138"/>
+              <a:gd name="connsiteY0" fmla="*/ 45569 h 91138"/>
+              <a:gd name="connsiteX1" fmla="*/ 45569 w 91138"/>
+              <a:gd name="connsiteY1" fmla="*/ 91138 h 91138"/>
+              <a:gd name="connsiteX2" fmla="*/ 0 w 91138"/>
+              <a:gd name="connsiteY2" fmla="*/ 45569 h 91138"/>
+              <a:gd name="connsiteX3" fmla="*/ 45569 w 91138"/>
+              <a:gd name="connsiteY3" fmla="*/ 0 h 91138"/>
+              <a:gd name="connsiteX4" fmla="*/ 91138 w 91138"/>
+              <a:gd name="connsiteY4" fmla="*/ 45569 h 91138"/>
+            </a:gdLst>
+            <a:ahLst/>
+            <a:cxnLst>
+              <a:cxn ang="0">
+                <a:pos x="connsiteX0" y="connsiteY0"/>
+              </a:cxn>
+              <a:cxn ang="0">
+                <a:pos x="connsiteX1" y="connsiteY1"/>
+              </a:cxn>
+              <a:cxn ang="0">
+                <a:pos x="connsiteX2" y="connsiteY2"/>
+              </a:cxn>
+              <a:cxn ang="0">
+                <a:pos x="connsiteX3" y="connsiteY3"/>
+              </a:cxn>
+              <a:cxn ang="0">
+                <a:pos x="connsiteX4" y="connsiteY4"/>
+              </a:cxn>
+            </a:cxnLst>
+            <a:rect l="l" t="t" r="r" b="b"/>
+            <a:pathLst>
+              <a:path w="91138" h="91138">
+                <a:moveTo>
+                  <a:pt x="91138" y="45569"/>
+                </a:moveTo>
+                <a:cubicBezTo>
+                  <a:pt x="91138" y="70736"/>
+                  <a:pt x="70736" y="91138"/>
+                  <a:pt x="45569" y="91138"/>
+                </a:cubicBezTo>
+                <a:cubicBezTo>
+                  <a:pt x="20402" y="91138"/>
+                  <a:pt x="0" y="70736"/>
+                  <a:pt x="0" y="45569"/>
+                </a:cubicBezTo>
+                <a:cubicBezTo>
+                  <a:pt x="0" y="20402"/>
+                  <a:pt x="20402" y="0"/>
+                  <a:pt x="45569" y="0"/>
+                </a:cubicBezTo>
+                <a:cubicBezTo>
+                  <a:pt x="70736" y="0"/>
+                  <a:pt x="91138" y="20402"/>
+                  <a:pt x="91138" y="45569"/>
+                </a:cubicBezTo>
+                <a:close/>
+              </a:path>
+            </a:pathLst>
+          </a:custGeom>
+          <a:solidFill>
+            <a:schemeClr val="bg1"/>
+          </a:solidFill>
+          <a:ln w="422" cap="flat">
+            <a:noFill/>
+            <a:prstDash val="solid"/>
+            <a:miter/>
+          </a:ln>
+        </p:spPr>
+        <p:txBody>
+          <a:bodyPr rtlCol="0" anchor="ctr"/>
+          <a:lstStyle/>
+          <a:p>
+            <a:pPr marL="0" marR="0" lvl="0" indent="0" algn="l" defTabSz="914400" rtl="0" eaLnBrk="1" fontAlgn="auto" latinLnBrk="0" hangingPunct="1">
+              <a:lnSpc>
+                <a:spcPct val="100000"/>
+              </a:lnSpc>
+              <a:spcBef>
+                <a:spcPts val="0"/>
+              </a:spcBef>
+              <a:spcAft>
+                <a:spcPts val="0"/>
+              </a:spcAft>
+              <a:buClrTx/>
+              <a:buSzTx/>
+              <a:buFontTx/>
+              <a:buNone/>
+              <a:tabLst/>
+              <a:defRPr/>
+            </a:pPr>
+            <a:endParaRPr kumimoji="0" lang="en-US" sz="1800" b="0" i="0" u="none" strike="noStrike" kern="1200" cap="none" spc="0" normalizeH="0" baseline="0" noProof="0">
+              <a:ln>
+                <a:noFill/>
+              </a:ln>
+              <a:solidFill>
+                <a:prstClr val="black"/>
+              </a:solidFill>
+              <a:effectLst/>
+              <a:uLnTx/>
+              <a:uFillTx/>
+              <a:latin typeface="Univers"/>
+              <a:ea typeface="+mn-ea"/>
+              <a:cs typeface="+mn-cs"/>
+            </a:endParaRPr>
+          </a:p>
+        </p:txBody>
+      </p:sp>
+      <p:sp>
+        <p:nvSpPr>
+          <p:cNvPr id="28" name="Graphic 15">
+            <a:extLst>
+              <a:ext uri="{FF2B5EF4-FFF2-40B4-BE49-F238E27FC236}">
+                <a16:creationId xmlns:a16="http://schemas.microsoft.com/office/drawing/2014/main" id="{AEA7509D-F04F-40CB-A0B3-EEF16499CC9F}"/>
+              </a:ext>
+              <a:ext uri="{C183D7F6-B498-43B3-948B-1728B52AA6E4}">
+                <adec:decorative xmlns:adec="http://schemas.microsoft.com/office/drawing/2017/decorative" val="1"/>
+              </a:ext>
+            </a:extLst>
+          </p:cNvPr>
+          <p:cNvSpPr>
+            <a:spLocks noGrp="1" noRot="1" noChangeAspect="1" noMove="1" noResize="1" noEditPoints="1" noAdjustHandles="1" noChangeArrowheads="1" noChangeShapeType="1" noTextEdit="1"/>
+          </p:cNvSpPr>
+          <p:nvPr>
+            <p:extLst>
+              <p:ext uri="{386F3935-93C4-4BCD-93E2-E3B085C9AB24}">
+                <p16:designElem xmlns:p16="http://schemas.microsoft.com/office/powerpoint/2015/main" val="1"/>
+              </p:ext>
+            </p:extLst>
+          </p:nvPr>
+        </p:nvSpPr>
+        <p:spPr>
+          <a:xfrm>
+            <a:off x="653696" y="2060130"/>
+            <a:ext cx="127713" cy="127713"/>
+          </a:xfrm>
+          <a:custGeom>
+            <a:avLst/>
+            <a:gdLst>
+              <a:gd name="connsiteX0" fmla="*/ 63857 w 127713"/>
+              <a:gd name="connsiteY0" fmla="*/ 18874 h 127713"/>
+              <a:gd name="connsiteX1" fmla="*/ 108839 w 127713"/>
+              <a:gd name="connsiteY1" fmla="*/ 63857 h 127713"/>
+              <a:gd name="connsiteX2" fmla="*/ 63857 w 127713"/>
+              <a:gd name="connsiteY2" fmla="*/ 108839 h 127713"/>
+              <a:gd name="connsiteX3" fmla="*/ 18874 w 127713"/>
+              <a:gd name="connsiteY3" fmla="*/ 63857 h 127713"/>
+              <a:gd name="connsiteX4" fmla="*/ 63857 w 127713"/>
+              <a:gd name="connsiteY4" fmla="*/ 18874 h 127713"/>
+              <a:gd name="connsiteX5" fmla="*/ 63857 w 127713"/>
+              <a:gd name="connsiteY5" fmla="*/ 0 h 127713"/>
+              <a:gd name="connsiteX6" fmla="*/ 0 w 127713"/>
+              <a:gd name="connsiteY6" fmla="*/ 63857 h 127713"/>
+              <a:gd name="connsiteX7" fmla="*/ 63857 w 127713"/>
+              <a:gd name="connsiteY7" fmla="*/ 127713 h 127713"/>
+              <a:gd name="connsiteX8" fmla="*/ 127713 w 127713"/>
+              <a:gd name="connsiteY8" fmla="*/ 63857 h 127713"/>
+              <a:gd name="connsiteX9" fmla="*/ 63857 w 127713"/>
+              <a:gd name="connsiteY9" fmla="*/ 0 h 127713"/>
+            </a:gdLst>
+            <a:ahLst/>
+            <a:cxnLst>
+              <a:cxn ang="0">
+                <a:pos x="connsiteX0" y="connsiteY0"/>
+              </a:cxn>
+              <a:cxn ang="0">
+                <a:pos x="connsiteX1" y="connsiteY1"/>
+              </a:cxn>
+              <a:cxn ang="0">
+                <a:pos x="connsiteX2" y="connsiteY2"/>
+              </a:cxn>
+              <a:cxn ang="0">
+                <a:pos x="connsiteX3" y="connsiteY3"/>
+              </a:cxn>
+              <a:cxn ang="0">
+                <a:pos x="connsiteX4" y="connsiteY4"/>
+              </a:cxn>
+              <a:cxn ang="0">
+                <a:pos x="connsiteX5" y="connsiteY5"/>
+              </a:cxn>
+              <a:cxn ang="0">
+                <a:pos x="connsiteX6" y="connsiteY6"/>
+              </a:cxn>
+              <a:cxn ang="0">
+                <a:pos x="connsiteX7" y="connsiteY7"/>
+              </a:cxn>
+              <a:cxn ang="0">
+                <a:pos x="connsiteX8" y="connsiteY8"/>
+              </a:cxn>
+              <a:cxn ang="0">
+                <a:pos x="connsiteX9" y="connsiteY9"/>
+              </a:cxn>
+            </a:cxnLst>
+            <a:rect l="l" t="t" r="r" b="b"/>
+            <a:pathLst>
+              <a:path w="127713" h="127713">
+                <a:moveTo>
+                  <a:pt x="63857" y="18874"/>
+                </a:moveTo>
+                <a:cubicBezTo>
+                  <a:pt x="88700" y="18874"/>
+                  <a:pt x="108839" y="39013"/>
+                  <a:pt x="108839" y="63857"/>
+                </a:cubicBezTo>
+                <a:cubicBezTo>
+                  <a:pt x="108839" y="88700"/>
+                  <a:pt x="88700" y="108839"/>
+                  <a:pt x="63857" y="108839"/>
+                </a:cubicBezTo>
+                <a:cubicBezTo>
+                  <a:pt x="39013" y="108839"/>
+                  <a:pt x="18874" y="88700"/>
+                  <a:pt x="18874" y="63857"/>
+                </a:cubicBezTo>
+                <a:cubicBezTo>
+                  <a:pt x="18898" y="39023"/>
+                  <a:pt x="39023" y="18898"/>
+                  <a:pt x="63857" y="18874"/>
+                </a:cubicBezTo>
+                <a:moveTo>
+                  <a:pt x="63857" y="0"/>
+                </a:moveTo>
+                <a:cubicBezTo>
+                  <a:pt x="28590" y="0"/>
+                  <a:pt x="0" y="28590"/>
+                  <a:pt x="0" y="63857"/>
+                </a:cubicBezTo>
+                <a:cubicBezTo>
+                  <a:pt x="0" y="99124"/>
+                  <a:pt x="28590" y="127713"/>
+                  <a:pt x="63857" y="127713"/>
+                </a:cubicBezTo>
+                <a:cubicBezTo>
+                  <a:pt x="99124" y="127713"/>
+                  <a:pt x="127713" y="99124"/>
+                  <a:pt x="127713" y="63857"/>
+                </a:cubicBezTo>
+                <a:cubicBezTo>
+                  <a:pt x="127713" y="28590"/>
+                  <a:pt x="99124" y="0"/>
+                  <a:pt x="63857" y="0"/>
+                </a:cubicBezTo>
+                <a:close/>
+              </a:path>
+            </a:pathLst>
+          </a:custGeom>
+          <a:solidFill>
+            <a:schemeClr val="bg1"/>
+          </a:solidFill>
+          <a:ln w="610" cap="flat">
+            <a:noFill/>
+            <a:prstDash val="solid"/>
+            <a:miter/>
+          </a:ln>
+        </p:spPr>
+        <p:txBody>
+          <a:bodyPr rtlCol="0" anchor="ctr"/>
+          <a:lstStyle/>
+          <a:p>
+            <a:pPr marL="0" marR="0" lvl="0" indent="0" algn="l" defTabSz="914400" rtl="0" eaLnBrk="1" fontAlgn="auto" latinLnBrk="0" hangingPunct="1">
+              <a:lnSpc>
+                <a:spcPct val="100000"/>
+              </a:lnSpc>
+              <a:spcBef>
+                <a:spcPts val="0"/>
+              </a:spcBef>
+              <a:spcAft>
+                <a:spcPts val="0"/>
+              </a:spcAft>
+              <a:buClrTx/>
+              <a:buSzTx/>
+              <a:buFontTx/>
+              <a:buNone/>
+              <a:tabLst/>
+              <a:defRPr/>
+            </a:pPr>
+            <a:endParaRPr kumimoji="0" lang="en-US" sz="1800" b="0" i="0" u="none" strike="noStrike" kern="1200" cap="none" spc="0" normalizeH="0" baseline="0" noProof="0">
+              <a:ln>
+                <a:noFill/>
+              </a:ln>
+              <a:solidFill>
+                <a:prstClr val="black"/>
+              </a:solidFill>
+              <a:effectLst/>
+              <a:uLnTx/>
+              <a:uFillTx/>
+              <a:latin typeface="Univers"/>
+              <a:ea typeface="+mn-ea"/>
+              <a:cs typeface="+mn-cs"/>
+            </a:endParaRPr>
+          </a:p>
+        </p:txBody>
+      </p:sp>
+      <p:grpSp>
+        <p:nvGrpSpPr>
+          <p:cNvPr id="17" name="Group 16">
+            <a:extLst>
+              <a:ext uri="{FF2B5EF4-FFF2-40B4-BE49-F238E27FC236}">
+                <a16:creationId xmlns:a16="http://schemas.microsoft.com/office/drawing/2014/main" id="{6BBADB81-8053-4921-AD50-9B3700D81574}"/>
+              </a:ext>
+            </a:extLst>
+          </p:cNvPr>
+          <p:cNvGrpSpPr/>
+          <p:nvPr/>
+        </p:nvGrpSpPr>
+        <p:grpSpPr>
+          <a:xfrm>
+            <a:off x="9966679" y="5065742"/>
+            <a:ext cx="2015771" cy="1194839"/>
+            <a:chOff x="5532028" y="4571187"/>
+            <a:chExt cx="3482365" cy="1733906"/>
+          </a:xfrm>
+        </p:grpSpPr>
+        <p:pic>
+          <p:nvPicPr>
+            <p:cNvPr id="18" name="Picture 17">
+              <a:extLst>
+                <a:ext uri="{FF2B5EF4-FFF2-40B4-BE49-F238E27FC236}">
+                  <a16:creationId xmlns:a16="http://schemas.microsoft.com/office/drawing/2014/main" id="{B781E8C7-2355-4D47-BC57-B713C24CC8CC}"/>
+                </a:ext>
+              </a:extLst>
+            </p:cNvPr>
+            <p:cNvPicPr>
+              <a:picLocks noChangeAspect="1"/>
+            </p:cNvPicPr>
+            <p:nvPr/>
+          </p:nvPicPr>
+          <p:blipFill>
+            <a:blip r:embed="rId3"/>
+            <a:stretch>
+              <a:fillRect/>
+            </a:stretch>
+          </p:blipFill>
+          <p:spPr>
+            <a:xfrm>
+              <a:off x="6924943" y="5752441"/>
+              <a:ext cx="2089450" cy="552652"/>
+            </a:xfrm>
+            <a:prstGeom prst="rect">
+              <a:avLst/>
+            </a:prstGeom>
+          </p:spPr>
+        </p:pic>
+        <p:pic>
+          <p:nvPicPr>
+            <p:cNvPr id="19" name="Picture 2">
+              <a:extLst>
+                <a:ext uri="{FF2B5EF4-FFF2-40B4-BE49-F238E27FC236}">
+                  <a16:creationId xmlns:a16="http://schemas.microsoft.com/office/drawing/2014/main" id="{0551FCC6-4F9C-41E5-962C-A6A4BF34C62D}"/>
+                </a:ext>
+              </a:extLst>
+            </p:cNvPr>
+            <p:cNvPicPr>
+              <a:picLocks noChangeAspect="1" noChangeArrowheads="1"/>
+            </p:cNvPicPr>
+            <p:nvPr/>
+          </p:nvPicPr>
+          <p:blipFill rotWithShape="1">
+            <a:blip r:embed="rId4">
+              <a:extLst>
+                <a:ext uri="{28A0092B-C50C-407E-A947-70E740481C1C}">
+                  <a14:useLocalDpi xmlns:a14="http://schemas.microsoft.com/office/drawing/2010/main" val="0"/>
+                </a:ext>
+              </a:extLst>
+            </a:blip>
+            <a:srcRect l="38143" t="29141" r="31834" b="38594"/>
+            <a:stretch/>
+          </p:blipFill>
+          <p:spPr bwMode="auto">
+            <a:xfrm>
+              <a:off x="5532028" y="4571187"/>
+              <a:ext cx="1613434" cy="1733906"/>
+            </a:xfrm>
+            <a:prstGeom prst="ellipse">
+              <a:avLst/>
+            </a:prstGeom>
+            <a:ln w="3175" cap="rnd">
+              <a:solidFill>
+                <a:srgbClr val="333333"/>
+              </a:solidFill>
+            </a:ln>
+            <a:effectLst>
+              <a:outerShdw blurRad="381000" dist="292100" dir="5400000" sx="-80000" sy="-18000" rotWithShape="0">
+                <a:srgbClr val="000000">
+                  <a:alpha val="22000"/>
+                </a:srgbClr>
+              </a:outerShdw>
+            </a:effectLst>
+            <a:scene3d>
+              <a:camera prst="orthographicFront"/>
+              <a:lightRig rig="contrasting" dir="t">
+                <a:rot lat="0" lon="0" rev="3000000"/>
+              </a:lightRig>
+            </a:scene3d>
+            <a:sp3d contourW="7620">
+              <a:bevelT w="95250" h="31750"/>
+              <a:contourClr>
+                <a:srgbClr val="333333"/>
+              </a:contourClr>
+            </a:sp3d>
+            <a:extLst>
+              <a:ext uri="{909E8E84-426E-40DD-AFC4-6F175D3DCCD1}">
+                <a14:hiddenFill xmlns:a14="http://schemas.microsoft.com/office/drawing/2010/main">
+                  <a:solidFill>
+                    <a:srgbClr val="FFFFFF"/>
+                  </a:solidFill>
+                </a14:hiddenFill>
+              </a:ext>
+            </a:extLst>
+          </p:spPr>
+        </p:pic>
+      </p:grpSp>
+      <p:cxnSp>
+        <p:nvCxnSpPr>
+          <p:cNvPr id="30" name="Straight Connector 29">
+            <a:extLst>
+              <a:ext uri="{FF2B5EF4-FFF2-40B4-BE49-F238E27FC236}">
+                <a16:creationId xmlns:a16="http://schemas.microsoft.com/office/drawing/2014/main" id="{56020367-4FD5-4596-8E10-C5F095CD8DBF}"/>
+              </a:ext>
+              <a:ext uri="{C183D7F6-B498-43B3-948B-1728B52AA6E4}">
+                <adec:decorative xmlns:adec="http://schemas.microsoft.com/office/drawing/2017/decorative" val="1"/>
+              </a:ext>
+            </a:extLst>
+          </p:cNvPr>
+          <p:cNvCxnSpPr>
+            <a:cxnSpLocks noGrp="1" noRot="1" noChangeAspect="1" noMove="1" noResize="1" noEditPoints="1" noAdjustHandles="1" noChangeArrowheads="1" noChangeShapeType="1"/>
+          </p:cNvCxnSpPr>
+          <p:nvPr>
+            <p:extLst>
+              <p:ext uri="{386F3935-93C4-4BCD-93E2-E3B085C9AB24}">
+                <p16:designElem xmlns:p16="http://schemas.microsoft.com/office/powerpoint/2015/main" val="1"/>
+              </p:ext>
+            </p:extLst>
+          </p:nvPr>
+        </p:nvCxnSpPr>
+        <p:spPr>
+          <a:xfrm>
+            <a:off x="1301262" y="3505200"/>
+            <a:ext cx="0" cy="3352800"/>
+          </a:xfrm>
+          <a:prstGeom prst="line">
+            <a:avLst/>
+          </a:prstGeom>
+          <a:ln w="25400" cap="sq">
+            <a:solidFill>
+              <a:schemeClr val="bg1"/>
+            </a:solidFill>
+            <a:bevel/>
+          </a:ln>
+        </p:spPr>
+        <p:style>
+          <a:lnRef idx="1">
+            <a:schemeClr val="accent1"/>
+          </a:lnRef>
+          <a:fillRef idx="0">
+            <a:schemeClr val="accent1"/>
+          </a:fillRef>
+          <a:effectRef idx="0">
+            <a:schemeClr val="accent1"/>
+          </a:effectRef>
+          <a:fontRef idx="minor">
+            <a:schemeClr val="tx1"/>
+          </a:fontRef>
+        </p:style>
+      </p:cxnSp>
+      <p:sp>
+        <p:nvSpPr>
+          <p:cNvPr id="6" name="Arrow: Chevron 5">
+            <a:extLst>
+              <a:ext uri="{FF2B5EF4-FFF2-40B4-BE49-F238E27FC236}">
+                <a16:creationId xmlns:a16="http://schemas.microsoft.com/office/drawing/2014/main" id="{BA737AEF-712A-432A-ABB7-A8472DF3070C}"/>
+              </a:ext>
+            </a:extLst>
+          </p:cNvPr>
+          <p:cNvSpPr/>
+          <p:nvPr/>
+        </p:nvSpPr>
+        <p:spPr>
+          <a:xfrm rot="5400000">
+            <a:off x="1088028" y="1614330"/>
+            <a:ext cx="949310" cy="493481"/>
+          </a:xfrm>
+          <a:prstGeom prst="chevron">
+            <a:avLst/>
+          </a:prstGeom>
+        </p:spPr>
+        <p:style>
+          <a:lnRef idx="2">
+            <a:schemeClr val="dk1">
+              <a:shade val="50000"/>
+            </a:schemeClr>
+          </a:lnRef>
+          <a:fillRef idx="1">
+            <a:schemeClr val="dk1"/>
+          </a:fillRef>
+          <a:effectRef idx="0">
+            <a:schemeClr val="dk1"/>
+          </a:effectRef>
+          <a:fontRef idx="minor">
+            <a:schemeClr val="lt1"/>
+          </a:fontRef>
+        </p:style>
+        <p:txBody>
+          <a:bodyPr rtlCol="0" anchor="ctr"/>
+          <a:lstStyle/>
+          <a:p>
+            <a:pPr marL="0" marR="0" lvl="0" indent="0" algn="ctr" defTabSz="914400" rtl="0" eaLnBrk="1" fontAlgn="auto" latinLnBrk="0" hangingPunct="1">
+              <a:lnSpc>
+                <a:spcPct val="100000"/>
+              </a:lnSpc>
+              <a:spcBef>
+                <a:spcPts val="0"/>
+              </a:spcBef>
+              <a:spcAft>
+                <a:spcPts val="0"/>
+              </a:spcAft>
+              <a:buClrTx/>
+              <a:buSzTx/>
+              <a:buFontTx/>
+              <a:buNone/>
+              <a:tabLst/>
+              <a:defRPr/>
+            </a:pPr>
+            <a:endParaRPr kumimoji="0" lang="en-IN" sz="1800" b="0" i="0" u="none" strike="noStrike" kern="1200" cap="none" spc="0" normalizeH="0" baseline="0" noProof="0">
+              <a:ln>
+                <a:noFill/>
+              </a:ln>
+              <a:solidFill>
+                <a:prstClr val="black"/>
+              </a:solidFill>
+              <a:effectLst/>
+              <a:uLnTx/>
+              <a:uFillTx/>
+              <a:latin typeface="Univers"/>
+              <a:ea typeface="+mn-ea"/>
+              <a:cs typeface="+mn-cs"/>
+            </a:endParaRPr>
+          </a:p>
+        </p:txBody>
+      </p:sp>
+      <p:sp>
+        <p:nvSpPr>
+          <p:cNvPr id="21" name="Arrow: Chevron 20">
+            <a:extLst>
+              <a:ext uri="{FF2B5EF4-FFF2-40B4-BE49-F238E27FC236}">
+                <a16:creationId xmlns:a16="http://schemas.microsoft.com/office/drawing/2014/main" id="{167E37A6-13D0-482B-81EB-C731A7E5D8E4}"/>
+              </a:ext>
+            </a:extLst>
+          </p:cNvPr>
+          <p:cNvSpPr/>
+          <p:nvPr/>
+        </p:nvSpPr>
+        <p:spPr>
+          <a:xfrm rot="5400000">
+            <a:off x="9777563" y="1608395"/>
+            <a:ext cx="898578" cy="520346"/>
+          </a:xfrm>
+          <a:prstGeom prst="chevron">
+            <a:avLst/>
+          </a:prstGeom>
+        </p:spPr>
+        <p:style>
+          <a:lnRef idx="2">
+            <a:schemeClr val="dk1">
+              <a:shade val="50000"/>
+            </a:schemeClr>
+          </a:lnRef>
+          <a:fillRef idx="1">
+            <a:schemeClr val="dk1"/>
+          </a:fillRef>
+          <a:effectRef idx="0">
+            <a:schemeClr val="dk1"/>
+          </a:effectRef>
+          <a:fontRef idx="minor">
+            <a:schemeClr val="lt1"/>
+          </a:fontRef>
+        </p:style>
+        <p:txBody>
+          <a:bodyPr rtlCol="0" anchor="ctr"/>
+          <a:lstStyle/>
+          <a:p>
+            <a:pPr marL="0" marR="0" lvl="0" indent="0" algn="ctr" defTabSz="914400" rtl="0" eaLnBrk="1" fontAlgn="auto" latinLnBrk="0" hangingPunct="1">
+              <a:lnSpc>
+                <a:spcPct val="100000"/>
+              </a:lnSpc>
+              <a:spcBef>
+                <a:spcPts val="0"/>
+              </a:spcBef>
+              <a:spcAft>
+                <a:spcPts val="0"/>
+              </a:spcAft>
+              <a:buClrTx/>
+              <a:buSzTx/>
+              <a:buFontTx/>
+              <a:buNone/>
+              <a:tabLst/>
+              <a:defRPr/>
+            </a:pPr>
+            <a:endParaRPr kumimoji="0" lang="en-IN" sz="1800" b="0" i="0" u="none" strike="noStrike" kern="1200" cap="none" spc="0" normalizeH="0" baseline="0" noProof="0">
+              <a:ln>
+                <a:noFill/>
+              </a:ln>
+              <a:solidFill>
+                <a:prstClr val="black"/>
+              </a:solidFill>
+              <a:effectLst/>
+              <a:uLnTx/>
+              <a:uFillTx/>
+              <a:latin typeface="Univers"/>
+              <a:ea typeface="+mn-ea"/>
+              <a:cs typeface="+mn-cs"/>
+            </a:endParaRPr>
+          </a:p>
+        </p:txBody>
+      </p:sp>
+      <p:sp>
+        <p:nvSpPr>
+          <p:cNvPr id="7" name="Arrow: Down 6">
+            <a:extLst>
+              <a:ext uri="{FF2B5EF4-FFF2-40B4-BE49-F238E27FC236}">
+                <a16:creationId xmlns:a16="http://schemas.microsoft.com/office/drawing/2014/main" id="{6D51199A-4EC7-48BE-9196-3449565BC7B5}"/>
+              </a:ext>
+            </a:extLst>
+          </p:cNvPr>
+          <p:cNvSpPr/>
+          <p:nvPr/>
+        </p:nvSpPr>
+        <p:spPr>
+          <a:xfrm>
+            <a:off x="1119152" y="18967"/>
+            <a:ext cx="438150" cy="716881"/>
+          </a:xfrm>
+          <a:prstGeom prst="downArrow">
+            <a:avLst/>
+          </a:prstGeom>
+        </p:spPr>
+        <p:style>
+          <a:lnRef idx="2">
+            <a:schemeClr val="dk1">
+              <a:shade val="50000"/>
+            </a:schemeClr>
+          </a:lnRef>
+          <a:fillRef idx="1">
+            <a:schemeClr val="dk1"/>
+          </a:fillRef>
+          <a:effectRef idx="0">
+            <a:schemeClr val="dk1"/>
+          </a:effectRef>
+          <a:fontRef idx="minor">
+            <a:schemeClr val="lt1"/>
+          </a:fontRef>
+        </p:style>
+        <p:txBody>
+          <a:bodyPr rtlCol="0" anchor="ctr"/>
+          <a:lstStyle/>
+          <a:p>
+            <a:pPr marL="0" marR="0" lvl="0" indent="0" algn="ctr" defTabSz="914400" rtl="0" eaLnBrk="1" fontAlgn="auto" latinLnBrk="0" hangingPunct="1">
+              <a:lnSpc>
+                <a:spcPct val="100000"/>
+              </a:lnSpc>
+              <a:spcBef>
+                <a:spcPts val="0"/>
+              </a:spcBef>
+              <a:spcAft>
+                <a:spcPts val="0"/>
+              </a:spcAft>
+              <a:buClrTx/>
+              <a:buSzTx/>
+              <a:buFontTx/>
+              <a:buNone/>
+              <a:tabLst/>
+              <a:defRPr/>
+            </a:pPr>
+            <a:endParaRPr kumimoji="0" lang="en-IN" sz="1800" b="0" i="0" u="none" strike="noStrike" kern="1200" cap="none" spc="0" normalizeH="0" baseline="0" noProof="0">
+              <a:ln>
+                <a:noFill/>
+              </a:ln>
+              <a:solidFill>
+                <a:prstClr val="white"/>
+              </a:solidFill>
+              <a:effectLst/>
+              <a:uLnTx/>
+              <a:uFillTx/>
+              <a:latin typeface="Univers"/>
+              <a:ea typeface="+mn-ea"/>
+              <a:cs typeface="+mn-cs"/>
+            </a:endParaRPr>
+          </a:p>
+        </p:txBody>
+      </p:sp>
+      <p:sp>
+        <p:nvSpPr>
+          <p:cNvPr id="23" name="Arrow: Down 22">
+            <a:extLst>
+              <a:ext uri="{FF2B5EF4-FFF2-40B4-BE49-F238E27FC236}">
+                <a16:creationId xmlns:a16="http://schemas.microsoft.com/office/drawing/2014/main" id="{9873C464-01C1-4B70-BB97-495721A2F498}"/>
+              </a:ext>
+            </a:extLst>
+          </p:cNvPr>
+          <p:cNvSpPr/>
+          <p:nvPr/>
+        </p:nvSpPr>
+        <p:spPr>
+          <a:xfrm>
+            <a:off x="10230986" y="16803"/>
+            <a:ext cx="438150" cy="721210"/>
+          </a:xfrm>
+          <a:prstGeom prst="downArrow">
+            <a:avLst/>
+          </a:prstGeom>
+        </p:spPr>
+        <p:style>
+          <a:lnRef idx="2">
+            <a:schemeClr val="dk1">
+              <a:shade val="50000"/>
+            </a:schemeClr>
+          </a:lnRef>
+          <a:fillRef idx="1">
+            <a:schemeClr val="dk1"/>
+          </a:fillRef>
+          <a:effectRef idx="0">
+            <a:schemeClr val="dk1"/>
+          </a:effectRef>
+          <a:fontRef idx="minor">
+            <a:schemeClr val="lt1"/>
+          </a:fontRef>
+        </p:style>
+        <p:txBody>
+          <a:bodyPr rtlCol="0" anchor="ctr"/>
+          <a:lstStyle/>
+          <a:p>
+            <a:pPr marL="0" marR="0" lvl="0" indent="0" algn="ctr" defTabSz="914400" rtl="0" eaLnBrk="1" fontAlgn="auto" latinLnBrk="0" hangingPunct="1">
+              <a:lnSpc>
+                <a:spcPct val="100000"/>
+              </a:lnSpc>
+              <a:spcBef>
+                <a:spcPts val="0"/>
+              </a:spcBef>
+              <a:spcAft>
+                <a:spcPts val="0"/>
+              </a:spcAft>
+              <a:buClrTx/>
+              <a:buSzTx/>
+              <a:buFontTx/>
+              <a:buNone/>
+              <a:tabLst/>
+              <a:defRPr/>
+            </a:pPr>
+            <a:endParaRPr kumimoji="0" lang="en-IN" sz="1800" b="0" i="0" u="none" strike="noStrike" kern="1200" cap="none" spc="0" normalizeH="0" baseline="0" noProof="0">
+              <a:ln>
+                <a:noFill/>
+              </a:ln>
+              <a:solidFill>
+                <a:prstClr val="white"/>
+              </a:solidFill>
+              <a:effectLst/>
+              <a:uLnTx/>
+              <a:uFillTx/>
+              <a:latin typeface="Univers"/>
+              <a:ea typeface="+mn-ea"/>
+              <a:cs typeface="+mn-cs"/>
+            </a:endParaRPr>
+          </a:p>
+        </p:txBody>
+      </p:sp>
+      <p:sp>
+        <p:nvSpPr>
+          <p:cNvPr id="29" name="Footer Placeholder 3">
+            <a:extLst>
+              <a:ext uri="{FF2B5EF4-FFF2-40B4-BE49-F238E27FC236}">
+                <a16:creationId xmlns:a16="http://schemas.microsoft.com/office/drawing/2014/main" id="{F2F435DA-C280-48FF-B975-52D547742E24}"/>
+              </a:ext>
+            </a:extLst>
+          </p:cNvPr>
+          <p:cNvSpPr>
+            <a:spLocks noGrp="1"/>
+          </p:cNvSpPr>
+          <p:nvPr>
+            <p:ph type="ftr" sz="quarter" idx="11"/>
+          </p:nvPr>
+        </p:nvSpPr>
+        <p:spPr>
+          <a:xfrm>
+            <a:off x="3303524" y="6376439"/>
+            <a:ext cx="4991098" cy="339725"/>
+          </a:xfrm>
+        </p:spPr>
+        <p:txBody>
+          <a:bodyPr/>
+          <a:lstStyle/>
+          <a:p>
+            <a:pPr marL="0" marR="0" lvl="0" indent="0" algn="ctr" defTabSz="914400" rtl="0" eaLnBrk="1" fontAlgn="auto" latinLnBrk="0" hangingPunct="1">
+              <a:lnSpc>
+                <a:spcPct val="100000"/>
+              </a:lnSpc>
+              <a:spcBef>
+                <a:spcPts val="0"/>
+              </a:spcBef>
+              <a:spcAft>
+                <a:spcPts val="0"/>
+              </a:spcAft>
+              <a:buClrTx/>
+              <a:buSzTx/>
+              <a:buFontTx/>
+              <a:buNone/>
+              <a:tabLst/>
+              <a:defRPr/>
+            </a:pPr>
+            <a:r>
+              <a:rPr kumimoji="0" lang="en-US" sz="1200" b="0" i="0" u="none" strike="noStrike" kern="1200" cap="none" spc="100" normalizeH="0" baseline="0" noProof="0" dirty="0">
+                <a:ln>
+                  <a:noFill/>
+                </a:ln>
+                <a:solidFill>
+                  <a:prstClr val="black">
+                    <a:tint val="75000"/>
+                  </a:prstClr>
+                </a:solidFill>
+                <a:effectLst/>
+                <a:uLnTx/>
+                <a:uFillTx/>
+                <a:latin typeface="Univers"/>
+                <a:ea typeface="+mn-ea"/>
+                <a:cs typeface="+mn-cs"/>
+              </a:rPr>
+              <a:t>©Green Learner - https://youtube.com/greenlearner</a:t>
+            </a:r>
+            <a:endParaRPr kumimoji="0" lang="en-IN" sz="1200" b="0" i="0" u="none" strike="noStrike" kern="1200" cap="none" spc="100" normalizeH="0" baseline="0" noProof="0" dirty="0">
+              <a:ln>
+                <a:noFill/>
+              </a:ln>
+              <a:solidFill>
+                <a:prstClr val="black">
+                  <a:tint val="75000"/>
+                </a:prstClr>
+              </a:solidFill>
+              <a:effectLst/>
+              <a:uLnTx/>
+              <a:uFillTx/>
+              <a:latin typeface="Univers"/>
+              <a:ea typeface="+mn-ea"/>
+              <a:cs typeface="+mn-cs"/>
+            </a:endParaRPr>
+          </a:p>
+        </p:txBody>
+      </p:sp>
+      <p:pic>
+        <p:nvPicPr>
+          <p:cNvPr id="8" name="Picture 7">
+            <a:extLst>
+              <a:ext uri="{FF2B5EF4-FFF2-40B4-BE49-F238E27FC236}">
+                <a16:creationId xmlns:a16="http://schemas.microsoft.com/office/drawing/2014/main" id="{FBA69AB8-6470-43FA-8CB3-CE4B87953BBB}"/>
+              </a:ext>
+            </a:extLst>
+          </p:cNvPr>
+          <p:cNvPicPr>
+            <a:picLocks noChangeAspect="1"/>
+          </p:cNvPicPr>
+          <p:nvPr/>
+        </p:nvPicPr>
+        <p:blipFill>
+          <a:blip r:embed="rId5"/>
+          <a:stretch>
+            <a:fillRect/>
+          </a:stretch>
+        </p:blipFill>
+        <p:spPr>
+          <a:xfrm>
+            <a:off x="3125366" y="1069305"/>
+            <a:ext cx="5266159" cy="1228725"/>
+          </a:xfrm>
+          <a:prstGeom prst="rect">
+            <a:avLst/>
+          </a:prstGeom>
+          <a:ln>
+            <a:noFill/>
+          </a:ln>
+          <a:effectLst>
+            <a:outerShdw blurRad="292100" dist="139700" dir="2700000" algn="tl" rotWithShape="0">
+              <a:srgbClr val="333333">
+                <a:alpha val="65000"/>
+              </a:srgbClr>
+            </a:outerShdw>
+          </a:effectLst>
+        </p:spPr>
+      </p:pic>
+      <p:sp>
+        <p:nvSpPr>
+          <p:cNvPr id="25" name="Explosion: 14 Points 24">
+            <a:extLst>
+              <a:ext uri="{FF2B5EF4-FFF2-40B4-BE49-F238E27FC236}">
+                <a16:creationId xmlns:a16="http://schemas.microsoft.com/office/drawing/2014/main" id="{FC3F2E8E-5057-4F86-A5E3-A575F3F527D8}"/>
+              </a:ext>
+            </a:extLst>
+          </p:cNvPr>
+          <p:cNvSpPr/>
+          <p:nvPr/>
+        </p:nvSpPr>
+        <p:spPr>
+          <a:xfrm rot="19459750">
+            <a:off x="-269721" y="1454768"/>
+            <a:ext cx="3585169" cy="1686526"/>
+          </a:xfrm>
+          <a:prstGeom prst="irregularSeal2">
+            <a:avLst/>
+          </a:prstGeom>
+          <a:gradFill flip="none" rotWithShape="1">
+            <a:gsLst>
+              <a:gs pos="0">
+                <a:schemeClr val="accent3">
+                  <a:lumMod val="67000"/>
+                </a:schemeClr>
+              </a:gs>
+              <a:gs pos="48000">
+                <a:schemeClr val="accent3">
+                  <a:lumMod val="97000"/>
+                  <a:lumOff val="3000"/>
+                </a:schemeClr>
+              </a:gs>
+              <a:gs pos="100000">
+                <a:schemeClr val="accent3">
+                  <a:lumMod val="60000"/>
+                  <a:lumOff val="40000"/>
+                </a:schemeClr>
+              </a:gs>
+            </a:gsLst>
+            <a:lin ang="16200000" scaled="1"/>
+            <a:tileRect/>
+          </a:gradFill>
+          <a:ln>
+            <a:noFill/>
+          </a:ln>
+        </p:spPr>
+        <p:style>
+          <a:lnRef idx="0">
+            <a:scrgbClr r="0" g="0" b="0"/>
+          </a:lnRef>
+          <a:fillRef idx="0">
+            <a:scrgbClr r="0" g="0" b="0"/>
+          </a:fillRef>
+          <a:effectRef idx="0">
+            <a:scrgbClr r="0" g="0" b="0"/>
+          </a:effectRef>
+          <a:fontRef idx="minor">
+            <a:schemeClr val="lt1"/>
+          </a:fontRef>
+        </p:style>
+        <p:txBody>
+          <a:bodyPr rtlCol="0" anchor="ctr"/>
+          <a:lstStyle/>
+          <a:p>
+            <a:pPr marL="0" marR="0" lvl="0" indent="0" algn="ctr" defTabSz="914400" rtl="0" eaLnBrk="1" fontAlgn="auto" latinLnBrk="0" hangingPunct="1">
+              <a:lnSpc>
+                <a:spcPct val="100000"/>
+              </a:lnSpc>
+              <a:spcBef>
+                <a:spcPts val="0"/>
+              </a:spcBef>
+              <a:spcAft>
+                <a:spcPts val="0"/>
+              </a:spcAft>
+              <a:buClrTx/>
+              <a:buSzTx/>
+              <a:buFontTx/>
+              <a:buNone/>
+              <a:tabLst/>
+              <a:defRPr/>
+            </a:pPr>
+            <a:r>
+              <a:rPr kumimoji="0" lang="en-IN" sz="2400" b="1" i="0" u="none" strike="noStrike" kern="1200" cap="none" spc="300" normalizeH="0" baseline="0" noProof="0" dirty="0">
+                <a:ln>
+                  <a:noFill/>
+                </a:ln>
+                <a:solidFill>
+                  <a:prstClr val="white"/>
+                </a:solidFill>
+                <a:effectLst/>
+                <a:uLnTx/>
+                <a:uFillTx/>
+                <a:latin typeface="Bahnschrift SemiBold Condensed" panose="020B0502040204020203" pitchFamily="34" charset="0"/>
+                <a:ea typeface="+mn-ea"/>
+                <a:cs typeface="+mn-cs"/>
+              </a:rPr>
+              <a:t>REAL TIME</a:t>
+            </a:r>
+          </a:p>
+          <a:p>
+            <a:pPr marL="0" marR="0" lvl="0" indent="0" algn="ctr" defTabSz="914400" rtl="0" eaLnBrk="1" fontAlgn="auto" latinLnBrk="0" hangingPunct="1">
+              <a:lnSpc>
+                <a:spcPct val="100000"/>
+              </a:lnSpc>
+              <a:spcBef>
+                <a:spcPts val="0"/>
+              </a:spcBef>
+              <a:spcAft>
+                <a:spcPts val="0"/>
+              </a:spcAft>
+              <a:buClrTx/>
+              <a:buSzTx/>
+              <a:buFontTx/>
+              <a:buNone/>
+              <a:tabLst/>
+              <a:defRPr/>
+            </a:pPr>
+            <a:r>
+              <a:rPr kumimoji="0" lang="en-IN" sz="2400" b="1" i="0" u="none" strike="noStrike" kern="1200" cap="none" spc="300" normalizeH="0" baseline="0" noProof="0" dirty="0">
+                <a:ln>
+                  <a:noFill/>
+                </a:ln>
+                <a:solidFill>
+                  <a:prstClr val="white"/>
+                </a:solidFill>
+                <a:effectLst/>
+                <a:uLnTx/>
+                <a:uFillTx/>
+                <a:latin typeface="Bahnschrift SemiBold Condensed" panose="020B0502040204020203" pitchFamily="34" charset="0"/>
+                <a:ea typeface="+mn-ea"/>
+                <a:cs typeface="+mn-cs"/>
+              </a:rPr>
+              <a:t>PROJECTS</a:t>
+            </a:r>
+          </a:p>
+        </p:txBody>
+      </p:sp>
+      <p:sp>
+        <p:nvSpPr>
+          <p:cNvPr id="27" name="Explosion: 14 Points 26">
+            <a:extLst>
+              <a:ext uri="{FF2B5EF4-FFF2-40B4-BE49-F238E27FC236}">
+                <a16:creationId xmlns:a16="http://schemas.microsoft.com/office/drawing/2014/main" id="{489E6976-C878-4B16-AE1D-648C135380A6}"/>
+              </a:ext>
+            </a:extLst>
+          </p:cNvPr>
+          <p:cNvSpPr/>
+          <p:nvPr/>
+        </p:nvSpPr>
+        <p:spPr>
+          <a:xfrm rot="2276317">
+            <a:off x="8715181" y="1344580"/>
+            <a:ext cx="3585169" cy="1686526"/>
+          </a:xfrm>
+          <a:prstGeom prst="irregularSeal2">
+            <a:avLst/>
+          </a:prstGeom>
+          <a:gradFill flip="none" rotWithShape="1">
+            <a:gsLst>
+              <a:gs pos="0">
+                <a:schemeClr val="accent3">
+                  <a:lumMod val="67000"/>
+                </a:schemeClr>
+              </a:gs>
+              <a:gs pos="48000">
+                <a:schemeClr val="accent3">
+                  <a:lumMod val="97000"/>
+                  <a:lumOff val="3000"/>
+                </a:schemeClr>
+              </a:gs>
+              <a:gs pos="100000">
+                <a:schemeClr val="accent3">
+                  <a:lumMod val="60000"/>
+                  <a:lumOff val="40000"/>
+                </a:schemeClr>
+              </a:gs>
+            </a:gsLst>
+            <a:lin ang="16200000" scaled="1"/>
+            <a:tileRect/>
+          </a:gradFill>
+          <a:ln>
+            <a:noFill/>
+          </a:ln>
+        </p:spPr>
+        <p:style>
+          <a:lnRef idx="0">
+            <a:scrgbClr r="0" g="0" b="0"/>
+          </a:lnRef>
+          <a:fillRef idx="0">
+            <a:scrgbClr r="0" g="0" b="0"/>
+          </a:fillRef>
+          <a:effectRef idx="0">
+            <a:scrgbClr r="0" g="0" b="0"/>
+          </a:effectRef>
+          <a:fontRef idx="minor">
+            <a:schemeClr val="lt1"/>
+          </a:fontRef>
+        </p:style>
+        <p:txBody>
+          <a:bodyPr rtlCol="0" anchor="ctr"/>
+          <a:lstStyle/>
+          <a:p>
+            <a:pPr marL="0" marR="0" lvl="0" indent="0" algn="ctr" defTabSz="914400" rtl="0" eaLnBrk="1" fontAlgn="auto" latinLnBrk="0" hangingPunct="1">
+              <a:lnSpc>
+                <a:spcPct val="100000"/>
+              </a:lnSpc>
+              <a:spcBef>
+                <a:spcPts val="0"/>
+              </a:spcBef>
+              <a:spcAft>
+                <a:spcPts val="0"/>
+              </a:spcAft>
+              <a:buClrTx/>
+              <a:buSzTx/>
+              <a:buFontTx/>
+              <a:buNone/>
+              <a:tabLst/>
+              <a:defRPr/>
+            </a:pPr>
+            <a:r>
+              <a:rPr kumimoji="0" lang="en-IN" sz="2400" b="1" i="0" u="none" strike="noStrike" kern="1200" cap="none" spc="300" normalizeH="0" baseline="0" noProof="0" dirty="0">
+                <a:ln>
+                  <a:noFill/>
+                </a:ln>
+                <a:solidFill>
+                  <a:prstClr val="white"/>
+                </a:solidFill>
+                <a:effectLst/>
+                <a:uLnTx/>
+                <a:uFillTx/>
+                <a:latin typeface="Bahnschrift SemiBold Condensed" panose="020B0502040204020203" pitchFamily="34" charset="0"/>
+                <a:ea typeface="+mn-ea"/>
+                <a:cs typeface="+mn-cs"/>
+              </a:rPr>
+              <a:t>REAL TIME</a:t>
+            </a:r>
+          </a:p>
+          <a:p>
+            <a:pPr marL="0" marR="0" lvl="0" indent="0" algn="ctr" defTabSz="914400" rtl="0" eaLnBrk="1" fontAlgn="auto" latinLnBrk="0" hangingPunct="1">
+              <a:lnSpc>
+                <a:spcPct val="100000"/>
+              </a:lnSpc>
+              <a:spcBef>
+                <a:spcPts val="0"/>
+              </a:spcBef>
+              <a:spcAft>
+                <a:spcPts val="0"/>
+              </a:spcAft>
+              <a:buClrTx/>
+              <a:buSzTx/>
+              <a:buFontTx/>
+              <a:buNone/>
+              <a:tabLst/>
+              <a:defRPr/>
+            </a:pPr>
+            <a:r>
+              <a:rPr kumimoji="0" lang="en-IN" sz="2400" b="1" i="0" u="none" strike="noStrike" kern="1200" cap="none" spc="300" normalizeH="0" baseline="0" noProof="0" dirty="0">
+                <a:ln>
+                  <a:noFill/>
+                </a:ln>
+                <a:solidFill>
+                  <a:prstClr val="white"/>
+                </a:solidFill>
+                <a:effectLst/>
+                <a:uLnTx/>
+                <a:uFillTx/>
+                <a:latin typeface="Bahnschrift SemiBold Condensed" panose="020B0502040204020203" pitchFamily="34" charset="0"/>
+                <a:ea typeface="+mn-ea"/>
+                <a:cs typeface="+mn-cs"/>
+              </a:rPr>
+              <a:t>PROJECTS</a:t>
+            </a:r>
+          </a:p>
+        </p:txBody>
+      </p:sp>
+      <p:pic>
+        <p:nvPicPr>
+          <p:cNvPr id="9" name="Picture 8">
+            <a:extLst>
+              <a:ext uri="{FF2B5EF4-FFF2-40B4-BE49-F238E27FC236}">
+                <a16:creationId xmlns:a16="http://schemas.microsoft.com/office/drawing/2014/main" id="{D827C341-2A29-4892-9420-346A2416AF24}"/>
+              </a:ext>
+            </a:extLst>
+          </p:cNvPr>
+          <p:cNvPicPr>
+            <a:picLocks noChangeAspect="1"/>
+          </p:cNvPicPr>
+          <p:nvPr/>
+        </p:nvPicPr>
+        <p:blipFill>
+          <a:blip r:embed="rId6"/>
+          <a:stretch>
+            <a:fillRect/>
+          </a:stretch>
+        </p:blipFill>
+        <p:spPr>
+          <a:xfrm>
+            <a:off x="7967961" y="5065742"/>
+            <a:ext cx="847127" cy="820446"/>
+          </a:xfrm>
+          <a:prstGeom prst="rect">
+            <a:avLst/>
+          </a:prstGeom>
+        </p:spPr>
+      </p:pic>
+      <p:pic>
+        <p:nvPicPr>
+          <p:cNvPr id="31" name="Picture 30">
+            <a:extLst>
+              <a:ext uri="{FF2B5EF4-FFF2-40B4-BE49-F238E27FC236}">
+                <a16:creationId xmlns:a16="http://schemas.microsoft.com/office/drawing/2014/main" id="{19D4DBB4-1646-46F0-97ED-E23229DECDBF}"/>
+              </a:ext>
+            </a:extLst>
+          </p:cNvPr>
+          <p:cNvPicPr>
+            <a:picLocks noChangeAspect="1"/>
+          </p:cNvPicPr>
+          <p:nvPr/>
+        </p:nvPicPr>
+        <p:blipFill>
+          <a:blip r:embed="rId6"/>
+          <a:stretch>
+            <a:fillRect/>
+          </a:stretch>
+        </p:blipFill>
+        <p:spPr>
+          <a:xfrm>
+            <a:off x="3518363" y="5065742"/>
+            <a:ext cx="847127" cy="820446"/>
+          </a:xfrm>
+          <a:prstGeom prst="rect">
+            <a:avLst/>
+          </a:prstGeom>
+        </p:spPr>
+      </p:pic>
+      <p:sp>
+        <p:nvSpPr>
+          <p:cNvPr id="5" name="Rectangle 4">
+            <a:extLst>
+              <a:ext uri="{FF2B5EF4-FFF2-40B4-BE49-F238E27FC236}">
+                <a16:creationId xmlns:a16="http://schemas.microsoft.com/office/drawing/2014/main" id="{7FCE95C0-A6DA-4CF6-A6E0-26BCBE1CD618}"/>
+              </a:ext>
+            </a:extLst>
+          </p:cNvPr>
+          <p:cNvSpPr/>
+          <p:nvPr/>
+        </p:nvSpPr>
+        <p:spPr>
+          <a:xfrm>
+            <a:off x="2082671" y="2187843"/>
+            <a:ext cx="7883999" cy="1640665"/>
+          </a:xfrm>
+          <a:prstGeom prst="rect">
+            <a:avLst/>
+          </a:prstGeom>
+        </p:spPr>
+        <p:style>
+          <a:lnRef idx="0">
+            <a:schemeClr val="dk1"/>
+          </a:lnRef>
+          <a:fillRef idx="3">
+            <a:schemeClr val="dk1"/>
+          </a:fillRef>
+          <a:effectRef idx="3">
+            <a:schemeClr val="dk1"/>
+          </a:effectRef>
+          <a:fontRef idx="minor">
+            <a:schemeClr val="lt1"/>
+          </a:fontRef>
+        </p:style>
+        <p:txBody>
+          <a:bodyPr rtlCol="0" anchor="ctr"/>
+          <a:lstStyle/>
+          <a:p>
+            <a:pPr algn="ctr"/>
+            <a:r>
+              <a:rPr lang="en-US" sz="4400" u="sng" spc="0" dirty="0" err="1">
+                <a:solidFill>
+                  <a:srgbClr val="FFFF00"/>
+                </a:solidFill>
+                <a:latin typeface="Algerian" panose="04020705040A02060702" pitchFamily="82" charset="0"/>
+              </a:rPr>
+              <a:t>Hazelcast</a:t>
+            </a:r>
+            <a:r>
+              <a:rPr lang="en-US" sz="4400" spc="0" dirty="0">
+                <a:solidFill>
+                  <a:srgbClr val="FFFF00"/>
+                </a:solidFill>
+                <a:latin typeface="Algerian" panose="04020705040A02060702" pitchFamily="82" charset="0"/>
+              </a:rPr>
+              <a:t> </a:t>
+            </a:r>
+            <a:r>
+              <a:rPr lang="en-US" sz="2800" spc="0" dirty="0">
+                <a:solidFill>
+                  <a:srgbClr val="FFFF00"/>
+                </a:solidFill>
+                <a:latin typeface="Algerian" panose="04020705040A02060702" pitchFamily="82" charset="0"/>
+              </a:rPr>
+              <a:t>for</a:t>
+            </a:r>
+            <a:r>
+              <a:rPr lang="en-US" sz="4400" spc="0" dirty="0">
+                <a:solidFill>
+                  <a:srgbClr val="FFFF00"/>
+                </a:solidFill>
+                <a:latin typeface="Algerian" panose="04020705040A02060702" pitchFamily="82" charset="0"/>
+              </a:rPr>
+              <a:t> </a:t>
+            </a:r>
+            <a:r>
+              <a:rPr lang="en-US" sz="4400" u="sng" spc="0" dirty="0">
+                <a:solidFill>
+                  <a:srgbClr val="FFFF00"/>
+                </a:solidFill>
+                <a:latin typeface="Algerian" panose="04020705040A02060702" pitchFamily="82" charset="0"/>
+              </a:rPr>
+              <a:t>clustering</a:t>
+            </a:r>
+            <a:r>
+              <a:rPr lang="en-US" sz="4400" spc="0" dirty="0">
+                <a:solidFill>
+                  <a:srgbClr val="FFFF00"/>
+                </a:solidFill>
+                <a:latin typeface="Algerian" panose="04020705040A02060702" pitchFamily="82" charset="0"/>
+              </a:rPr>
+              <a:t> </a:t>
+            </a:r>
+            <a:r>
+              <a:rPr lang="en-US" sz="2800" spc="0" dirty="0">
+                <a:solidFill>
+                  <a:srgbClr val="FFFF00"/>
+                </a:solidFill>
+                <a:latin typeface="Algerian" panose="04020705040A02060702" pitchFamily="82" charset="0"/>
+              </a:rPr>
+              <a:t>&amp;</a:t>
+            </a:r>
+            <a:r>
+              <a:rPr lang="en-US" sz="4400" spc="0" dirty="0">
+                <a:solidFill>
+                  <a:srgbClr val="FFFF00"/>
+                </a:solidFill>
+                <a:latin typeface="Algerian" panose="04020705040A02060702" pitchFamily="82" charset="0"/>
+              </a:rPr>
+              <a:t> </a:t>
+            </a:r>
+            <a:r>
+              <a:rPr lang="en-US" sz="4400" u="sng" spc="0" dirty="0">
+                <a:solidFill>
+                  <a:srgbClr val="FFFF00"/>
+                </a:solidFill>
+                <a:latin typeface="Algerian" panose="04020705040A02060702" pitchFamily="82" charset="0"/>
+              </a:rPr>
+              <a:t>data persistence</a:t>
+            </a:r>
+            <a:endParaRPr lang="en-IN" sz="4400" b="1" u="sng" dirty="0">
+              <a:solidFill>
+                <a:srgbClr val="FFFF00"/>
+              </a:solidFill>
+            </a:endParaRPr>
+          </a:p>
+        </p:txBody>
+      </p:sp>
+    </p:spTree>
+    <p:extLst>
+      <p:ext uri="{BB962C8B-B14F-4D97-AF65-F5344CB8AC3E}">
+        <p14:creationId xmlns:p14="http://schemas.microsoft.com/office/powerpoint/2010/main" val="2427481833"/>
+      </p:ext>
+    </p:extLst>
+  </p:cSld>
+  <p:clrMapOvr>
+    <a:masterClrMapping/>
+  </p:clrMapOvr>
+</p:sld>
+</file>
+
+<file path=ppt/slides/slide27.xml><?xml version="1.0" encoding="utf-8"?>
+<p:sld xmlns:a="http://schemas.openxmlformats.org/drawingml/2006/main" xmlns:r="http://schemas.openxmlformats.org/officeDocument/2006/relationships" xmlns:p="http://schemas.openxmlformats.org/presentationml/2006/main">
+  <p:cSld>
+    <p:spTree>
+      <p:nvGrpSpPr>
+        <p:cNvPr id="1" name=""/>
+        <p:cNvGrpSpPr/>
+        <p:nvPr/>
+      </p:nvGrpSpPr>
+      <p:grpSpPr>
+        <a:xfrm>
+          <a:off x="0" y="0"/>
+          <a:ext cx="0" cy="0"/>
+          <a:chOff x="0" y="0"/>
+          <a:chExt cx="0" cy="0"/>
+        </a:xfrm>
+      </p:grpSpPr>
+      <p:sp>
+        <p:nvSpPr>
+          <p:cNvPr id="2" name="Title 1">
+            <a:extLst>
+              <a:ext uri="{FF2B5EF4-FFF2-40B4-BE49-F238E27FC236}">
+                <a16:creationId xmlns:a16="http://schemas.microsoft.com/office/drawing/2014/main" id="{E8EBC646-9696-49E3-BFEE-B542A7B0406B}"/>
+              </a:ext>
+            </a:extLst>
+          </p:cNvPr>
+          <p:cNvSpPr>
+            <a:spLocks noGrp="1"/>
+          </p:cNvSpPr>
+          <p:nvPr>
+            <p:ph type="title"/>
+          </p:nvPr>
+        </p:nvSpPr>
+        <p:spPr/>
+        <p:txBody>
+          <a:bodyPr/>
+          <a:lstStyle/>
+          <a:p>
+            <a:r>
+              <a:rPr lang="en-IN" dirty="0"/>
+              <a:t>What we are going to do</a:t>
+            </a:r>
+          </a:p>
+        </p:txBody>
+      </p:sp>
+      <p:sp>
+        <p:nvSpPr>
+          <p:cNvPr id="4" name="Footer Placeholder 3">
+            <a:extLst>
+              <a:ext uri="{FF2B5EF4-FFF2-40B4-BE49-F238E27FC236}">
+                <a16:creationId xmlns:a16="http://schemas.microsoft.com/office/drawing/2014/main" id="{60194187-0B7D-4836-99AB-C962F6AD9F2F}"/>
+              </a:ext>
+            </a:extLst>
+          </p:cNvPr>
+          <p:cNvSpPr>
+            <a:spLocks noGrp="1"/>
+          </p:cNvSpPr>
+          <p:nvPr>
+            <p:ph type="ftr" sz="quarter" idx="11"/>
+          </p:nvPr>
+        </p:nvSpPr>
+        <p:spPr>
+          <a:xfrm>
+            <a:off x="3262896" y="6374787"/>
+            <a:ext cx="4991098" cy="339725"/>
+          </a:xfrm>
+        </p:spPr>
+        <p:txBody>
+          <a:bodyPr/>
+          <a:lstStyle/>
+          <a:p>
+            <a:pPr marL="0" marR="0" lvl="0" indent="0" algn="ctr" defTabSz="914400" rtl="0" eaLnBrk="1" fontAlgn="auto" latinLnBrk="0" hangingPunct="1">
+              <a:lnSpc>
+                <a:spcPct val="100000"/>
+              </a:lnSpc>
+              <a:spcBef>
+                <a:spcPts val="0"/>
+              </a:spcBef>
+              <a:spcAft>
+                <a:spcPts val="0"/>
+              </a:spcAft>
+              <a:buClrTx/>
+              <a:buSzTx/>
+              <a:buFontTx/>
+              <a:buNone/>
+              <a:tabLst/>
+              <a:defRPr/>
+            </a:pPr>
+            <a:r>
+              <a:rPr kumimoji="0" lang="en-US" sz="1200" b="0" i="0" u="none" strike="noStrike" kern="1200" cap="none" spc="100" normalizeH="0" baseline="0" noProof="0" dirty="0">
+                <a:ln>
+                  <a:noFill/>
+                </a:ln>
+                <a:solidFill>
+                  <a:prstClr val="black">
+                    <a:tint val="75000"/>
+                  </a:prstClr>
+                </a:solidFill>
+                <a:effectLst/>
+                <a:uLnTx/>
+                <a:uFillTx/>
+                <a:latin typeface="Univers"/>
+                <a:ea typeface="+mn-ea"/>
+                <a:cs typeface="+mn-cs"/>
+              </a:rPr>
+              <a:t>©Green Learner - https://youtube.com/greenlearner</a:t>
+            </a:r>
+            <a:endParaRPr kumimoji="0" lang="en-IN" sz="1200" b="0" i="0" u="none" strike="noStrike" kern="1200" cap="none" spc="100" normalizeH="0" baseline="0" noProof="0" dirty="0">
+              <a:ln>
+                <a:noFill/>
+              </a:ln>
+              <a:solidFill>
+                <a:prstClr val="black">
+                  <a:tint val="75000"/>
+                </a:prstClr>
+              </a:solidFill>
+              <a:effectLst/>
+              <a:uLnTx/>
+              <a:uFillTx/>
+              <a:latin typeface="Univers"/>
+              <a:ea typeface="+mn-ea"/>
+              <a:cs typeface="+mn-cs"/>
+            </a:endParaRPr>
+          </a:p>
+        </p:txBody>
+      </p:sp>
+      <p:pic>
+        <p:nvPicPr>
+          <p:cNvPr id="5" name="Picture 4">
+            <a:extLst>
+              <a:ext uri="{FF2B5EF4-FFF2-40B4-BE49-F238E27FC236}">
+                <a16:creationId xmlns:a16="http://schemas.microsoft.com/office/drawing/2014/main" id="{04B528A7-9217-4844-9C61-C5FE584CD995}"/>
+              </a:ext>
+            </a:extLst>
+          </p:cNvPr>
+          <p:cNvPicPr>
+            <a:picLocks noChangeAspect="1"/>
+          </p:cNvPicPr>
+          <p:nvPr/>
+        </p:nvPicPr>
+        <p:blipFill>
+          <a:blip r:embed="rId2"/>
+          <a:stretch>
+            <a:fillRect/>
+          </a:stretch>
+        </p:blipFill>
+        <p:spPr>
+          <a:xfrm>
+            <a:off x="8115301" y="1937000"/>
+            <a:ext cx="3081038" cy="2983998"/>
+          </a:xfrm>
+          <a:prstGeom prst="rect">
+            <a:avLst/>
+          </a:prstGeom>
+        </p:spPr>
+      </p:pic>
+      <p:sp>
+        <p:nvSpPr>
+          <p:cNvPr id="6" name="Rectangle 5">
+            <a:extLst>
+              <a:ext uri="{FF2B5EF4-FFF2-40B4-BE49-F238E27FC236}">
+                <a16:creationId xmlns:a16="http://schemas.microsoft.com/office/drawing/2014/main" id="{F38F93C9-2F5D-4907-80FF-719CDA80C383}"/>
+              </a:ext>
+            </a:extLst>
+          </p:cNvPr>
+          <p:cNvSpPr/>
+          <p:nvPr/>
+        </p:nvSpPr>
+        <p:spPr>
+          <a:xfrm>
+            <a:off x="1800225" y="1980280"/>
+            <a:ext cx="2276475" cy="1325563"/>
+          </a:xfrm>
+          <a:prstGeom prst="rect">
+            <a:avLst/>
+          </a:prstGeom>
+        </p:spPr>
+        <p:style>
+          <a:lnRef idx="2">
+            <a:schemeClr val="accent1">
+              <a:shade val="50000"/>
+            </a:schemeClr>
+          </a:lnRef>
+          <a:fillRef idx="1">
+            <a:schemeClr val="accent1"/>
+          </a:fillRef>
+          <a:effectRef idx="0">
+            <a:schemeClr val="accent1"/>
+          </a:effectRef>
+          <a:fontRef idx="minor">
+            <a:schemeClr val="lt1"/>
+          </a:fontRef>
+        </p:style>
+        <p:txBody>
+          <a:bodyPr rtlCol="0" anchor="ctr"/>
+          <a:lstStyle/>
+          <a:p>
+            <a:pPr algn="ctr"/>
+            <a:r>
+              <a:rPr lang="en-IN" dirty="0"/>
+              <a:t>Client</a:t>
+            </a:r>
+          </a:p>
+          <a:p>
+            <a:pPr algn="ctr"/>
+            <a:r>
+              <a:rPr lang="en-IN" dirty="0"/>
+              <a:t>(Microservice)</a:t>
+            </a:r>
+          </a:p>
+          <a:p>
+            <a:pPr algn="ctr"/>
+            <a:endParaRPr lang="en-IN" dirty="0"/>
+          </a:p>
+        </p:txBody>
+      </p:sp>
+      <p:sp>
+        <p:nvSpPr>
+          <p:cNvPr id="7" name="Rectangle 6">
+            <a:extLst>
+              <a:ext uri="{FF2B5EF4-FFF2-40B4-BE49-F238E27FC236}">
+                <a16:creationId xmlns:a16="http://schemas.microsoft.com/office/drawing/2014/main" id="{B84F26FF-7CD0-4D00-BFBC-E94385D62CEF}"/>
+              </a:ext>
+            </a:extLst>
+          </p:cNvPr>
+          <p:cNvSpPr/>
+          <p:nvPr/>
+        </p:nvSpPr>
+        <p:spPr>
+          <a:xfrm>
+            <a:off x="1133474" y="4430406"/>
+            <a:ext cx="2276475" cy="1325563"/>
+          </a:xfrm>
+          <a:prstGeom prst="rect">
+            <a:avLst/>
+          </a:prstGeom>
+        </p:spPr>
+        <p:style>
+          <a:lnRef idx="2">
+            <a:schemeClr val="accent1">
+              <a:shade val="50000"/>
+            </a:schemeClr>
+          </a:lnRef>
+          <a:fillRef idx="1">
+            <a:schemeClr val="accent1"/>
+          </a:fillRef>
+          <a:effectRef idx="0">
+            <a:schemeClr val="accent1"/>
+          </a:effectRef>
+          <a:fontRef idx="minor">
+            <a:schemeClr val="lt1"/>
+          </a:fontRef>
+        </p:style>
+        <p:txBody>
+          <a:bodyPr rtlCol="0" anchor="ctr"/>
+          <a:lstStyle/>
+          <a:p>
+            <a:pPr algn="ctr"/>
+            <a:r>
+              <a:rPr lang="en-IN" dirty="0"/>
+              <a:t>Client</a:t>
+            </a:r>
+          </a:p>
+          <a:p>
+            <a:pPr algn="ctr"/>
+            <a:r>
+              <a:rPr lang="en-IN" dirty="0"/>
+              <a:t>(Microservice)</a:t>
+            </a:r>
+          </a:p>
+          <a:p>
+            <a:pPr algn="ctr"/>
+            <a:endParaRPr lang="en-IN" dirty="0"/>
+          </a:p>
+        </p:txBody>
+      </p:sp>
+      <p:sp>
+        <p:nvSpPr>
+          <p:cNvPr id="8" name="Rectangle 7">
+            <a:extLst>
+              <a:ext uri="{FF2B5EF4-FFF2-40B4-BE49-F238E27FC236}">
+                <a16:creationId xmlns:a16="http://schemas.microsoft.com/office/drawing/2014/main" id="{C6696803-74F6-44A6-9FE9-2859534F88E5}"/>
+              </a:ext>
+            </a:extLst>
+          </p:cNvPr>
+          <p:cNvSpPr/>
+          <p:nvPr/>
+        </p:nvSpPr>
+        <p:spPr>
+          <a:xfrm>
+            <a:off x="4552949" y="5093187"/>
+            <a:ext cx="2276475" cy="1325563"/>
+          </a:xfrm>
+          <a:prstGeom prst="rect">
+            <a:avLst/>
+          </a:prstGeom>
+        </p:spPr>
+        <p:style>
+          <a:lnRef idx="2">
+            <a:schemeClr val="accent1">
+              <a:shade val="50000"/>
+            </a:schemeClr>
+          </a:lnRef>
+          <a:fillRef idx="1">
+            <a:schemeClr val="accent1"/>
+          </a:fillRef>
+          <a:effectRef idx="0">
+            <a:schemeClr val="accent1"/>
+          </a:effectRef>
+          <a:fontRef idx="minor">
+            <a:schemeClr val="lt1"/>
+          </a:fontRef>
+        </p:style>
+        <p:txBody>
+          <a:bodyPr rtlCol="0" anchor="ctr"/>
+          <a:lstStyle/>
+          <a:p>
+            <a:pPr algn="ctr"/>
+            <a:r>
+              <a:rPr lang="en-IN" dirty="0"/>
+              <a:t>Client</a:t>
+            </a:r>
+          </a:p>
+          <a:p>
+            <a:pPr algn="ctr"/>
+            <a:r>
+              <a:rPr lang="en-IN" dirty="0"/>
+              <a:t>(Microservice)</a:t>
+            </a:r>
+          </a:p>
+          <a:p>
+            <a:pPr algn="ctr"/>
+            <a:endParaRPr lang="en-IN" dirty="0"/>
+          </a:p>
+        </p:txBody>
+      </p:sp>
+      <p:cxnSp>
+        <p:nvCxnSpPr>
+          <p:cNvPr id="9" name="Straight Arrow Connector 8">
+            <a:extLst>
+              <a:ext uri="{FF2B5EF4-FFF2-40B4-BE49-F238E27FC236}">
+                <a16:creationId xmlns:a16="http://schemas.microsoft.com/office/drawing/2014/main" id="{4D2D9C33-BD39-4A82-9C4B-B6C9500DBB1E}"/>
+              </a:ext>
+            </a:extLst>
+          </p:cNvPr>
+          <p:cNvCxnSpPr>
+            <a:cxnSpLocks/>
+          </p:cNvCxnSpPr>
+          <p:nvPr/>
+        </p:nvCxnSpPr>
+        <p:spPr>
+          <a:xfrm>
+            <a:off x="4076700" y="2643061"/>
+            <a:ext cx="4038601" cy="785938"/>
+          </a:xfrm>
+          <a:prstGeom prst="straightConnector1">
+            <a:avLst/>
+          </a:prstGeom>
+          <a:ln w="38100">
+            <a:solidFill>
+              <a:srgbClr val="00B050"/>
+            </a:solidFill>
+            <a:tailEnd type="triangle"/>
+          </a:ln>
+        </p:spPr>
+        <p:style>
+          <a:lnRef idx="2">
+            <a:schemeClr val="dk1"/>
+          </a:lnRef>
+          <a:fillRef idx="0">
+            <a:schemeClr val="dk1"/>
+          </a:fillRef>
+          <a:effectRef idx="1">
+            <a:schemeClr val="dk1"/>
+          </a:effectRef>
+          <a:fontRef idx="minor">
+            <a:schemeClr val="tx1"/>
+          </a:fontRef>
+        </p:style>
+      </p:cxnSp>
+      <p:cxnSp>
+        <p:nvCxnSpPr>
+          <p:cNvPr id="10" name="Straight Arrow Connector 9">
+            <a:extLst>
+              <a:ext uri="{FF2B5EF4-FFF2-40B4-BE49-F238E27FC236}">
+                <a16:creationId xmlns:a16="http://schemas.microsoft.com/office/drawing/2014/main" id="{4508E36C-AC53-4678-AA48-B4B7B833A083}"/>
+              </a:ext>
+            </a:extLst>
+          </p:cNvPr>
+          <p:cNvCxnSpPr>
+            <a:cxnSpLocks/>
+            <a:stCxn id="7" idx="3"/>
+          </p:cNvCxnSpPr>
+          <p:nvPr/>
+        </p:nvCxnSpPr>
+        <p:spPr>
+          <a:xfrm flipV="1">
+            <a:off x="3409949" y="3724275"/>
+            <a:ext cx="4705352" cy="1368913"/>
+          </a:xfrm>
+          <a:prstGeom prst="straightConnector1">
+            <a:avLst/>
+          </a:prstGeom>
+          <a:ln w="38100">
+            <a:solidFill>
+              <a:srgbClr val="00B050"/>
+            </a:solidFill>
+            <a:tailEnd type="triangle"/>
+          </a:ln>
+        </p:spPr>
+        <p:style>
+          <a:lnRef idx="2">
+            <a:schemeClr val="dk1"/>
+          </a:lnRef>
+          <a:fillRef idx="0">
+            <a:schemeClr val="dk1"/>
+          </a:fillRef>
+          <a:effectRef idx="1">
+            <a:schemeClr val="dk1"/>
+          </a:effectRef>
+          <a:fontRef idx="minor">
+            <a:schemeClr val="tx1"/>
+          </a:fontRef>
+        </p:style>
+      </p:cxnSp>
+      <p:cxnSp>
+        <p:nvCxnSpPr>
+          <p:cNvPr id="12" name="Straight Arrow Connector 11">
+            <a:extLst>
+              <a:ext uri="{FF2B5EF4-FFF2-40B4-BE49-F238E27FC236}">
+                <a16:creationId xmlns:a16="http://schemas.microsoft.com/office/drawing/2014/main" id="{7BC52845-3C60-472B-AA61-9BEAD4796FF5}"/>
+              </a:ext>
+            </a:extLst>
+          </p:cNvPr>
+          <p:cNvCxnSpPr>
+            <a:cxnSpLocks/>
+            <a:stCxn id="8" idx="3"/>
+          </p:cNvCxnSpPr>
+          <p:nvPr/>
+        </p:nvCxnSpPr>
+        <p:spPr>
+          <a:xfrm flipV="1">
+            <a:off x="6829424" y="4251200"/>
+            <a:ext cx="1285877" cy="1504769"/>
+          </a:xfrm>
+          <a:prstGeom prst="straightConnector1">
+            <a:avLst/>
+          </a:prstGeom>
+          <a:ln w="38100">
+            <a:solidFill>
+              <a:srgbClr val="00B050"/>
+            </a:solidFill>
+            <a:tailEnd type="triangle"/>
+          </a:ln>
+        </p:spPr>
+        <p:style>
+          <a:lnRef idx="2">
+            <a:schemeClr val="dk1"/>
+          </a:lnRef>
+          <a:fillRef idx="0">
+            <a:schemeClr val="dk1"/>
+          </a:fillRef>
+          <a:effectRef idx="1">
+            <a:schemeClr val="dk1"/>
+          </a:effectRef>
+          <a:fontRef idx="minor">
+            <a:schemeClr val="tx1"/>
+          </a:fontRef>
+        </p:style>
+      </p:cxnSp>
+    </p:spTree>
+    <p:extLst>
+      <p:ext uri="{BB962C8B-B14F-4D97-AF65-F5344CB8AC3E}">
+        <p14:creationId xmlns:p14="http://schemas.microsoft.com/office/powerpoint/2010/main" val="2180263336"/>
+      </p:ext>
+    </p:extLst>
+  </p:cSld>
+  <p:clrMapOvr>
+    <a:masterClrMapping/>
+  </p:clrMapOvr>
+  <p:timing>
+    <p:tnLst>
+      <p:par>
+        <p:cTn id="1" dur="indefinite" restart="never" nodeType="tmRoot">
+          <p:childTnLst>
+            <p:seq concurrent="1" nextAc="seek">
+              <p:cTn id="2" dur="indefinite" nodeType="mainSeq">
+                <p:childTnLst>
+                  <p:par>
+                    <p:cTn id="3" fill="hold">
+                      <p:stCondLst>
+                        <p:cond delay="indefinite"/>
+                      </p:stCondLst>
+                      <p:childTnLst>
+                        <p:par>
+                          <p:cTn id="4" fill="hold">
+                            <p:stCondLst>
+                              <p:cond delay="0"/>
+                            </p:stCondLst>
+                            <p:childTnLst>
+                              <p:par>
+                                <p:cTn id="5" presetID="42" presetClass="entr" presetSubtype="0" fill="hold" nodeType="clickEffect">
+                                  <p:stCondLst>
+                                    <p:cond delay="0"/>
+                                  </p:stCondLst>
+                                  <p:childTnLst>
+                                    <p:set>
+                                      <p:cBhvr>
+                                        <p:cTn id="6" dur="1" fill="hold">
+                                          <p:stCondLst>
+                                            <p:cond delay="0"/>
+                                          </p:stCondLst>
+                                        </p:cTn>
+                                        <p:tgtEl>
+                                          <p:spTgt spid="5"/>
+                                        </p:tgtEl>
+                                        <p:attrNameLst>
+                                          <p:attrName>style.visibility</p:attrName>
+                                        </p:attrNameLst>
+                                      </p:cBhvr>
+                                      <p:to>
+                                        <p:strVal val="visible"/>
+                                      </p:to>
+                                    </p:set>
+                                    <p:animEffect transition="in" filter="fade">
+                                      <p:cBhvr>
+                                        <p:cTn id="7" dur="1000"/>
+                                        <p:tgtEl>
+                                          <p:spTgt spid="5"/>
+                                        </p:tgtEl>
+                                      </p:cBhvr>
+                                    </p:animEffect>
+                                    <p:anim calcmode="lin" valueType="num">
+                                      <p:cBhvr>
+                                        <p:cTn id="8" dur="1000" fill="hold"/>
+                                        <p:tgtEl>
+                                          <p:spTgt spid="5"/>
+                                        </p:tgtEl>
+                                        <p:attrNameLst>
+                                          <p:attrName>ppt_x</p:attrName>
+                                        </p:attrNameLst>
+                                      </p:cBhvr>
+                                      <p:tavLst>
+                                        <p:tav tm="0">
+                                          <p:val>
+                                            <p:strVal val="#ppt_x"/>
+                                          </p:val>
+                                        </p:tav>
+                                        <p:tav tm="100000">
+                                          <p:val>
+                                            <p:strVal val="#ppt_x"/>
+                                          </p:val>
+                                        </p:tav>
+                                      </p:tavLst>
+                                    </p:anim>
+                                    <p:anim calcmode="lin" valueType="num">
+                                      <p:cBhvr>
+                                        <p:cTn id="9" dur="1000" fill="hold"/>
+                                        <p:tgtEl>
+                                          <p:spTgt spid="5"/>
+                                        </p:tgtEl>
+                                        <p:attrNameLst>
+                                          <p:attrName>ppt_y</p:attrName>
+                                        </p:attrNameLst>
+                                      </p:cBhvr>
+                                      <p:tavLst>
+                                        <p:tav tm="0">
+                                          <p:val>
+                                            <p:strVal val="#ppt_y+.1"/>
+                                          </p:val>
+                                        </p:tav>
+                                        <p:tav tm="100000">
+                                          <p:val>
+                                            <p:strVal val="#ppt_y"/>
+                                          </p:val>
+                                        </p:tav>
+                                      </p:tavLst>
+                                    </p:anim>
+                                  </p:childTnLst>
+                                </p:cTn>
+                              </p:par>
+                            </p:childTnLst>
+                          </p:cTn>
+                        </p:par>
+                      </p:childTnLst>
+                    </p:cTn>
+                  </p:par>
+                  <p:par>
+                    <p:cTn id="10" fill="hold">
+                      <p:stCondLst>
+                        <p:cond delay="indefinite"/>
+                      </p:stCondLst>
+                      <p:childTnLst>
+                        <p:par>
+                          <p:cTn id="11" fill="hold">
+                            <p:stCondLst>
+                              <p:cond delay="0"/>
+                            </p:stCondLst>
+                            <p:childTnLst>
+                              <p:par>
+                                <p:cTn id="12" presetID="42" presetClass="entr" presetSubtype="0" fill="hold" grpId="0" nodeType="clickEffect">
+                                  <p:stCondLst>
+                                    <p:cond delay="0"/>
+                                  </p:stCondLst>
+                                  <p:childTnLst>
+                                    <p:set>
+                                      <p:cBhvr>
+                                        <p:cTn id="13" dur="1" fill="hold">
+                                          <p:stCondLst>
+                                            <p:cond delay="0"/>
+                                          </p:stCondLst>
+                                        </p:cTn>
+                                        <p:tgtEl>
+                                          <p:spTgt spid="6"/>
+                                        </p:tgtEl>
+                                        <p:attrNameLst>
+                                          <p:attrName>style.visibility</p:attrName>
+                                        </p:attrNameLst>
+                                      </p:cBhvr>
+                                      <p:to>
+                                        <p:strVal val="visible"/>
+                                      </p:to>
+                                    </p:set>
+                                    <p:animEffect transition="in" filter="fade">
+                                      <p:cBhvr>
+                                        <p:cTn id="14" dur="1000"/>
+                                        <p:tgtEl>
+                                          <p:spTgt spid="6"/>
+                                        </p:tgtEl>
+                                      </p:cBhvr>
+                                    </p:animEffect>
+                                    <p:anim calcmode="lin" valueType="num">
+                                      <p:cBhvr>
+                                        <p:cTn id="15" dur="1000" fill="hold"/>
+                                        <p:tgtEl>
+                                          <p:spTgt spid="6"/>
+                                        </p:tgtEl>
+                                        <p:attrNameLst>
+                                          <p:attrName>ppt_x</p:attrName>
+                                        </p:attrNameLst>
+                                      </p:cBhvr>
+                                      <p:tavLst>
+                                        <p:tav tm="0">
+                                          <p:val>
+                                            <p:strVal val="#ppt_x"/>
+                                          </p:val>
+                                        </p:tav>
+                                        <p:tav tm="100000">
+                                          <p:val>
+                                            <p:strVal val="#ppt_x"/>
+                                          </p:val>
+                                        </p:tav>
+                                      </p:tavLst>
+                                    </p:anim>
+                                    <p:anim calcmode="lin" valueType="num">
+                                      <p:cBhvr>
+                                        <p:cTn id="16" dur="1000" fill="hold"/>
+                                        <p:tgtEl>
+                                          <p:spTgt spid="6"/>
+                                        </p:tgtEl>
+                                        <p:attrNameLst>
+                                          <p:attrName>ppt_y</p:attrName>
+                                        </p:attrNameLst>
+                                      </p:cBhvr>
+                                      <p:tavLst>
+                                        <p:tav tm="0">
+                                          <p:val>
+                                            <p:strVal val="#ppt_y+.1"/>
+                                          </p:val>
+                                        </p:tav>
+                                        <p:tav tm="100000">
+                                          <p:val>
+                                            <p:strVal val="#ppt_y"/>
+                                          </p:val>
+                                        </p:tav>
+                                      </p:tavLst>
+                                    </p:anim>
+                                  </p:childTnLst>
+                                </p:cTn>
+                              </p:par>
+                            </p:childTnLst>
+                          </p:cTn>
+                        </p:par>
+                      </p:childTnLst>
+                    </p:cTn>
+                  </p:par>
+                  <p:par>
+                    <p:cTn id="17" fill="hold">
+                      <p:stCondLst>
+                        <p:cond delay="indefinite"/>
+                      </p:stCondLst>
+                      <p:childTnLst>
+                        <p:par>
+                          <p:cTn id="18" fill="hold">
+                            <p:stCondLst>
+                              <p:cond delay="0"/>
+                            </p:stCondLst>
+                            <p:childTnLst>
+                              <p:par>
+                                <p:cTn id="19" presetID="22" presetClass="entr" presetSubtype="4" fill="hold" nodeType="clickEffect">
+                                  <p:stCondLst>
+                                    <p:cond delay="0"/>
+                                  </p:stCondLst>
+                                  <p:childTnLst>
+                                    <p:set>
+                                      <p:cBhvr>
+                                        <p:cTn id="20" dur="1" fill="hold">
+                                          <p:stCondLst>
+                                            <p:cond delay="0"/>
+                                          </p:stCondLst>
+                                        </p:cTn>
+                                        <p:tgtEl>
+                                          <p:spTgt spid="9"/>
+                                        </p:tgtEl>
+                                        <p:attrNameLst>
+                                          <p:attrName>style.visibility</p:attrName>
+                                        </p:attrNameLst>
+                                      </p:cBhvr>
+                                      <p:to>
+                                        <p:strVal val="visible"/>
+                                      </p:to>
+                                    </p:set>
+                                    <p:animEffect transition="in" filter="wipe(down)">
+                                      <p:cBhvr>
+                                        <p:cTn id="21" dur="500"/>
+                                        <p:tgtEl>
+                                          <p:spTgt spid="9"/>
+                                        </p:tgtEl>
+                                      </p:cBhvr>
+                                    </p:animEffect>
+                                  </p:childTnLst>
+                                </p:cTn>
+                              </p:par>
+                            </p:childTnLst>
+                          </p:cTn>
+                        </p:par>
+                      </p:childTnLst>
+                    </p:cTn>
+                  </p:par>
+                  <p:par>
+                    <p:cTn id="22" fill="hold">
+                      <p:stCondLst>
+                        <p:cond delay="indefinite"/>
+                      </p:stCondLst>
+                      <p:childTnLst>
+                        <p:par>
+                          <p:cTn id="23" fill="hold">
+                            <p:stCondLst>
+                              <p:cond delay="0"/>
+                            </p:stCondLst>
+                            <p:childTnLst>
+                              <p:par>
+                                <p:cTn id="24" presetID="1" presetClass="entr" presetSubtype="0" fill="hold" grpId="0" nodeType="clickEffect">
+                                  <p:stCondLst>
+                                    <p:cond delay="0"/>
+                                  </p:stCondLst>
+                                  <p:childTnLst>
+                                    <p:set>
+                                      <p:cBhvr>
+                                        <p:cTn id="25" dur="1" fill="hold">
+                                          <p:stCondLst>
+                                            <p:cond delay="0"/>
+                                          </p:stCondLst>
+                                        </p:cTn>
+                                        <p:tgtEl>
+                                          <p:spTgt spid="7"/>
+                                        </p:tgtEl>
+                                        <p:attrNameLst>
+                                          <p:attrName>style.visibility</p:attrName>
+                                        </p:attrNameLst>
+                                      </p:cBhvr>
+                                      <p:to>
+                                        <p:strVal val="visible"/>
+                                      </p:to>
+                                    </p:set>
+                                  </p:childTnLst>
+                                </p:cTn>
+                              </p:par>
+                            </p:childTnLst>
+                          </p:cTn>
+                        </p:par>
+                      </p:childTnLst>
+                    </p:cTn>
+                  </p:par>
+                  <p:par>
+                    <p:cTn id="26" fill="hold">
+                      <p:stCondLst>
+                        <p:cond delay="indefinite"/>
+                      </p:stCondLst>
+                      <p:childTnLst>
+                        <p:par>
+                          <p:cTn id="27" fill="hold">
+                            <p:stCondLst>
+                              <p:cond delay="0"/>
+                            </p:stCondLst>
+                            <p:childTnLst>
+                              <p:par>
+                                <p:cTn id="28" presetID="22" presetClass="entr" presetSubtype="4" fill="hold" nodeType="clickEffect">
+                                  <p:stCondLst>
+                                    <p:cond delay="0"/>
+                                  </p:stCondLst>
+                                  <p:childTnLst>
+                                    <p:set>
+                                      <p:cBhvr>
+                                        <p:cTn id="29" dur="1" fill="hold">
+                                          <p:stCondLst>
+                                            <p:cond delay="0"/>
+                                          </p:stCondLst>
+                                        </p:cTn>
+                                        <p:tgtEl>
+                                          <p:spTgt spid="10"/>
+                                        </p:tgtEl>
+                                        <p:attrNameLst>
+                                          <p:attrName>style.visibility</p:attrName>
+                                        </p:attrNameLst>
+                                      </p:cBhvr>
+                                      <p:to>
+                                        <p:strVal val="visible"/>
+                                      </p:to>
+                                    </p:set>
+                                    <p:animEffect transition="in" filter="wipe(down)">
+                                      <p:cBhvr>
+                                        <p:cTn id="30" dur="500"/>
+                                        <p:tgtEl>
+                                          <p:spTgt spid="10"/>
+                                        </p:tgtEl>
+                                      </p:cBhvr>
+                                    </p:animEffect>
+                                  </p:childTnLst>
+                                </p:cTn>
+                              </p:par>
+                            </p:childTnLst>
+                          </p:cTn>
+                        </p:par>
+                      </p:childTnLst>
+                    </p:cTn>
+                  </p:par>
+                  <p:par>
+                    <p:cTn id="31" fill="hold">
+                      <p:stCondLst>
+                        <p:cond delay="indefinite"/>
+                      </p:stCondLst>
+                      <p:childTnLst>
+                        <p:par>
+                          <p:cTn id="32" fill="hold">
+                            <p:stCondLst>
+                              <p:cond delay="0"/>
+                            </p:stCondLst>
+                            <p:childTnLst>
+                              <p:par>
+                                <p:cTn id="33" presetID="22" presetClass="entr" presetSubtype="4" fill="hold" grpId="0" nodeType="clickEffect">
+                                  <p:stCondLst>
+                                    <p:cond delay="0"/>
+                                  </p:stCondLst>
+                                  <p:childTnLst>
+                                    <p:set>
+                                      <p:cBhvr>
+                                        <p:cTn id="34" dur="1" fill="hold">
+                                          <p:stCondLst>
+                                            <p:cond delay="0"/>
+                                          </p:stCondLst>
+                                        </p:cTn>
+                                        <p:tgtEl>
+                                          <p:spTgt spid="8"/>
+                                        </p:tgtEl>
+                                        <p:attrNameLst>
+                                          <p:attrName>style.visibility</p:attrName>
+                                        </p:attrNameLst>
+                                      </p:cBhvr>
+                                      <p:to>
+                                        <p:strVal val="visible"/>
+                                      </p:to>
+                                    </p:set>
+                                    <p:animEffect transition="in" filter="wipe(down)">
+                                      <p:cBhvr>
+                                        <p:cTn id="35" dur="500"/>
+                                        <p:tgtEl>
+                                          <p:spTgt spid="8"/>
+                                        </p:tgtEl>
+                                      </p:cBhvr>
+                                    </p:animEffect>
+                                  </p:childTnLst>
+                                </p:cTn>
+                              </p:par>
+                            </p:childTnLst>
+                          </p:cTn>
+                        </p:par>
+                      </p:childTnLst>
+                    </p:cTn>
+                  </p:par>
+                  <p:par>
+                    <p:cTn id="36" fill="hold">
+                      <p:stCondLst>
+                        <p:cond delay="indefinite"/>
+                      </p:stCondLst>
+                      <p:childTnLst>
+                        <p:par>
+                          <p:cTn id="37" fill="hold">
+                            <p:stCondLst>
+                              <p:cond delay="0"/>
+                            </p:stCondLst>
+                            <p:childTnLst>
+                              <p:par>
+                                <p:cTn id="38" presetID="22" presetClass="entr" presetSubtype="4" fill="hold" nodeType="clickEffect">
+                                  <p:stCondLst>
+                                    <p:cond delay="0"/>
+                                  </p:stCondLst>
+                                  <p:childTnLst>
+                                    <p:set>
+                                      <p:cBhvr>
+                                        <p:cTn id="39" dur="1" fill="hold">
+                                          <p:stCondLst>
+                                            <p:cond delay="0"/>
+                                          </p:stCondLst>
+                                        </p:cTn>
+                                        <p:tgtEl>
+                                          <p:spTgt spid="12"/>
+                                        </p:tgtEl>
+                                        <p:attrNameLst>
+                                          <p:attrName>style.visibility</p:attrName>
+                                        </p:attrNameLst>
+                                      </p:cBhvr>
+                                      <p:to>
+                                        <p:strVal val="visible"/>
+                                      </p:to>
+                                    </p:set>
+                                    <p:animEffect transition="in" filter="wipe(down)">
+                                      <p:cBhvr>
+                                        <p:cTn id="40" dur="500"/>
+                                        <p:tgtEl>
+                                          <p:spTgt spid="12"/>
+                                        </p:tgtEl>
+                                      </p:cBhvr>
+                                    </p:animEffect>
+                                  </p:childTnLst>
+                                </p:cTn>
+                              </p:par>
+                            </p:childTnLst>
+                          </p:cTn>
+                        </p:par>
+                      </p:childTnLst>
+                    </p:cTn>
+                  </p:par>
+                </p:childTnLst>
+              </p:cTn>
+              <p:prevCondLst>
+                <p:cond evt="onPrev" delay="0">
+                  <p:tgtEl>
+                    <p:sldTgt/>
+                  </p:tgtEl>
+                </p:cond>
+              </p:prevCondLst>
+              <p:nextCondLst>
+                <p:cond evt="onNext" delay="0">
+                  <p:tgtEl>
+                    <p:sldTgt/>
+                  </p:tgtEl>
+                </p:cond>
+              </p:nextCondLst>
+            </p:seq>
+          </p:childTnLst>
+        </p:cTn>
+      </p:par>
+    </p:tnLst>
+    <p:bldLst>
+      <p:bldP spid="6" grpId="0" animBg="1"/>
+      <p:bldP spid="7" grpId="0" animBg="1"/>
+      <p:bldP spid="8" grpId="0" animBg="1"/>
+    </p:bldLst>
+  </p:timing>
+</p:sld>
+</file>
+
+<file path=ppt/slides/slide28.xml><?xml version="1.0" encoding="utf-8"?>
+<p:sld xmlns:a="http://schemas.openxmlformats.org/drawingml/2006/main" xmlns:r="http://schemas.openxmlformats.org/officeDocument/2006/relationships" xmlns:p="http://schemas.openxmlformats.org/presentationml/2006/main" showMasterSp="0">
+  <p:cSld>
+    <p:spTree>
+      <p:nvGrpSpPr>
+        <p:cNvPr id="1" name=""/>
+        <p:cNvGrpSpPr/>
+        <p:nvPr/>
+      </p:nvGrpSpPr>
+      <p:grpSpPr>
+        <a:xfrm>
+          <a:off x="0" y="0"/>
+          <a:ext cx="0" cy="0"/>
+          <a:chOff x="0" y="0"/>
+          <a:chExt cx="0" cy="0"/>
+        </a:xfrm>
+      </p:grpSpPr>
+      <p:sp>
+        <p:nvSpPr>
+          <p:cNvPr id="16" name="Footer Placeholder 3">
+            <a:extLst>
+              <a:ext uri="{FF2B5EF4-FFF2-40B4-BE49-F238E27FC236}">
+                <a16:creationId xmlns:a16="http://schemas.microsoft.com/office/drawing/2014/main" id="{B2AF552E-5380-422C-BB43-6D8D99DF91FB}"/>
+              </a:ext>
+            </a:extLst>
+          </p:cNvPr>
+          <p:cNvSpPr>
+            <a:spLocks noGrp="1"/>
+          </p:cNvSpPr>
+          <p:nvPr>
+            <p:ph type="ftr" sz="quarter" idx="11"/>
+          </p:nvPr>
+        </p:nvSpPr>
+        <p:spPr>
+          <a:xfrm>
+            <a:off x="3303524" y="6376439"/>
+            <a:ext cx="4991098" cy="339725"/>
+          </a:xfrm>
+        </p:spPr>
+        <p:txBody>
+          <a:bodyPr/>
+          <a:lstStyle/>
+          <a:p>
+            <a:pPr marL="0" marR="0" lvl="0" indent="0" algn="ctr" defTabSz="914400" rtl="0" eaLnBrk="1" fontAlgn="auto" latinLnBrk="0" hangingPunct="1">
+              <a:lnSpc>
+                <a:spcPct val="100000"/>
+              </a:lnSpc>
+              <a:spcBef>
+                <a:spcPts val="0"/>
+              </a:spcBef>
+              <a:spcAft>
+                <a:spcPts val="0"/>
+              </a:spcAft>
+              <a:buClrTx/>
+              <a:buSzTx/>
+              <a:buFontTx/>
+              <a:buNone/>
+              <a:tabLst/>
+              <a:defRPr/>
+            </a:pPr>
+            <a:r>
+              <a:rPr kumimoji="0" lang="en-US" sz="1200" b="0" i="0" u="none" strike="noStrike" kern="1200" cap="none" spc="100" normalizeH="0" baseline="0" noProof="0" dirty="0">
+                <a:ln>
+                  <a:noFill/>
+                </a:ln>
+                <a:solidFill>
+                  <a:prstClr val="black">
+                    <a:tint val="75000"/>
+                  </a:prstClr>
+                </a:solidFill>
+                <a:effectLst/>
+                <a:uLnTx/>
+                <a:uFillTx/>
+                <a:latin typeface="Univers"/>
+                <a:ea typeface="+mn-ea"/>
+                <a:cs typeface="+mn-cs"/>
+              </a:rPr>
+              <a:t>©Green Learner - https://youtube.com/greenlearner</a:t>
+            </a:r>
+            <a:endParaRPr kumimoji="0" lang="en-IN" sz="1200" b="0" i="0" u="none" strike="noStrike" kern="1200" cap="none" spc="100" normalizeH="0" baseline="0" noProof="0" dirty="0">
+              <a:ln>
+                <a:noFill/>
+              </a:ln>
+              <a:solidFill>
+                <a:prstClr val="black">
+                  <a:tint val="75000"/>
+                </a:prstClr>
+              </a:solidFill>
+              <a:effectLst/>
+              <a:uLnTx/>
+              <a:uFillTx/>
+              <a:latin typeface="Univers"/>
+              <a:ea typeface="+mn-ea"/>
+              <a:cs typeface="+mn-cs"/>
+            </a:endParaRPr>
+          </a:p>
+        </p:txBody>
+      </p:sp>
+    </p:spTree>
+    <p:extLst>
+      <p:ext uri="{BB962C8B-B14F-4D97-AF65-F5344CB8AC3E}">
+        <p14:creationId xmlns:p14="http://schemas.microsoft.com/office/powerpoint/2010/main" val="2384300302"/>
+      </p:ext>
+    </p:extLst>
+  </p:cSld>
+  <p:clrMapOvr>
+    <a:masterClrMapping/>
+  </p:clrMapOvr>
 </p:sld>
 </file>
 
